--- a/Figures/sem_figure_making.pptx
+++ b/Figures/sem_figure_making.pptx
@@ -7,6 +7,8 @@
   <p:sldIdLst>
     <p:sldId id="256" r:id="rId2"/>
     <p:sldId id="257" r:id="rId3"/>
+    <p:sldId id="258" r:id="rId4"/>
+    <p:sldId id="259" r:id="rId5"/>
   </p:sldIdLst>
   <p:sldSz cx="16459200" cy="9144000"/>
   <p:notesSz cx="6858000" cy="9144000"/>
@@ -244,7 +246,7 @@
           <a:p>
             <a:fld id="{0CCF7C2E-4654-46A8-A482-068FB17BD914}" type="datetimeFigureOut">
               <a:rPr lang="en-US" smtClean="0"/>
-              <a:t>5/11/2021</a:t>
+              <a:t>6/3/2021</a:t>
             </a:fld>
             <a:endParaRPr lang="en-US"/>
           </a:p>
@@ -414,7 +416,7 @@
           <a:p>
             <a:fld id="{0CCF7C2E-4654-46A8-A482-068FB17BD914}" type="datetimeFigureOut">
               <a:rPr lang="en-US" smtClean="0"/>
-              <a:t>5/11/2021</a:t>
+              <a:t>6/3/2021</a:t>
             </a:fld>
             <a:endParaRPr lang="en-US"/>
           </a:p>
@@ -594,7 +596,7 @@
           <a:p>
             <a:fld id="{0CCF7C2E-4654-46A8-A482-068FB17BD914}" type="datetimeFigureOut">
               <a:rPr lang="en-US" smtClean="0"/>
-              <a:t>5/11/2021</a:t>
+              <a:t>6/3/2021</a:t>
             </a:fld>
             <a:endParaRPr lang="en-US"/>
           </a:p>
@@ -764,7 +766,7 @@
           <a:p>
             <a:fld id="{0CCF7C2E-4654-46A8-A482-068FB17BD914}" type="datetimeFigureOut">
               <a:rPr lang="en-US" smtClean="0"/>
-              <a:t>5/11/2021</a:t>
+              <a:t>6/3/2021</a:t>
             </a:fld>
             <a:endParaRPr lang="en-US"/>
           </a:p>
@@ -1010,7 +1012,7 @@
           <a:p>
             <a:fld id="{0CCF7C2E-4654-46A8-A482-068FB17BD914}" type="datetimeFigureOut">
               <a:rPr lang="en-US" smtClean="0"/>
-              <a:t>5/11/2021</a:t>
+              <a:t>6/3/2021</a:t>
             </a:fld>
             <a:endParaRPr lang="en-US"/>
           </a:p>
@@ -1242,7 +1244,7 @@
           <a:p>
             <a:fld id="{0CCF7C2E-4654-46A8-A482-068FB17BD914}" type="datetimeFigureOut">
               <a:rPr lang="en-US" smtClean="0"/>
-              <a:t>5/11/2021</a:t>
+              <a:t>6/3/2021</a:t>
             </a:fld>
             <a:endParaRPr lang="en-US"/>
           </a:p>
@@ -1609,7 +1611,7 @@
           <a:p>
             <a:fld id="{0CCF7C2E-4654-46A8-A482-068FB17BD914}" type="datetimeFigureOut">
               <a:rPr lang="en-US" smtClean="0"/>
-              <a:t>5/11/2021</a:t>
+              <a:t>6/3/2021</a:t>
             </a:fld>
             <a:endParaRPr lang="en-US"/>
           </a:p>
@@ -1727,7 +1729,7 @@
           <a:p>
             <a:fld id="{0CCF7C2E-4654-46A8-A482-068FB17BD914}" type="datetimeFigureOut">
               <a:rPr lang="en-US" smtClean="0"/>
-              <a:t>5/11/2021</a:t>
+              <a:t>6/3/2021</a:t>
             </a:fld>
             <a:endParaRPr lang="en-US"/>
           </a:p>
@@ -1822,7 +1824,7 @@
           <a:p>
             <a:fld id="{0CCF7C2E-4654-46A8-A482-068FB17BD914}" type="datetimeFigureOut">
               <a:rPr lang="en-US" smtClean="0"/>
-              <a:t>5/11/2021</a:t>
+              <a:t>6/3/2021</a:t>
             </a:fld>
             <a:endParaRPr lang="en-US"/>
           </a:p>
@@ -2099,7 +2101,7 @@
           <a:p>
             <a:fld id="{0CCF7C2E-4654-46A8-A482-068FB17BD914}" type="datetimeFigureOut">
               <a:rPr lang="en-US" smtClean="0"/>
-              <a:t>5/11/2021</a:t>
+              <a:t>6/3/2021</a:t>
             </a:fld>
             <a:endParaRPr lang="en-US"/>
           </a:p>
@@ -2356,7 +2358,7 @@
           <a:p>
             <a:fld id="{0CCF7C2E-4654-46A8-A482-068FB17BD914}" type="datetimeFigureOut">
               <a:rPr lang="en-US" smtClean="0"/>
-              <a:t>5/11/2021</a:t>
+              <a:t>6/3/2021</a:t>
             </a:fld>
             <a:endParaRPr lang="en-US"/>
           </a:p>
@@ -2569,7 +2571,7 @@
           <a:p>
             <a:fld id="{0CCF7C2E-4654-46A8-A482-068FB17BD914}" type="datetimeFigureOut">
               <a:rPr lang="en-US" smtClean="0"/>
-              <a:t>5/11/2021</a:t>
+              <a:t>6/3/2021</a:t>
             </a:fld>
             <a:endParaRPr lang="en-US"/>
           </a:p>
@@ -15529,6 +15531,9543 @@
 </p:sld>
 </file>
 
+<file path=ppt/slides/slide3.xml><?xml version="1.0" encoding="utf-8"?>
+<p:sld xmlns:a="http://schemas.openxmlformats.org/drawingml/2006/main" xmlns:r="http://schemas.openxmlformats.org/officeDocument/2006/relationships" xmlns:p="http://schemas.openxmlformats.org/presentationml/2006/main">
+  <p:cSld>
+    <p:spTree>
+      <p:nvGrpSpPr>
+        <p:cNvPr id="1" name=""/>
+        <p:cNvGrpSpPr/>
+        <p:nvPr/>
+      </p:nvGrpSpPr>
+      <p:grpSpPr>
+        <a:xfrm>
+          <a:off x="0" y="0"/>
+          <a:ext cx="0" cy="0"/>
+          <a:chOff x="0" y="0"/>
+          <a:chExt cx="0" cy="0"/>
+        </a:xfrm>
+      </p:grpSpPr>
+      <p:sp>
+        <p:nvSpPr>
+          <p:cNvPr id="70" name="Rectangle 69">
+            <a:extLst>
+              <a:ext uri="{FF2B5EF4-FFF2-40B4-BE49-F238E27FC236}">
+                <a16:creationId xmlns:a16="http://schemas.microsoft.com/office/drawing/2014/main" id="{4CCCA2A7-B6F2-49FD-B166-449506881A0E}"/>
+              </a:ext>
+            </a:extLst>
+          </p:cNvPr>
+          <p:cNvSpPr/>
+          <p:nvPr/>
+        </p:nvSpPr>
+        <p:spPr>
+          <a:xfrm>
+            <a:off x="4122203" y="1356070"/>
+            <a:ext cx="8700117" cy="5779363"/>
+          </a:xfrm>
+          <a:prstGeom prst="rect">
+            <a:avLst/>
+          </a:prstGeom>
+          <a:solidFill>
+            <a:schemeClr val="bg1"/>
+          </a:solidFill>
+          <a:ln>
+            <a:noFill/>
+          </a:ln>
+        </p:spPr>
+        <p:style>
+          <a:lnRef idx="2">
+            <a:schemeClr val="accent1">
+              <a:shade val="50000"/>
+            </a:schemeClr>
+          </a:lnRef>
+          <a:fillRef idx="1">
+            <a:schemeClr val="accent1"/>
+          </a:fillRef>
+          <a:effectRef idx="0">
+            <a:schemeClr val="accent1"/>
+          </a:effectRef>
+          <a:fontRef idx="minor">
+            <a:schemeClr val="lt1"/>
+          </a:fontRef>
+        </p:style>
+        <p:txBody>
+          <a:bodyPr rtlCol="0" anchor="ctr"/>
+          <a:lstStyle/>
+          <a:p>
+            <a:pPr algn="ctr"/>
+            <a:endParaRPr lang="en-US"/>
+          </a:p>
+        </p:txBody>
+      </p:sp>
+      <p:sp>
+        <p:nvSpPr>
+          <p:cNvPr id="61" name="Rectangle 60">
+            <a:extLst>
+              <a:ext uri="{FF2B5EF4-FFF2-40B4-BE49-F238E27FC236}">
+                <a16:creationId xmlns:a16="http://schemas.microsoft.com/office/drawing/2014/main" id="{D4DA3761-7213-419E-BA37-BB7FC0A2BED1}"/>
+              </a:ext>
+            </a:extLst>
+          </p:cNvPr>
+          <p:cNvSpPr/>
+          <p:nvPr/>
+        </p:nvSpPr>
+        <p:spPr>
+          <a:xfrm>
+            <a:off x="7503796" y="2437556"/>
+            <a:ext cx="825500" cy="521973"/>
+          </a:xfrm>
+          <a:prstGeom prst="rect">
+            <a:avLst/>
+          </a:prstGeom>
+          <a:solidFill>
+            <a:schemeClr val="bg1"/>
+          </a:solidFill>
+          <a:ln>
+            <a:noFill/>
+          </a:ln>
+        </p:spPr>
+        <p:style>
+          <a:lnRef idx="2">
+            <a:schemeClr val="accent1">
+              <a:shade val="50000"/>
+            </a:schemeClr>
+          </a:lnRef>
+          <a:fillRef idx="1">
+            <a:schemeClr val="accent1"/>
+          </a:fillRef>
+          <a:effectRef idx="0">
+            <a:schemeClr val="accent1"/>
+          </a:effectRef>
+          <a:fontRef idx="minor">
+            <a:schemeClr val="lt1"/>
+          </a:fontRef>
+        </p:style>
+        <p:txBody>
+          <a:bodyPr rtlCol="0" anchor="ctr"/>
+          <a:lstStyle/>
+          <a:p>
+            <a:pPr algn="ctr"/>
+            <a:r>
+              <a:rPr lang="en-AU" sz="1400" dirty="0">
+                <a:solidFill>
+                  <a:schemeClr val="tx1"/>
+                </a:solidFill>
+                <a:latin typeface="Arial" panose="020B0604020202020204" pitchFamily="34" charset="0"/>
+                <a:cs typeface="Arial" panose="020B0604020202020204" pitchFamily="34" charset="0"/>
+              </a:rPr>
+              <a:t>0.433</a:t>
+            </a:r>
+            <a:endParaRPr lang="en-US" sz="1400" dirty="0">
+              <a:solidFill>
+                <a:schemeClr val="tx1"/>
+              </a:solidFill>
+              <a:latin typeface="Arial" panose="020B0604020202020204" pitchFamily="34" charset="0"/>
+              <a:cs typeface="Arial" panose="020B0604020202020204" pitchFamily="34" charset="0"/>
+            </a:endParaRPr>
+          </a:p>
+        </p:txBody>
+      </p:sp>
+      <p:sp>
+        <p:nvSpPr>
+          <p:cNvPr id="60" name="Rectangle 59">
+            <a:extLst>
+              <a:ext uri="{FF2B5EF4-FFF2-40B4-BE49-F238E27FC236}">
+                <a16:creationId xmlns:a16="http://schemas.microsoft.com/office/drawing/2014/main" id="{DA65FDEA-2D8E-4CFD-A8AA-D18FA469D2E7}"/>
+              </a:ext>
+            </a:extLst>
+          </p:cNvPr>
+          <p:cNvSpPr/>
+          <p:nvPr/>
+        </p:nvSpPr>
+        <p:spPr>
+          <a:xfrm>
+            <a:off x="5591971" y="3382862"/>
+            <a:ext cx="825500" cy="521973"/>
+          </a:xfrm>
+          <a:prstGeom prst="rect">
+            <a:avLst/>
+          </a:prstGeom>
+          <a:solidFill>
+            <a:schemeClr val="bg1"/>
+          </a:solidFill>
+          <a:ln>
+            <a:noFill/>
+          </a:ln>
+        </p:spPr>
+        <p:style>
+          <a:lnRef idx="2">
+            <a:schemeClr val="accent1">
+              <a:shade val="50000"/>
+            </a:schemeClr>
+          </a:lnRef>
+          <a:fillRef idx="1">
+            <a:schemeClr val="accent1"/>
+          </a:fillRef>
+          <a:effectRef idx="0">
+            <a:schemeClr val="accent1"/>
+          </a:effectRef>
+          <a:fontRef idx="minor">
+            <a:schemeClr val="lt1"/>
+          </a:fontRef>
+        </p:style>
+        <p:txBody>
+          <a:bodyPr rtlCol="0" anchor="ctr"/>
+          <a:lstStyle/>
+          <a:p>
+            <a:pPr algn="ctr"/>
+            <a:r>
+              <a:rPr lang="en-AU" sz="1400" dirty="0">
+                <a:solidFill>
+                  <a:schemeClr val="tx1"/>
+                </a:solidFill>
+                <a:latin typeface="Arial" panose="020B0604020202020204" pitchFamily="34" charset="0"/>
+                <a:cs typeface="Arial" panose="020B0604020202020204" pitchFamily="34" charset="0"/>
+              </a:rPr>
+              <a:t>0.100</a:t>
+            </a:r>
+            <a:endParaRPr lang="en-US" sz="1400" dirty="0">
+              <a:solidFill>
+                <a:schemeClr val="tx1"/>
+              </a:solidFill>
+              <a:latin typeface="Arial" panose="020B0604020202020204" pitchFamily="34" charset="0"/>
+              <a:cs typeface="Arial" panose="020B0604020202020204" pitchFamily="34" charset="0"/>
+            </a:endParaRPr>
+          </a:p>
+        </p:txBody>
+      </p:sp>
+      <p:sp>
+        <p:nvSpPr>
+          <p:cNvPr id="59" name="Rectangle 58">
+            <a:extLst>
+              <a:ext uri="{FF2B5EF4-FFF2-40B4-BE49-F238E27FC236}">
+                <a16:creationId xmlns:a16="http://schemas.microsoft.com/office/drawing/2014/main" id="{1341E2C7-6298-4297-BBB9-43F4C45BC2EA}"/>
+              </a:ext>
+            </a:extLst>
+          </p:cNvPr>
+          <p:cNvSpPr/>
+          <p:nvPr/>
+        </p:nvSpPr>
+        <p:spPr>
+          <a:xfrm>
+            <a:off x="7196116" y="4575176"/>
+            <a:ext cx="825500" cy="521973"/>
+          </a:xfrm>
+          <a:prstGeom prst="rect">
+            <a:avLst/>
+          </a:prstGeom>
+          <a:solidFill>
+            <a:schemeClr val="bg1"/>
+          </a:solidFill>
+          <a:ln>
+            <a:noFill/>
+          </a:ln>
+        </p:spPr>
+        <p:style>
+          <a:lnRef idx="2">
+            <a:schemeClr val="accent1">
+              <a:shade val="50000"/>
+            </a:schemeClr>
+          </a:lnRef>
+          <a:fillRef idx="1">
+            <a:schemeClr val="accent1"/>
+          </a:fillRef>
+          <a:effectRef idx="0">
+            <a:schemeClr val="accent1"/>
+          </a:effectRef>
+          <a:fontRef idx="minor">
+            <a:schemeClr val="lt1"/>
+          </a:fontRef>
+        </p:style>
+        <p:txBody>
+          <a:bodyPr rtlCol="0" anchor="ctr"/>
+          <a:lstStyle/>
+          <a:p>
+            <a:pPr algn="ctr"/>
+            <a:r>
+              <a:rPr lang="en-AU" sz="1400" dirty="0">
+                <a:solidFill>
+                  <a:schemeClr val="tx1"/>
+                </a:solidFill>
+                <a:latin typeface="Arial" panose="020B0604020202020204" pitchFamily="34" charset="0"/>
+                <a:cs typeface="Arial" panose="020B0604020202020204" pitchFamily="34" charset="0"/>
+              </a:rPr>
+              <a:t>0.133</a:t>
+            </a:r>
+            <a:endParaRPr lang="en-US" sz="1400" dirty="0">
+              <a:solidFill>
+                <a:schemeClr val="tx1"/>
+              </a:solidFill>
+              <a:latin typeface="Arial" panose="020B0604020202020204" pitchFamily="34" charset="0"/>
+              <a:cs typeface="Arial" panose="020B0604020202020204" pitchFamily="34" charset="0"/>
+            </a:endParaRPr>
+          </a:p>
+        </p:txBody>
+      </p:sp>
+      <p:sp>
+        <p:nvSpPr>
+          <p:cNvPr id="58" name="Rectangle 57">
+            <a:extLst>
+              <a:ext uri="{FF2B5EF4-FFF2-40B4-BE49-F238E27FC236}">
+                <a16:creationId xmlns:a16="http://schemas.microsoft.com/office/drawing/2014/main" id="{06F26171-8D08-4591-87C2-CD22F54A0BD8}"/>
+              </a:ext>
+            </a:extLst>
+          </p:cNvPr>
+          <p:cNvSpPr/>
+          <p:nvPr/>
+        </p:nvSpPr>
+        <p:spPr>
+          <a:xfrm>
+            <a:off x="9902194" y="2367917"/>
+            <a:ext cx="825500" cy="521973"/>
+          </a:xfrm>
+          <a:prstGeom prst="rect">
+            <a:avLst/>
+          </a:prstGeom>
+          <a:solidFill>
+            <a:schemeClr val="bg1"/>
+          </a:solidFill>
+          <a:ln>
+            <a:noFill/>
+          </a:ln>
+        </p:spPr>
+        <p:style>
+          <a:lnRef idx="2">
+            <a:schemeClr val="accent1">
+              <a:shade val="50000"/>
+            </a:schemeClr>
+          </a:lnRef>
+          <a:fillRef idx="1">
+            <a:schemeClr val="accent1"/>
+          </a:fillRef>
+          <a:effectRef idx="0">
+            <a:schemeClr val="accent1"/>
+          </a:effectRef>
+          <a:fontRef idx="minor">
+            <a:schemeClr val="lt1"/>
+          </a:fontRef>
+        </p:style>
+        <p:txBody>
+          <a:bodyPr rtlCol="0" anchor="ctr"/>
+          <a:lstStyle/>
+          <a:p>
+            <a:pPr algn="ctr"/>
+            <a:r>
+              <a:rPr lang="en-AU" sz="1400" dirty="0">
+                <a:solidFill>
+                  <a:schemeClr val="tx1"/>
+                </a:solidFill>
+                <a:latin typeface="Arial" panose="020B0604020202020204" pitchFamily="34" charset="0"/>
+                <a:cs typeface="Arial" panose="020B0604020202020204" pitchFamily="34" charset="0"/>
+              </a:rPr>
+              <a:t>0.217</a:t>
+            </a:r>
+            <a:endParaRPr lang="en-US" sz="1400" dirty="0">
+              <a:solidFill>
+                <a:schemeClr val="tx1"/>
+              </a:solidFill>
+              <a:latin typeface="Arial" panose="020B0604020202020204" pitchFamily="34" charset="0"/>
+              <a:cs typeface="Arial" panose="020B0604020202020204" pitchFamily="34" charset="0"/>
+            </a:endParaRPr>
+          </a:p>
+        </p:txBody>
+      </p:sp>
+      <p:sp>
+        <p:nvSpPr>
+          <p:cNvPr id="55" name="Rectangle 54">
+            <a:extLst>
+              <a:ext uri="{FF2B5EF4-FFF2-40B4-BE49-F238E27FC236}">
+                <a16:creationId xmlns:a16="http://schemas.microsoft.com/office/drawing/2014/main" id="{0641413A-A29E-404A-BC76-3FEDFCDE8DC0}"/>
+              </a:ext>
+            </a:extLst>
+          </p:cNvPr>
+          <p:cNvSpPr/>
+          <p:nvPr/>
+        </p:nvSpPr>
+        <p:spPr>
+          <a:xfrm>
+            <a:off x="9959026" y="3528065"/>
+            <a:ext cx="825500" cy="521973"/>
+          </a:xfrm>
+          <a:prstGeom prst="rect">
+            <a:avLst/>
+          </a:prstGeom>
+          <a:solidFill>
+            <a:schemeClr val="bg1"/>
+          </a:solidFill>
+          <a:ln>
+            <a:noFill/>
+          </a:ln>
+        </p:spPr>
+        <p:style>
+          <a:lnRef idx="2">
+            <a:schemeClr val="accent1">
+              <a:shade val="50000"/>
+            </a:schemeClr>
+          </a:lnRef>
+          <a:fillRef idx="1">
+            <a:schemeClr val="accent1"/>
+          </a:fillRef>
+          <a:effectRef idx="0">
+            <a:schemeClr val="accent1"/>
+          </a:effectRef>
+          <a:fontRef idx="minor">
+            <a:schemeClr val="lt1"/>
+          </a:fontRef>
+        </p:style>
+        <p:txBody>
+          <a:bodyPr rtlCol="0" anchor="ctr"/>
+          <a:lstStyle/>
+          <a:p>
+            <a:pPr algn="ctr"/>
+            <a:r>
+              <a:rPr lang="en-AU" sz="1400" dirty="0">
+                <a:solidFill>
+                  <a:schemeClr val="tx1"/>
+                </a:solidFill>
+                <a:latin typeface="Arial" panose="020B0604020202020204" pitchFamily="34" charset="0"/>
+                <a:cs typeface="Arial" panose="020B0604020202020204" pitchFamily="34" charset="0"/>
+              </a:rPr>
+              <a:t>0.137</a:t>
+            </a:r>
+            <a:endParaRPr lang="en-US" sz="1400" dirty="0">
+              <a:solidFill>
+                <a:schemeClr val="tx1"/>
+              </a:solidFill>
+              <a:latin typeface="Arial" panose="020B0604020202020204" pitchFamily="34" charset="0"/>
+              <a:cs typeface="Arial" panose="020B0604020202020204" pitchFamily="34" charset="0"/>
+            </a:endParaRPr>
+          </a:p>
+        </p:txBody>
+      </p:sp>
+      <p:sp>
+        <p:nvSpPr>
+          <p:cNvPr id="51" name="Rectangle 50">
+            <a:extLst>
+              <a:ext uri="{FF2B5EF4-FFF2-40B4-BE49-F238E27FC236}">
+                <a16:creationId xmlns:a16="http://schemas.microsoft.com/office/drawing/2014/main" id="{18199483-8D73-4D43-BA44-C662EABA3716}"/>
+              </a:ext>
+            </a:extLst>
+          </p:cNvPr>
+          <p:cNvSpPr/>
+          <p:nvPr/>
+        </p:nvSpPr>
+        <p:spPr>
+          <a:xfrm>
+            <a:off x="8390893" y="4333868"/>
+            <a:ext cx="825500" cy="521973"/>
+          </a:xfrm>
+          <a:prstGeom prst="rect">
+            <a:avLst/>
+          </a:prstGeom>
+          <a:solidFill>
+            <a:schemeClr val="bg1"/>
+          </a:solidFill>
+          <a:ln>
+            <a:noFill/>
+          </a:ln>
+        </p:spPr>
+        <p:style>
+          <a:lnRef idx="2">
+            <a:schemeClr val="accent1">
+              <a:shade val="50000"/>
+            </a:schemeClr>
+          </a:lnRef>
+          <a:fillRef idx="1">
+            <a:schemeClr val="accent1"/>
+          </a:fillRef>
+          <a:effectRef idx="0">
+            <a:schemeClr val="accent1"/>
+          </a:effectRef>
+          <a:fontRef idx="minor">
+            <a:schemeClr val="lt1"/>
+          </a:fontRef>
+        </p:style>
+        <p:txBody>
+          <a:bodyPr rtlCol="0" anchor="ctr"/>
+          <a:lstStyle/>
+          <a:p>
+            <a:pPr algn="ctr"/>
+            <a:r>
+              <a:rPr lang="en-AU" sz="1400" dirty="0">
+                <a:solidFill>
+                  <a:schemeClr val="tx1"/>
+                </a:solidFill>
+                <a:latin typeface="Arial" panose="020B0604020202020204" pitchFamily="34" charset="0"/>
+                <a:cs typeface="Arial" panose="020B0604020202020204" pitchFamily="34" charset="0"/>
+              </a:rPr>
+              <a:t>0.829</a:t>
+            </a:r>
+            <a:endParaRPr lang="en-US" sz="1400" dirty="0">
+              <a:solidFill>
+                <a:schemeClr val="tx1"/>
+              </a:solidFill>
+              <a:latin typeface="Arial" panose="020B0604020202020204" pitchFamily="34" charset="0"/>
+              <a:cs typeface="Arial" panose="020B0604020202020204" pitchFamily="34" charset="0"/>
+            </a:endParaRPr>
+          </a:p>
+        </p:txBody>
+      </p:sp>
+      <p:cxnSp>
+        <p:nvCxnSpPr>
+          <p:cNvPr id="18" name="Straight Arrow Connector 17">
+            <a:extLst>
+              <a:ext uri="{FF2B5EF4-FFF2-40B4-BE49-F238E27FC236}">
+                <a16:creationId xmlns:a16="http://schemas.microsoft.com/office/drawing/2014/main" id="{02587D60-93DB-4DE2-8512-656CA5D7214A}"/>
+              </a:ext>
+            </a:extLst>
+          </p:cNvPr>
+          <p:cNvCxnSpPr>
+            <a:cxnSpLocks/>
+            <a:endCxn id="4" idx="1"/>
+          </p:cNvCxnSpPr>
+          <p:nvPr/>
+        </p:nvCxnSpPr>
+        <p:spPr>
+          <a:xfrm>
+            <a:off x="5587916" y="3172915"/>
+            <a:ext cx="1223094" cy="639626"/>
+          </a:xfrm>
+          <a:prstGeom prst="straightConnector1">
+            <a:avLst/>
+          </a:prstGeom>
+          <a:ln w="38100">
+            <a:solidFill>
+              <a:schemeClr val="tx1"/>
+            </a:solidFill>
+            <a:tailEnd type="triangle"/>
+          </a:ln>
+        </p:spPr>
+        <p:style>
+          <a:lnRef idx="1">
+            <a:schemeClr val="accent1"/>
+          </a:lnRef>
+          <a:fillRef idx="0">
+            <a:schemeClr val="accent1"/>
+          </a:fillRef>
+          <a:effectRef idx="0">
+            <a:schemeClr val="accent1"/>
+          </a:effectRef>
+          <a:fontRef idx="minor">
+            <a:schemeClr val="tx1"/>
+          </a:fontRef>
+        </p:style>
+      </p:cxnSp>
+      <p:cxnSp>
+        <p:nvCxnSpPr>
+          <p:cNvPr id="43" name="Straight Arrow Connector 42">
+            <a:extLst>
+              <a:ext uri="{FF2B5EF4-FFF2-40B4-BE49-F238E27FC236}">
+                <a16:creationId xmlns:a16="http://schemas.microsoft.com/office/drawing/2014/main" id="{83E2AC48-FDC6-4105-B418-806EBB2FBB1D}"/>
+              </a:ext>
+            </a:extLst>
+          </p:cNvPr>
+          <p:cNvCxnSpPr>
+            <a:cxnSpLocks/>
+          </p:cNvCxnSpPr>
+          <p:nvPr/>
+        </p:nvCxnSpPr>
+        <p:spPr>
+          <a:xfrm>
+            <a:off x="8219124" y="3933191"/>
+            <a:ext cx="1429068" cy="902973"/>
+          </a:xfrm>
+          <a:prstGeom prst="straightConnector1">
+            <a:avLst/>
+          </a:prstGeom>
+          <a:ln w="38100">
+            <a:solidFill>
+              <a:schemeClr val="tx1"/>
+            </a:solidFill>
+            <a:tailEnd type="triangle"/>
+          </a:ln>
+        </p:spPr>
+        <p:style>
+          <a:lnRef idx="1">
+            <a:schemeClr val="accent1"/>
+          </a:lnRef>
+          <a:fillRef idx="0">
+            <a:schemeClr val="accent1"/>
+          </a:fillRef>
+          <a:effectRef idx="0">
+            <a:schemeClr val="accent1"/>
+          </a:effectRef>
+          <a:fontRef idx="minor">
+            <a:schemeClr val="tx1"/>
+          </a:fontRef>
+        </p:style>
+      </p:cxnSp>
+      <p:cxnSp>
+        <p:nvCxnSpPr>
+          <p:cNvPr id="24" name="Straight Arrow Connector 23">
+            <a:extLst>
+              <a:ext uri="{FF2B5EF4-FFF2-40B4-BE49-F238E27FC236}">
+                <a16:creationId xmlns:a16="http://schemas.microsoft.com/office/drawing/2014/main" id="{33631E55-E562-45E4-87E1-5AB74EBC91F3}"/>
+              </a:ext>
+            </a:extLst>
+          </p:cNvPr>
+          <p:cNvCxnSpPr>
+            <a:cxnSpLocks/>
+            <a:endCxn id="10" idx="0"/>
+          </p:cNvCxnSpPr>
+          <p:nvPr/>
+        </p:nvCxnSpPr>
+        <p:spPr>
+          <a:xfrm>
+            <a:off x="9171942" y="2219962"/>
+            <a:ext cx="1327150" cy="2616200"/>
+          </a:xfrm>
+          <a:prstGeom prst="straightConnector1">
+            <a:avLst/>
+          </a:prstGeom>
+          <a:ln w="38100">
+            <a:solidFill>
+              <a:schemeClr val="tx1"/>
+            </a:solidFill>
+            <a:tailEnd type="triangle"/>
+          </a:ln>
+        </p:spPr>
+        <p:style>
+          <a:lnRef idx="1">
+            <a:schemeClr val="accent1"/>
+          </a:lnRef>
+          <a:fillRef idx="0">
+            <a:schemeClr val="accent1"/>
+          </a:fillRef>
+          <a:effectRef idx="0">
+            <a:schemeClr val="accent1"/>
+          </a:effectRef>
+          <a:fontRef idx="minor">
+            <a:schemeClr val="tx1"/>
+          </a:fontRef>
+        </p:style>
+      </p:cxnSp>
+      <p:sp>
+        <p:nvSpPr>
+          <p:cNvPr id="4" name="Rectangle 3">
+            <a:extLst>
+              <a:ext uri="{FF2B5EF4-FFF2-40B4-BE49-F238E27FC236}">
+                <a16:creationId xmlns:a16="http://schemas.microsoft.com/office/drawing/2014/main" id="{D5FC854D-A06B-4C8C-8DBC-4893E56B31D1}"/>
+              </a:ext>
+            </a:extLst>
+          </p:cNvPr>
+          <p:cNvSpPr/>
+          <p:nvPr/>
+        </p:nvSpPr>
+        <p:spPr>
+          <a:xfrm>
+            <a:off x="6811012" y="3403600"/>
+            <a:ext cx="1739900" cy="817880"/>
+          </a:xfrm>
+          <a:prstGeom prst="rect">
+            <a:avLst/>
+          </a:prstGeom>
+          <a:solidFill>
+            <a:schemeClr val="bg1"/>
+          </a:solidFill>
+          <a:ln w="28575">
+            <a:solidFill>
+              <a:schemeClr val="tx1"/>
+            </a:solidFill>
+          </a:ln>
+        </p:spPr>
+        <p:style>
+          <a:lnRef idx="2">
+            <a:schemeClr val="accent1">
+              <a:shade val="50000"/>
+            </a:schemeClr>
+          </a:lnRef>
+          <a:fillRef idx="1">
+            <a:schemeClr val="accent1"/>
+          </a:fillRef>
+          <a:effectRef idx="0">
+            <a:schemeClr val="accent1"/>
+          </a:effectRef>
+          <a:fontRef idx="minor">
+            <a:schemeClr val="lt1"/>
+          </a:fontRef>
+        </p:style>
+        <p:txBody>
+          <a:bodyPr rtlCol="0" anchor="ctr"/>
+          <a:lstStyle/>
+          <a:p>
+            <a:pPr algn="ctr"/>
+            <a:r>
+              <a:rPr lang="en-AU" sz="1600" dirty="0">
+                <a:solidFill>
+                  <a:schemeClr val="tx1"/>
+                </a:solidFill>
+                <a:latin typeface="Arial" panose="020B0604020202020204" pitchFamily="34" charset="0"/>
+                <a:cs typeface="Arial" panose="020B0604020202020204" pitchFamily="34" charset="0"/>
+              </a:rPr>
+              <a:t>Species richness</a:t>
+            </a:r>
+            <a:endParaRPr lang="en-US" sz="1600" dirty="0">
+              <a:solidFill>
+                <a:schemeClr val="tx1"/>
+              </a:solidFill>
+              <a:latin typeface="Arial" panose="020B0604020202020204" pitchFamily="34" charset="0"/>
+              <a:cs typeface="Arial" panose="020B0604020202020204" pitchFamily="34" charset="0"/>
+            </a:endParaRPr>
+          </a:p>
+        </p:txBody>
+      </p:sp>
+      <p:sp>
+        <p:nvSpPr>
+          <p:cNvPr id="5" name="Rectangle 4">
+            <a:extLst>
+              <a:ext uri="{FF2B5EF4-FFF2-40B4-BE49-F238E27FC236}">
+                <a16:creationId xmlns:a16="http://schemas.microsoft.com/office/drawing/2014/main" id="{DCBBD23B-6E5C-4178-84F7-4A00D1181C60}"/>
+              </a:ext>
+            </a:extLst>
+          </p:cNvPr>
+          <p:cNvSpPr/>
+          <p:nvPr/>
+        </p:nvSpPr>
+        <p:spPr>
+          <a:xfrm>
+            <a:off x="10911844" y="2219962"/>
+            <a:ext cx="1739900" cy="817880"/>
+          </a:xfrm>
+          <a:prstGeom prst="rect">
+            <a:avLst/>
+          </a:prstGeom>
+          <a:solidFill>
+            <a:schemeClr val="bg1"/>
+          </a:solidFill>
+          <a:ln w="28575">
+            <a:solidFill>
+              <a:schemeClr val="tx1"/>
+            </a:solidFill>
+          </a:ln>
+        </p:spPr>
+        <p:style>
+          <a:lnRef idx="2">
+            <a:schemeClr val="accent1">
+              <a:shade val="50000"/>
+            </a:schemeClr>
+          </a:lnRef>
+          <a:fillRef idx="1">
+            <a:schemeClr val="accent1"/>
+          </a:fillRef>
+          <a:effectRef idx="0">
+            <a:schemeClr val="accent1"/>
+          </a:effectRef>
+          <a:fontRef idx="minor">
+            <a:schemeClr val="lt1"/>
+          </a:fontRef>
+        </p:style>
+        <p:txBody>
+          <a:bodyPr rtlCol="0" anchor="ctr"/>
+          <a:lstStyle/>
+          <a:p>
+            <a:pPr algn="ctr"/>
+            <a:r>
+              <a:rPr lang="en-AU" sz="1600" dirty="0">
+                <a:solidFill>
+                  <a:schemeClr val="tx1"/>
+                </a:solidFill>
+                <a:latin typeface="Arial" panose="020B0604020202020204" pitchFamily="34" charset="0"/>
+                <a:cs typeface="Arial" panose="020B0604020202020204" pitchFamily="34" charset="0"/>
+              </a:rPr>
+              <a:t>Heterogeneity</a:t>
+            </a:r>
+            <a:endParaRPr lang="en-US" sz="1600" dirty="0">
+              <a:solidFill>
+                <a:schemeClr val="tx1"/>
+              </a:solidFill>
+              <a:latin typeface="Arial" panose="020B0604020202020204" pitchFamily="34" charset="0"/>
+              <a:cs typeface="Arial" panose="020B0604020202020204" pitchFamily="34" charset="0"/>
+            </a:endParaRPr>
+          </a:p>
+        </p:txBody>
+      </p:sp>
+      <p:sp>
+        <p:nvSpPr>
+          <p:cNvPr id="6" name="Rectangle 5">
+            <a:extLst>
+              <a:ext uri="{FF2B5EF4-FFF2-40B4-BE49-F238E27FC236}">
+                <a16:creationId xmlns:a16="http://schemas.microsoft.com/office/drawing/2014/main" id="{59C1C3FD-C1B0-48ED-9591-5499B4CE130A}"/>
+              </a:ext>
+            </a:extLst>
+          </p:cNvPr>
+          <p:cNvSpPr/>
+          <p:nvPr/>
+        </p:nvSpPr>
+        <p:spPr>
+          <a:xfrm>
+            <a:off x="7719061" y="1564642"/>
+            <a:ext cx="1739900" cy="817880"/>
+          </a:xfrm>
+          <a:prstGeom prst="rect">
+            <a:avLst/>
+          </a:prstGeom>
+          <a:solidFill>
+            <a:schemeClr val="bg1"/>
+          </a:solidFill>
+          <a:ln w="28575">
+            <a:solidFill>
+              <a:schemeClr val="tx1"/>
+            </a:solidFill>
+          </a:ln>
+        </p:spPr>
+        <p:style>
+          <a:lnRef idx="2">
+            <a:schemeClr val="accent1">
+              <a:shade val="50000"/>
+            </a:schemeClr>
+          </a:lnRef>
+          <a:fillRef idx="1">
+            <a:schemeClr val="accent1"/>
+          </a:fillRef>
+          <a:effectRef idx="0">
+            <a:schemeClr val="accent1"/>
+          </a:effectRef>
+          <a:fontRef idx="minor">
+            <a:schemeClr val="lt1"/>
+          </a:fontRef>
+        </p:style>
+        <p:txBody>
+          <a:bodyPr rtlCol="0" anchor="ctr"/>
+          <a:lstStyle/>
+          <a:p>
+            <a:pPr algn="ctr"/>
+            <a:r>
+              <a:rPr lang="en-AU" sz="1600" dirty="0">
+                <a:solidFill>
+                  <a:schemeClr val="tx1"/>
+                </a:solidFill>
+                <a:latin typeface="Arial" panose="020B0604020202020204" pitchFamily="34" charset="0"/>
+                <a:cs typeface="Arial" panose="020B0604020202020204" pitchFamily="34" charset="0"/>
+              </a:rPr>
+              <a:t>Urban cover</a:t>
+            </a:r>
+            <a:endParaRPr lang="en-US" sz="1600" dirty="0">
+              <a:solidFill>
+                <a:schemeClr val="tx1"/>
+              </a:solidFill>
+              <a:latin typeface="Arial" panose="020B0604020202020204" pitchFamily="34" charset="0"/>
+              <a:cs typeface="Arial" panose="020B0604020202020204" pitchFamily="34" charset="0"/>
+            </a:endParaRPr>
+          </a:p>
+        </p:txBody>
+      </p:sp>
+      <p:sp>
+        <p:nvSpPr>
+          <p:cNvPr id="7" name="Rectangle 6">
+            <a:extLst>
+              <a:ext uri="{FF2B5EF4-FFF2-40B4-BE49-F238E27FC236}">
+                <a16:creationId xmlns:a16="http://schemas.microsoft.com/office/drawing/2014/main" id="{FB3E4F3D-603E-4C58-91CA-37FEBD8A29BA}"/>
+              </a:ext>
+            </a:extLst>
+          </p:cNvPr>
+          <p:cNvSpPr/>
+          <p:nvPr/>
+        </p:nvSpPr>
+        <p:spPr>
+          <a:xfrm>
+            <a:off x="4511593" y="2382520"/>
+            <a:ext cx="1739900" cy="817880"/>
+          </a:xfrm>
+          <a:prstGeom prst="rect">
+            <a:avLst/>
+          </a:prstGeom>
+          <a:solidFill>
+            <a:schemeClr val="bg1"/>
+          </a:solidFill>
+          <a:ln w="28575">
+            <a:solidFill>
+              <a:schemeClr val="tx1"/>
+            </a:solidFill>
+          </a:ln>
+        </p:spPr>
+        <p:style>
+          <a:lnRef idx="2">
+            <a:schemeClr val="accent1">
+              <a:shade val="50000"/>
+            </a:schemeClr>
+          </a:lnRef>
+          <a:fillRef idx="1">
+            <a:schemeClr val="accent1"/>
+          </a:fillRef>
+          <a:effectRef idx="0">
+            <a:schemeClr val="accent1"/>
+          </a:effectRef>
+          <a:fontRef idx="minor">
+            <a:schemeClr val="lt1"/>
+          </a:fontRef>
+        </p:style>
+        <p:txBody>
+          <a:bodyPr rtlCol="0" anchor="ctr"/>
+          <a:lstStyle/>
+          <a:p>
+            <a:pPr algn="ctr"/>
+            <a:r>
+              <a:rPr lang="en-AU" sz="1600" dirty="0">
+                <a:solidFill>
+                  <a:schemeClr val="tx1"/>
+                </a:solidFill>
+                <a:latin typeface="Arial" panose="020B0604020202020204" pitchFamily="34" charset="0"/>
+                <a:cs typeface="Arial" panose="020B0604020202020204" pitchFamily="34" charset="0"/>
+              </a:rPr>
+              <a:t>Water cover</a:t>
+            </a:r>
+            <a:endParaRPr lang="en-US" sz="1600" dirty="0">
+              <a:solidFill>
+                <a:schemeClr val="tx1"/>
+              </a:solidFill>
+              <a:latin typeface="Arial" panose="020B0604020202020204" pitchFamily="34" charset="0"/>
+              <a:cs typeface="Arial" panose="020B0604020202020204" pitchFamily="34" charset="0"/>
+            </a:endParaRPr>
+          </a:p>
+        </p:txBody>
+      </p:sp>
+      <p:sp>
+        <p:nvSpPr>
+          <p:cNvPr id="8" name="Rectangle 7">
+            <a:extLst>
+              <a:ext uri="{FF2B5EF4-FFF2-40B4-BE49-F238E27FC236}">
+                <a16:creationId xmlns:a16="http://schemas.microsoft.com/office/drawing/2014/main" id="{A737609C-404A-4528-95AA-0E0CD711B295}"/>
+              </a:ext>
+            </a:extLst>
+          </p:cNvPr>
+          <p:cNvSpPr/>
+          <p:nvPr/>
+        </p:nvSpPr>
+        <p:spPr>
+          <a:xfrm>
+            <a:off x="5547521" y="5331460"/>
+            <a:ext cx="1739900" cy="817880"/>
+          </a:xfrm>
+          <a:prstGeom prst="rect">
+            <a:avLst/>
+          </a:prstGeom>
+          <a:solidFill>
+            <a:schemeClr val="bg1"/>
+          </a:solidFill>
+          <a:ln w="28575">
+            <a:solidFill>
+              <a:schemeClr val="tx1"/>
+            </a:solidFill>
+          </a:ln>
+        </p:spPr>
+        <p:style>
+          <a:lnRef idx="2">
+            <a:schemeClr val="accent1">
+              <a:shade val="50000"/>
+            </a:schemeClr>
+          </a:lnRef>
+          <a:fillRef idx="1">
+            <a:schemeClr val="accent1"/>
+          </a:fillRef>
+          <a:effectRef idx="0">
+            <a:schemeClr val="accent1"/>
+          </a:effectRef>
+          <a:fontRef idx="minor">
+            <a:schemeClr val="lt1"/>
+          </a:fontRef>
+        </p:style>
+        <p:txBody>
+          <a:bodyPr rtlCol="0" anchor="ctr"/>
+          <a:lstStyle/>
+          <a:p>
+            <a:pPr algn="ctr"/>
+            <a:r>
+              <a:rPr lang="en-AU" sz="1600" dirty="0">
+                <a:solidFill>
+                  <a:schemeClr val="tx1"/>
+                </a:solidFill>
+                <a:latin typeface="Arial" panose="020B0604020202020204" pitchFamily="34" charset="0"/>
+                <a:cs typeface="Arial" panose="020B0604020202020204" pitchFamily="34" charset="0"/>
+              </a:rPr>
+              <a:t>Tree cover</a:t>
+            </a:r>
+            <a:endParaRPr lang="en-US" sz="1600" dirty="0">
+              <a:solidFill>
+                <a:schemeClr val="tx1"/>
+              </a:solidFill>
+              <a:latin typeface="Arial" panose="020B0604020202020204" pitchFamily="34" charset="0"/>
+              <a:cs typeface="Arial" panose="020B0604020202020204" pitchFamily="34" charset="0"/>
+            </a:endParaRPr>
+          </a:p>
+        </p:txBody>
+      </p:sp>
+      <p:sp>
+        <p:nvSpPr>
+          <p:cNvPr id="10" name="Rectangle 9">
+            <a:extLst>
+              <a:ext uri="{FF2B5EF4-FFF2-40B4-BE49-F238E27FC236}">
+                <a16:creationId xmlns:a16="http://schemas.microsoft.com/office/drawing/2014/main" id="{0F067275-DE63-485D-85B5-737200EFB5D1}"/>
+              </a:ext>
+            </a:extLst>
+          </p:cNvPr>
+          <p:cNvSpPr/>
+          <p:nvPr/>
+        </p:nvSpPr>
+        <p:spPr>
+          <a:xfrm>
+            <a:off x="9629143" y="4836160"/>
+            <a:ext cx="1739900" cy="817880"/>
+          </a:xfrm>
+          <a:prstGeom prst="rect">
+            <a:avLst/>
+          </a:prstGeom>
+          <a:solidFill>
+            <a:schemeClr val="bg1"/>
+          </a:solidFill>
+          <a:ln w="28575">
+            <a:solidFill>
+              <a:schemeClr val="tx1"/>
+            </a:solidFill>
+          </a:ln>
+        </p:spPr>
+        <p:style>
+          <a:lnRef idx="2">
+            <a:schemeClr val="accent1">
+              <a:shade val="50000"/>
+            </a:schemeClr>
+          </a:lnRef>
+          <a:fillRef idx="1">
+            <a:schemeClr val="accent1"/>
+          </a:fillRef>
+          <a:effectRef idx="0">
+            <a:schemeClr val="accent1"/>
+          </a:effectRef>
+          <a:fontRef idx="minor">
+            <a:schemeClr val="lt1"/>
+          </a:fontRef>
+        </p:style>
+        <p:txBody>
+          <a:bodyPr rtlCol="0" anchor="ctr"/>
+          <a:lstStyle/>
+          <a:p>
+            <a:pPr algn="ctr"/>
+            <a:r>
+              <a:rPr lang="en-AU" sz="1600" dirty="0">
+                <a:solidFill>
+                  <a:schemeClr val="tx1"/>
+                </a:solidFill>
+                <a:latin typeface="Arial" panose="020B0604020202020204" pitchFamily="34" charset="0"/>
+                <a:cs typeface="Arial" panose="020B0604020202020204" pitchFamily="34" charset="0"/>
+              </a:rPr>
+              <a:t>Number of checklists</a:t>
+            </a:r>
+            <a:endParaRPr lang="en-US" sz="1600" dirty="0">
+              <a:solidFill>
+                <a:schemeClr val="tx1"/>
+              </a:solidFill>
+              <a:latin typeface="Arial" panose="020B0604020202020204" pitchFamily="34" charset="0"/>
+              <a:cs typeface="Arial" panose="020B0604020202020204" pitchFamily="34" charset="0"/>
+            </a:endParaRPr>
+          </a:p>
+        </p:txBody>
+      </p:sp>
+      <p:cxnSp>
+        <p:nvCxnSpPr>
+          <p:cNvPr id="13" name="Straight Arrow Connector 12">
+            <a:extLst>
+              <a:ext uri="{FF2B5EF4-FFF2-40B4-BE49-F238E27FC236}">
+                <a16:creationId xmlns:a16="http://schemas.microsoft.com/office/drawing/2014/main" id="{9FA4C7F2-AA54-4EFC-8B18-0DA4B5E55354}"/>
+              </a:ext>
+            </a:extLst>
+          </p:cNvPr>
+          <p:cNvCxnSpPr>
+            <a:cxnSpLocks/>
+            <a:stCxn id="8" idx="0"/>
+            <a:endCxn id="4" idx="2"/>
+          </p:cNvCxnSpPr>
+          <p:nvPr/>
+        </p:nvCxnSpPr>
+        <p:spPr>
+          <a:xfrm flipV="1">
+            <a:off x="6417471" y="4221480"/>
+            <a:ext cx="1263491" cy="1109980"/>
+          </a:xfrm>
+          <a:prstGeom prst="straightConnector1">
+            <a:avLst/>
+          </a:prstGeom>
+          <a:ln w="38100">
+            <a:solidFill>
+              <a:schemeClr val="tx1"/>
+            </a:solidFill>
+            <a:tailEnd type="triangle"/>
+          </a:ln>
+        </p:spPr>
+        <p:style>
+          <a:lnRef idx="1">
+            <a:schemeClr val="accent1"/>
+          </a:lnRef>
+          <a:fillRef idx="0">
+            <a:schemeClr val="accent1"/>
+          </a:fillRef>
+          <a:effectRef idx="0">
+            <a:schemeClr val="accent1"/>
+          </a:effectRef>
+          <a:fontRef idx="minor">
+            <a:schemeClr val="tx1"/>
+          </a:fontRef>
+        </p:style>
+      </p:cxnSp>
+      <p:cxnSp>
+        <p:nvCxnSpPr>
+          <p:cNvPr id="21" name="Straight Arrow Connector 20">
+            <a:extLst>
+              <a:ext uri="{FF2B5EF4-FFF2-40B4-BE49-F238E27FC236}">
+                <a16:creationId xmlns:a16="http://schemas.microsoft.com/office/drawing/2014/main" id="{46D0DA1A-9607-42C9-9581-734BA3F522D7}"/>
+              </a:ext>
+            </a:extLst>
+          </p:cNvPr>
+          <p:cNvCxnSpPr>
+            <a:cxnSpLocks/>
+            <a:stCxn id="6" idx="2"/>
+            <a:endCxn id="4" idx="0"/>
+          </p:cNvCxnSpPr>
+          <p:nvPr/>
+        </p:nvCxnSpPr>
+        <p:spPr>
+          <a:xfrm flipH="1">
+            <a:off x="7680960" y="2382520"/>
+            <a:ext cx="908050" cy="1021080"/>
+          </a:xfrm>
+          <a:prstGeom prst="straightConnector1">
+            <a:avLst/>
+          </a:prstGeom>
+          <a:ln w="38100">
+            <a:solidFill>
+              <a:schemeClr val="tx1"/>
+            </a:solidFill>
+            <a:tailEnd type="triangle"/>
+          </a:ln>
+        </p:spPr>
+        <p:style>
+          <a:lnRef idx="1">
+            <a:schemeClr val="accent1"/>
+          </a:lnRef>
+          <a:fillRef idx="0">
+            <a:schemeClr val="accent1"/>
+          </a:fillRef>
+          <a:effectRef idx="0">
+            <a:schemeClr val="accent1"/>
+          </a:effectRef>
+          <a:fontRef idx="minor">
+            <a:schemeClr val="tx1"/>
+          </a:fontRef>
+        </p:style>
+      </p:cxnSp>
+      <p:cxnSp>
+        <p:nvCxnSpPr>
+          <p:cNvPr id="29" name="Straight Arrow Connector 28">
+            <a:extLst>
+              <a:ext uri="{FF2B5EF4-FFF2-40B4-BE49-F238E27FC236}">
+                <a16:creationId xmlns:a16="http://schemas.microsoft.com/office/drawing/2014/main" id="{5736C41D-241C-42EA-B116-BC3B2F75AAA9}"/>
+              </a:ext>
+            </a:extLst>
+          </p:cNvPr>
+          <p:cNvCxnSpPr>
+            <a:cxnSpLocks/>
+            <a:stCxn id="5" idx="2"/>
+          </p:cNvCxnSpPr>
+          <p:nvPr/>
+        </p:nvCxnSpPr>
+        <p:spPr>
+          <a:xfrm flipH="1">
+            <a:off x="10956292" y="3037840"/>
+            <a:ext cx="825500" cy="1798320"/>
+          </a:xfrm>
+          <a:prstGeom prst="straightConnector1">
+            <a:avLst/>
+          </a:prstGeom>
+          <a:ln w="38100">
+            <a:solidFill>
+              <a:schemeClr val="tx1"/>
+            </a:solidFill>
+            <a:tailEnd type="triangle"/>
+          </a:ln>
+        </p:spPr>
+        <p:style>
+          <a:lnRef idx="1">
+            <a:schemeClr val="accent1"/>
+          </a:lnRef>
+          <a:fillRef idx="0">
+            <a:schemeClr val="accent1"/>
+          </a:fillRef>
+          <a:effectRef idx="0">
+            <a:schemeClr val="accent1"/>
+          </a:effectRef>
+          <a:fontRef idx="minor">
+            <a:schemeClr val="tx1"/>
+          </a:fontRef>
+        </p:style>
+      </p:cxnSp>
+      <p:cxnSp>
+        <p:nvCxnSpPr>
+          <p:cNvPr id="32" name="Straight Arrow Connector 31">
+            <a:extLst>
+              <a:ext uri="{FF2B5EF4-FFF2-40B4-BE49-F238E27FC236}">
+                <a16:creationId xmlns:a16="http://schemas.microsoft.com/office/drawing/2014/main" id="{1591D883-E435-4ECD-A6B3-AFF0BE30C03D}"/>
+              </a:ext>
+            </a:extLst>
+          </p:cNvPr>
+          <p:cNvCxnSpPr>
+            <a:cxnSpLocks/>
+            <a:stCxn id="5" idx="1"/>
+            <a:endCxn id="4" idx="3"/>
+          </p:cNvCxnSpPr>
+          <p:nvPr/>
+        </p:nvCxnSpPr>
+        <p:spPr>
+          <a:xfrm flipH="1">
+            <a:off x="8550912" y="2628901"/>
+            <a:ext cx="2360932" cy="1183640"/>
+          </a:xfrm>
+          <a:prstGeom prst="straightConnector1">
+            <a:avLst/>
+          </a:prstGeom>
+          <a:ln w="38100">
+            <a:solidFill>
+              <a:schemeClr val="tx1"/>
+            </a:solidFill>
+            <a:tailEnd type="triangle"/>
+          </a:ln>
+        </p:spPr>
+        <p:style>
+          <a:lnRef idx="1">
+            <a:schemeClr val="accent1"/>
+          </a:lnRef>
+          <a:fillRef idx="0">
+            <a:schemeClr val="accent1"/>
+          </a:fillRef>
+          <a:effectRef idx="0">
+            <a:schemeClr val="accent1"/>
+          </a:effectRef>
+          <a:fontRef idx="minor">
+            <a:schemeClr val="tx1"/>
+          </a:fontRef>
+        </p:style>
+      </p:cxnSp>
+      <p:sp>
+        <p:nvSpPr>
+          <p:cNvPr id="50" name="Rectangle 49">
+            <a:extLst>
+              <a:ext uri="{FF2B5EF4-FFF2-40B4-BE49-F238E27FC236}">
+                <a16:creationId xmlns:a16="http://schemas.microsoft.com/office/drawing/2014/main" id="{4EEBF205-473C-49D7-8D32-9325FDFF6D1A}"/>
+              </a:ext>
+            </a:extLst>
+          </p:cNvPr>
+          <p:cNvSpPr/>
+          <p:nvPr/>
+        </p:nvSpPr>
+        <p:spPr>
+          <a:xfrm>
+            <a:off x="11532874" y="3705857"/>
+            <a:ext cx="825500" cy="521973"/>
+          </a:xfrm>
+          <a:prstGeom prst="rect">
+            <a:avLst/>
+          </a:prstGeom>
+          <a:solidFill>
+            <a:schemeClr val="bg1"/>
+          </a:solidFill>
+          <a:ln>
+            <a:noFill/>
+          </a:ln>
+        </p:spPr>
+        <p:style>
+          <a:lnRef idx="2">
+            <a:schemeClr val="accent1">
+              <a:shade val="50000"/>
+            </a:schemeClr>
+          </a:lnRef>
+          <a:fillRef idx="1">
+            <a:schemeClr val="accent1"/>
+          </a:fillRef>
+          <a:effectRef idx="0">
+            <a:schemeClr val="accent1"/>
+          </a:effectRef>
+          <a:fontRef idx="minor">
+            <a:schemeClr val="lt1"/>
+          </a:fontRef>
+        </p:style>
+        <p:txBody>
+          <a:bodyPr rtlCol="0" anchor="ctr"/>
+          <a:lstStyle/>
+          <a:p>
+            <a:pPr algn="ctr"/>
+            <a:r>
+              <a:rPr lang="en-AU" sz="1400" dirty="0">
+                <a:solidFill>
+                  <a:schemeClr val="tx1"/>
+                </a:solidFill>
+                <a:latin typeface="Arial" panose="020B0604020202020204" pitchFamily="34" charset="0"/>
+                <a:cs typeface="Arial" panose="020B0604020202020204" pitchFamily="34" charset="0"/>
+              </a:rPr>
+              <a:t>-0.063</a:t>
+            </a:r>
+            <a:endParaRPr lang="en-US" sz="1400" dirty="0">
+              <a:solidFill>
+                <a:schemeClr val="tx1"/>
+              </a:solidFill>
+              <a:latin typeface="Arial" panose="020B0604020202020204" pitchFamily="34" charset="0"/>
+              <a:cs typeface="Arial" panose="020B0604020202020204" pitchFamily="34" charset="0"/>
+            </a:endParaRPr>
+          </a:p>
+        </p:txBody>
+      </p:sp>
+    </p:spTree>
+    <p:extLst>
+      <p:ext uri="{BB962C8B-B14F-4D97-AF65-F5344CB8AC3E}">
+        <p14:creationId xmlns:p14="http://schemas.microsoft.com/office/powerpoint/2010/main" val="2551915675"/>
+      </p:ext>
+    </p:extLst>
+  </p:cSld>
+  <p:clrMapOvr>
+    <a:masterClrMapping/>
+  </p:clrMapOvr>
+</p:sld>
+</file>
+
+<file path=ppt/slides/slide4.xml><?xml version="1.0" encoding="utf-8"?>
+<p:sld xmlns:a="http://schemas.openxmlformats.org/drawingml/2006/main" xmlns:r="http://schemas.openxmlformats.org/officeDocument/2006/relationships" xmlns:p="http://schemas.openxmlformats.org/presentationml/2006/main">
+  <p:cSld>
+    <p:spTree>
+      <p:nvGrpSpPr>
+        <p:cNvPr id="1" name=""/>
+        <p:cNvGrpSpPr/>
+        <p:nvPr/>
+      </p:nvGrpSpPr>
+      <p:grpSpPr>
+        <a:xfrm>
+          <a:off x="0" y="0"/>
+          <a:ext cx="0" cy="0"/>
+          <a:chOff x="0" y="0"/>
+          <a:chExt cx="0" cy="0"/>
+        </a:xfrm>
+      </p:grpSpPr>
+      <p:sp>
+        <p:nvSpPr>
+          <p:cNvPr id="34" name="Rectangle 33">
+            <a:extLst>
+              <a:ext uri="{FF2B5EF4-FFF2-40B4-BE49-F238E27FC236}">
+                <a16:creationId xmlns:a16="http://schemas.microsoft.com/office/drawing/2014/main" id="{69D8B8A4-81A8-4F8A-A950-CE5EB2077090}"/>
+              </a:ext>
+            </a:extLst>
+          </p:cNvPr>
+          <p:cNvSpPr/>
+          <p:nvPr/>
+        </p:nvSpPr>
+        <p:spPr>
+          <a:xfrm>
+            <a:off x="164123" y="366317"/>
+            <a:ext cx="16021189" cy="8080051"/>
+          </a:xfrm>
+          <a:prstGeom prst="rect">
+            <a:avLst/>
+          </a:prstGeom>
+          <a:solidFill>
+            <a:schemeClr val="bg1"/>
+          </a:solidFill>
+          <a:ln>
+            <a:solidFill>
+              <a:schemeClr val="bg1"/>
+            </a:solidFill>
+          </a:ln>
+        </p:spPr>
+        <p:style>
+          <a:lnRef idx="2">
+            <a:schemeClr val="accent1">
+              <a:shade val="50000"/>
+            </a:schemeClr>
+          </a:lnRef>
+          <a:fillRef idx="1">
+            <a:schemeClr val="accent1"/>
+          </a:fillRef>
+          <a:effectRef idx="0">
+            <a:schemeClr val="accent1"/>
+          </a:effectRef>
+          <a:fontRef idx="minor">
+            <a:schemeClr val="lt1"/>
+          </a:fontRef>
+        </p:style>
+        <p:txBody>
+          <a:bodyPr rtlCol="0" anchor="ctr"/>
+          <a:lstStyle/>
+          <a:p>
+            <a:pPr algn="ctr"/>
+            <a:endParaRPr lang="en-US"/>
+          </a:p>
+        </p:txBody>
+      </p:sp>
+      <p:grpSp>
+        <p:nvGrpSpPr>
+          <p:cNvPr id="33" name="Group 32">
+            <a:extLst>
+              <a:ext uri="{FF2B5EF4-FFF2-40B4-BE49-F238E27FC236}">
+                <a16:creationId xmlns:a16="http://schemas.microsoft.com/office/drawing/2014/main" id="{FFB3E763-B926-4CA8-80D1-F2B795B04195}"/>
+              </a:ext>
+            </a:extLst>
+          </p:cNvPr>
+          <p:cNvGrpSpPr/>
+          <p:nvPr/>
+        </p:nvGrpSpPr>
+        <p:grpSpPr>
+          <a:xfrm>
+            <a:off x="273888" y="384011"/>
+            <a:ext cx="5174869" cy="3889199"/>
+            <a:chOff x="1198485" y="807869"/>
+            <a:chExt cx="5174869" cy="3889199"/>
+          </a:xfrm>
+        </p:grpSpPr>
+        <p:grpSp>
+          <p:nvGrpSpPr>
+            <p:cNvPr id="30" name="Group 29">
+              <a:extLst>
+                <a:ext uri="{FF2B5EF4-FFF2-40B4-BE49-F238E27FC236}">
+                  <a16:creationId xmlns:a16="http://schemas.microsoft.com/office/drawing/2014/main" id="{66339DBE-15DB-4FB9-B9BD-AEDDC79F8C4B}"/>
+                </a:ext>
+              </a:extLst>
+            </p:cNvPr>
+            <p:cNvGrpSpPr/>
+            <p:nvPr/>
+          </p:nvGrpSpPr>
+          <p:grpSpPr>
+            <a:xfrm>
+              <a:off x="1198485" y="807869"/>
+              <a:ext cx="5174869" cy="3889199"/>
+              <a:chOff x="3915051" y="1154098"/>
+              <a:chExt cx="5174869" cy="3889199"/>
+            </a:xfrm>
+          </p:grpSpPr>
+          <p:sp>
+            <p:nvSpPr>
+              <p:cNvPr id="70" name="Rectangle 69">
+                <a:extLst>
+                  <a:ext uri="{FF2B5EF4-FFF2-40B4-BE49-F238E27FC236}">
+                    <a16:creationId xmlns:a16="http://schemas.microsoft.com/office/drawing/2014/main" id="{4CCCA2A7-B6F2-49FD-B166-449506881A0E}"/>
+                  </a:ext>
+                </a:extLst>
+              </p:cNvPr>
+              <p:cNvSpPr/>
+              <p:nvPr/>
+            </p:nvSpPr>
+            <p:spPr>
+              <a:xfrm>
+                <a:off x="3915051" y="1154098"/>
+                <a:ext cx="5174869" cy="3889199"/>
+              </a:xfrm>
+              <a:prstGeom prst="rect">
+                <a:avLst/>
+              </a:prstGeom>
+              <a:solidFill>
+                <a:schemeClr val="bg1"/>
+              </a:solidFill>
+              <a:ln>
+                <a:solidFill>
+                  <a:schemeClr val="tx1"/>
+                </a:solidFill>
+              </a:ln>
+            </p:spPr>
+            <p:style>
+              <a:lnRef idx="2">
+                <a:schemeClr val="accent1">
+                  <a:shade val="50000"/>
+                </a:schemeClr>
+              </a:lnRef>
+              <a:fillRef idx="1">
+                <a:schemeClr val="accent1"/>
+              </a:fillRef>
+              <a:effectRef idx="0">
+                <a:schemeClr val="accent1"/>
+              </a:effectRef>
+              <a:fontRef idx="minor">
+                <a:schemeClr val="lt1"/>
+              </a:fontRef>
+            </p:style>
+            <p:txBody>
+              <a:bodyPr rtlCol="0" anchor="ctr"/>
+              <a:lstStyle/>
+              <a:p>
+                <a:pPr algn="ctr"/>
+                <a:endParaRPr lang="en-US" sz="1050"/>
+              </a:p>
+            </p:txBody>
+          </p:sp>
+          <p:sp>
+            <p:nvSpPr>
+              <p:cNvPr id="50" name="Rectangle 49">
+                <a:extLst>
+                  <a:ext uri="{FF2B5EF4-FFF2-40B4-BE49-F238E27FC236}">
+                    <a16:creationId xmlns:a16="http://schemas.microsoft.com/office/drawing/2014/main" id="{4EEBF205-473C-49D7-8D32-9325FDFF6D1A}"/>
+                  </a:ext>
+                </a:extLst>
+              </p:cNvPr>
+              <p:cNvSpPr/>
+              <p:nvPr/>
+            </p:nvSpPr>
+            <p:spPr>
+              <a:xfrm>
+                <a:off x="7938238" y="2830696"/>
+                <a:ext cx="526467" cy="299072"/>
+              </a:xfrm>
+              <a:prstGeom prst="rect">
+                <a:avLst/>
+              </a:prstGeom>
+              <a:solidFill>
+                <a:schemeClr val="bg1"/>
+              </a:solidFill>
+              <a:ln>
+                <a:noFill/>
+              </a:ln>
+            </p:spPr>
+            <p:style>
+              <a:lnRef idx="2">
+                <a:schemeClr val="accent1">
+                  <a:shade val="50000"/>
+                </a:schemeClr>
+              </a:lnRef>
+              <a:fillRef idx="1">
+                <a:schemeClr val="accent1"/>
+              </a:fillRef>
+              <a:effectRef idx="0">
+                <a:schemeClr val="accent1"/>
+              </a:effectRef>
+              <a:fontRef idx="minor">
+                <a:schemeClr val="lt1"/>
+              </a:fontRef>
+            </p:style>
+            <p:txBody>
+              <a:bodyPr rtlCol="0" anchor="ctr"/>
+              <a:lstStyle/>
+              <a:p>
+                <a:pPr algn="ctr"/>
+                <a:r>
+                  <a:rPr lang="en-AU" sz="900" dirty="0">
+                    <a:solidFill>
+                      <a:schemeClr val="tx1"/>
+                    </a:solidFill>
+                    <a:latin typeface="Arial" panose="020B0604020202020204" pitchFamily="34" charset="0"/>
+                    <a:cs typeface="Arial" panose="020B0604020202020204" pitchFamily="34" charset="0"/>
+                  </a:rPr>
+                  <a:t>-0.056</a:t>
+                </a:r>
+                <a:endParaRPr lang="en-US" sz="900" dirty="0">
+                  <a:solidFill>
+                    <a:schemeClr val="tx1"/>
+                  </a:solidFill>
+                  <a:latin typeface="Arial" panose="020B0604020202020204" pitchFamily="34" charset="0"/>
+                  <a:cs typeface="Arial" panose="020B0604020202020204" pitchFamily="34" charset="0"/>
+                </a:endParaRPr>
+              </a:p>
+            </p:txBody>
+          </p:sp>
+          <p:sp>
+            <p:nvSpPr>
+              <p:cNvPr id="61" name="Rectangle 60">
+                <a:extLst>
+                  <a:ext uri="{FF2B5EF4-FFF2-40B4-BE49-F238E27FC236}">
+                    <a16:creationId xmlns:a16="http://schemas.microsoft.com/office/drawing/2014/main" id="{D4DA3761-7213-419E-BA37-BB7FC0A2BED1}"/>
+                  </a:ext>
+                </a:extLst>
+              </p:cNvPr>
+              <p:cNvSpPr/>
+              <p:nvPr/>
+            </p:nvSpPr>
+            <p:spPr>
+              <a:xfrm>
+                <a:off x="5770344" y="2050277"/>
+                <a:ext cx="526467" cy="299072"/>
+              </a:xfrm>
+              <a:prstGeom prst="rect">
+                <a:avLst/>
+              </a:prstGeom>
+              <a:solidFill>
+                <a:schemeClr val="bg1"/>
+              </a:solidFill>
+              <a:ln>
+                <a:noFill/>
+              </a:ln>
+            </p:spPr>
+            <p:style>
+              <a:lnRef idx="2">
+                <a:schemeClr val="accent1">
+                  <a:shade val="50000"/>
+                </a:schemeClr>
+              </a:lnRef>
+              <a:fillRef idx="1">
+                <a:schemeClr val="accent1"/>
+              </a:fillRef>
+              <a:effectRef idx="0">
+                <a:schemeClr val="accent1"/>
+              </a:effectRef>
+              <a:fontRef idx="minor">
+                <a:schemeClr val="lt1"/>
+              </a:fontRef>
+            </p:style>
+            <p:txBody>
+              <a:bodyPr rtlCol="0" anchor="ctr"/>
+              <a:lstStyle/>
+              <a:p>
+                <a:pPr algn="ctr"/>
+                <a:r>
+                  <a:rPr lang="en-AU" sz="900" dirty="0">
+                    <a:solidFill>
+                      <a:schemeClr val="tx1"/>
+                    </a:solidFill>
+                    <a:latin typeface="Arial" panose="020B0604020202020204" pitchFamily="34" charset="0"/>
+                    <a:cs typeface="Arial" panose="020B0604020202020204" pitchFamily="34" charset="0"/>
+                  </a:rPr>
+                  <a:t>0.127</a:t>
+                </a:r>
+                <a:endParaRPr lang="en-US" sz="900" dirty="0">
+                  <a:solidFill>
+                    <a:schemeClr val="tx1"/>
+                  </a:solidFill>
+                  <a:latin typeface="Arial" panose="020B0604020202020204" pitchFamily="34" charset="0"/>
+                  <a:cs typeface="Arial" panose="020B0604020202020204" pitchFamily="34" charset="0"/>
+                </a:endParaRPr>
+              </a:p>
+            </p:txBody>
+          </p:sp>
+          <p:sp>
+            <p:nvSpPr>
+              <p:cNvPr id="60" name="Rectangle 59">
+                <a:extLst>
+                  <a:ext uri="{FF2B5EF4-FFF2-40B4-BE49-F238E27FC236}">
+                    <a16:creationId xmlns:a16="http://schemas.microsoft.com/office/drawing/2014/main" id="{DA65FDEA-2D8E-4CFD-A8AA-D18FA469D2E7}"/>
+                  </a:ext>
+                </a:extLst>
+              </p:cNvPr>
+              <p:cNvSpPr/>
+              <p:nvPr/>
+            </p:nvSpPr>
+            <p:spPr>
+              <a:xfrm>
+                <a:off x="4470372" y="2362635"/>
+                <a:ext cx="526467" cy="299072"/>
+              </a:xfrm>
+              <a:prstGeom prst="rect">
+                <a:avLst/>
+              </a:prstGeom>
+              <a:solidFill>
+                <a:schemeClr val="bg1"/>
+              </a:solidFill>
+              <a:ln>
+                <a:noFill/>
+              </a:ln>
+            </p:spPr>
+            <p:style>
+              <a:lnRef idx="2">
+                <a:schemeClr val="accent1">
+                  <a:shade val="50000"/>
+                </a:schemeClr>
+              </a:lnRef>
+              <a:fillRef idx="1">
+                <a:schemeClr val="accent1"/>
+              </a:fillRef>
+              <a:effectRef idx="0">
+                <a:schemeClr val="accent1"/>
+              </a:effectRef>
+              <a:fontRef idx="minor">
+                <a:schemeClr val="lt1"/>
+              </a:fontRef>
+            </p:style>
+            <p:txBody>
+              <a:bodyPr rtlCol="0" anchor="ctr"/>
+              <a:lstStyle/>
+              <a:p>
+                <a:pPr algn="ctr"/>
+                <a:r>
+                  <a:rPr lang="en-AU" sz="900" dirty="0">
+                    <a:solidFill>
+                      <a:schemeClr val="tx1"/>
+                    </a:solidFill>
+                    <a:latin typeface="Arial" panose="020B0604020202020204" pitchFamily="34" charset="0"/>
+                    <a:cs typeface="Arial" panose="020B0604020202020204" pitchFamily="34" charset="0"/>
+                  </a:rPr>
+                  <a:t>0.109</a:t>
+                </a:r>
+                <a:endParaRPr lang="en-US" sz="900" dirty="0">
+                  <a:solidFill>
+                    <a:schemeClr val="tx1"/>
+                  </a:solidFill>
+                  <a:latin typeface="Arial" panose="020B0604020202020204" pitchFamily="34" charset="0"/>
+                  <a:cs typeface="Arial" panose="020B0604020202020204" pitchFamily="34" charset="0"/>
+                </a:endParaRPr>
+              </a:p>
+            </p:txBody>
+          </p:sp>
+          <p:sp>
+            <p:nvSpPr>
+              <p:cNvPr id="59" name="Rectangle 58">
+                <a:extLst>
+                  <a:ext uri="{FF2B5EF4-FFF2-40B4-BE49-F238E27FC236}">
+                    <a16:creationId xmlns:a16="http://schemas.microsoft.com/office/drawing/2014/main" id="{1341E2C7-6298-4297-BBB9-43F4C45BC2EA}"/>
+                  </a:ext>
+                </a:extLst>
+              </p:cNvPr>
+              <p:cNvSpPr/>
+              <p:nvPr/>
+            </p:nvSpPr>
+            <p:spPr>
+              <a:xfrm>
+                <a:off x="5610556" y="3577631"/>
+                <a:ext cx="526467" cy="299072"/>
+              </a:xfrm>
+              <a:prstGeom prst="rect">
+                <a:avLst/>
+              </a:prstGeom>
+              <a:solidFill>
+                <a:schemeClr val="bg1"/>
+              </a:solidFill>
+              <a:ln>
+                <a:noFill/>
+              </a:ln>
+            </p:spPr>
+            <p:style>
+              <a:lnRef idx="2">
+                <a:schemeClr val="accent1">
+                  <a:shade val="50000"/>
+                </a:schemeClr>
+              </a:lnRef>
+              <a:fillRef idx="1">
+                <a:schemeClr val="accent1"/>
+              </a:fillRef>
+              <a:effectRef idx="0">
+                <a:schemeClr val="accent1"/>
+              </a:effectRef>
+              <a:fontRef idx="minor">
+                <a:schemeClr val="lt1"/>
+              </a:fontRef>
+            </p:style>
+            <p:txBody>
+              <a:bodyPr rtlCol="0" anchor="ctr"/>
+              <a:lstStyle/>
+              <a:p>
+                <a:pPr algn="ctr"/>
+                <a:r>
+                  <a:rPr lang="en-AU" sz="900" dirty="0">
+                    <a:solidFill>
+                      <a:schemeClr val="tx1"/>
+                    </a:solidFill>
+                    <a:latin typeface="Arial" panose="020B0604020202020204" pitchFamily="34" charset="0"/>
+                    <a:cs typeface="Arial" panose="020B0604020202020204" pitchFamily="34" charset="0"/>
+                  </a:rPr>
+                  <a:t>0.088</a:t>
+                </a:r>
+                <a:endParaRPr lang="en-US" sz="900" dirty="0">
+                  <a:solidFill>
+                    <a:schemeClr val="tx1"/>
+                  </a:solidFill>
+                  <a:latin typeface="Arial" panose="020B0604020202020204" pitchFamily="34" charset="0"/>
+                  <a:cs typeface="Arial" panose="020B0604020202020204" pitchFamily="34" charset="0"/>
+                </a:endParaRPr>
+              </a:p>
+            </p:txBody>
+          </p:sp>
+          <p:sp>
+            <p:nvSpPr>
+              <p:cNvPr id="58" name="Rectangle 57">
+                <a:extLst>
+                  <a:ext uri="{FF2B5EF4-FFF2-40B4-BE49-F238E27FC236}">
+                    <a16:creationId xmlns:a16="http://schemas.microsoft.com/office/drawing/2014/main" id="{06F26171-8D08-4591-87C2-CD22F54A0BD8}"/>
+                  </a:ext>
+                </a:extLst>
+              </p:cNvPr>
+              <p:cNvSpPr/>
+              <p:nvPr/>
+            </p:nvSpPr>
+            <p:spPr>
+              <a:xfrm>
+                <a:off x="6862779" y="1927038"/>
+                <a:ext cx="526467" cy="299072"/>
+              </a:xfrm>
+              <a:prstGeom prst="rect">
+                <a:avLst/>
+              </a:prstGeom>
+              <a:solidFill>
+                <a:schemeClr val="bg1"/>
+              </a:solidFill>
+              <a:ln>
+                <a:noFill/>
+              </a:ln>
+            </p:spPr>
+            <p:style>
+              <a:lnRef idx="2">
+                <a:schemeClr val="accent1">
+                  <a:shade val="50000"/>
+                </a:schemeClr>
+              </a:lnRef>
+              <a:fillRef idx="1">
+                <a:schemeClr val="accent1"/>
+              </a:fillRef>
+              <a:effectRef idx="0">
+                <a:schemeClr val="accent1"/>
+              </a:effectRef>
+              <a:fontRef idx="minor">
+                <a:schemeClr val="lt1"/>
+              </a:fontRef>
+            </p:style>
+            <p:txBody>
+              <a:bodyPr rtlCol="0" anchor="ctr"/>
+              <a:lstStyle/>
+              <a:p>
+                <a:pPr algn="ctr"/>
+                <a:r>
+                  <a:rPr lang="en-AU" sz="900" dirty="0">
+                    <a:solidFill>
+                      <a:schemeClr val="tx1"/>
+                    </a:solidFill>
+                    <a:latin typeface="Arial" panose="020B0604020202020204" pitchFamily="34" charset="0"/>
+                    <a:cs typeface="Arial" panose="020B0604020202020204" pitchFamily="34" charset="0"/>
+                  </a:rPr>
+                  <a:t>0.173</a:t>
+                </a:r>
+                <a:endParaRPr lang="en-US" sz="900" dirty="0">
+                  <a:solidFill>
+                    <a:schemeClr val="tx1"/>
+                  </a:solidFill>
+                  <a:latin typeface="Arial" panose="020B0604020202020204" pitchFamily="34" charset="0"/>
+                  <a:cs typeface="Arial" panose="020B0604020202020204" pitchFamily="34" charset="0"/>
+                </a:endParaRPr>
+              </a:p>
+            </p:txBody>
+          </p:sp>
+          <p:sp>
+            <p:nvSpPr>
+              <p:cNvPr id="55" name="Rectangle 54">
+                <a:extLst>
+                  <a:ext uri="{FF2B5EF4-FFF2-40B4-BE49-F238E27FC236}">
+                    <a16:creationId xmlns:a16="http://schemas.microsoft.com/office/drawing/2014/main" id="{0641413A-A29E-404A-BC76-3FEDFCDE8DC0}"/>
+                  </a:ext>
+                </a:extLst>
+              </p:cNvPr>
+              <p:cNvSpPr/>
+              <p:nvPr/>
+            </p:nvSpPr>
+            <p:spPr>
+              <a:xfrm>
+                <a:off x="7316516" y="2362635"/>
+                <a:ext cx="526467" cy="299072"/>
+              </a:xfrm>
+              <a:prstGeom prst="rect">
+                <a:avLst/>
+              </a:prstGeom>
+              <a:solidFill>
+                <a:schemeClr val="bg1"/>
+              </a:solidFill>
+              <a:ln>
+                <a:noFill/>
+              </a:ln>
+            </p:spPr>
+            <p:style>
+              <a:lnRef idx="2">
+                <a:schemeClr val="accent1">
+                  <a:shade val="50000"/>
+                </a:schemeClr>
+              </a:lnRef>
+              <a:fillRef idx="1">
+                <a:schemeClr val="accent1"/>
+              </a:fillRef>
+              <a:effectRef idx="0">
+                <a:schemeClr val="accent1"/>
+              </a:effectRef>
+              <a:fontRef idx="minor">
+                <a:schemeClr val="lt1"/>
+              </a:fontRef>
+            </p:style>
+            <p:txBody>
+              <a:bodyPr rtlCol="0" anchor="ctr"/>
+              <a:lstStyle/>
+              <a:p>
+                <a:pPr algn="ctr"/>
+                <a:r>
+                  <a:rPr lang="en-AU" sz="900" dirty="0">
+                    <a:solidFill>
+                      <a:schemeClr val="tx1"/>
+                    </a:solidFill>
+                    <a:latin typeface="Arial" panose="020B0604020202020204" pitchFamily="34" charset="0"/>
+                    <a:cs typeface="Arial" panose="020B0604020202020204" pitchFamily="34" charset="0"/>
+                  </a:rPr>
+                  <a:t>0.096</a:t>
+                </a:r>
+                <a:endParaRPr lang="en-US" sz="900" dirty="0">
+                  <a:solidFill>
+                    <a:schemeClr val="tx1"/>
+                  </a:solidFill>
+                  <a:latin typeface="Arial" panose="020B0604020202020204" pitchFamily="34" charset="0"/>
+                  <a:cs typeface="Arial" panose="020B0604020202020204" pitchFamily="34" charset="0"/>
+                </a:endParaRPr>
+              </a:p>
+            </p:txBody>
+          </p:sp>
+          <p:sp>
+            <p:nvSpPr>
+              <p:cNvPr id="51" name="Rectangle 50">
+                <a:extLst>
+                  <a:ext uri="{FF2B5EF4-FFF2-40B4-BE49-F238E27FC236}">
+                    <a16:creationId xmlns:a16="http://schemas.microsoft.com/office/drawing/2014/main" id="{18199483-8D73-4D43-BA44-C662EABA3716}"/>
+                  </a:ext>
+                </a:extLst>
+              </p:cNvPr>
+              <p:cNvSpPr/>
+              <p:nvPr/>
+            </p:nvSpPr>
+            <p:spPr>
+              <a:xfrm>
+                <a:off x="6760870" y="3333801"/>
+                <a:ext cx="526467" cy="299072"/>
+              </a:xfrm>
+              <a:prstGeom prst="rect">
+                <a:avLst/>
+              </a:prstGeom>
+              <a:solidFill>
+                <a:schemeClr val="bg1"/>
+              </a:solidFill>
+              <a:ln>
+                <a:noFill/>
+              </a:ln>
+            </p:spPr>
+            <p:style>
+              <a:lnRef idx="2">
+                <a:schemeClr val="accent1">
+                  <a:shade val="50000"/>
+                </a:schemeClr>
+              </a:lnRef>
+              <a:fillRef idx="1">
+                <a:schemeClr val="accent1"/>
+              </a:fillRef>
+              <a:effectRef idx="0">
+                <a:schemeClr val="accent1"/>
+              </a:effectRef>
+              <a:fontRef idx="minor">
+                <a:schemeClr val="lt1"/>
+              </a:fontRef>
+            </p:style>
+            <p:txBody>
+              <a:bodyPr rtlCol="0" anchor="ctr"/>
+              <a:lstStyle/>
+              <a:p>
+                <a:pPr algn="ctr"/>
+                <a:r>
+                  <a:rPr lang="en-AU" sz="900" dirty="0">
+                    <a:solidFill>
+                      <a:schemeClr val="tx1"/>
+                    </a:solidFill>
+                    <a:latin typeface="Arial" panose="020B0604020202020204" pitchFamily="34" charset="0"/>
+                    <a:cs typeface="Arial" panose="020B0604020202020204" pitchFamily="34" charset="0"/>
+                  </a:rPr>
+                  <a:t>0.725</a:t>
+                </a:r>
+                <a:endParaRPr lang="en-US" sz="900" dirty="0">
+                  <a:solidFill>
+                    <a:schemeClr val="tx1"/>
+                  </a:solidFill>
+                  <a:latin typeface="Arial" panose="020B0604020202020204" pitchFamily="34" charset="0"/>
+                  <a:cs typeface="Arial" panose="020B0604020202020204" pitchFamily="34" charset="0"/>
+                </a:endParaRPr>
+              </a:p>
+            </p:txBody>
+          </p:sp>
+          <p:cxnSp>
+            <p:nvCxnSpPr>
+              <p:cNvPr id="18" name="Straight Arrow Connector 17">
+                <a:extLst>
+                  <a:ext uri="{FF2B5EF4-FFF2-40B4-BE49-F238E27FC236}">
+                    <a16:creationId xmlns:a16="http://schemas.microsoft.com/office/drawing/2014/main" id="{02587D60-93DB-4DE2-8512-656CA5D7214A}"/>
+                  </a:ext>
+                </a:extLst>
+              </p:cNvPr>
+              <p:cNvCxnSpPr>
+                <a:cxnSpLocks/>
+                <a:endCxn id="4" idx="1"/>
+              </p:cNvCxnSpPr>
+              <p:nvPr/>
+            </p:nvCxnSpPr>
+            <p:spPr>
+              <a:xfrm>
+                <a:off x="4498006" y="2054586"/>
+                <a:ext cx="809674" cy="789586"/>
+              </a:xfrm>
+              <a:prstGeom prst="straightConnector1">
+                <a:avLst/>
+              </a:prstGeom>
+              <a:ln w="38100">
+                <a:solidFill>
+                  <a:schemeClr val="tx1"/>
+                </a:solidFill>
+                <a:tailEnd type="triangle"/>
+              </a:ln>
+            </p:spPr>
+            <p:style>
+              <a:lnRef idx="1">
+                <a:schemeClr val="accent1"/>
+              </a:lnRef>
+              <a:fillRef idx="0">
+                <a:schemeClr val="accent1"/>
+              </a:fillRef>
+              <a:effectRef idx="0">
+                <a:schemeClr val="accent1"/>
+              </a:effectRef>
+              <a:fontRef idx="minor">
+                <a:schemeClr val="tx1"/>
+              </a:fontRef>
+            </p:style>
+          </p:cxnSp>
+          <p:cxnSp>
+            <p:nvCxnSpPr>
+              <p:cNvPr id="43" name="Straight Arrow Connector 42">
+                <a:extLst>
+                  <a:ext uri="{FF2B5EF4-FFF2-40B4-BE49-F238E27FC236}">
+                    <a16:creationId xmlns:a16="http://schemas.microsoft.com/office/drawing/2014/main" id="{83E2AC48-FDC6-4105-B418-806EBB2FBB1D}"/>
+                  </a:ext>
+                </a:extLst>
+              </p:cNvPr>
+              <p:cNvCxnSpPr>
+                <a:cxnSpLocks/>
+              </p:cNvCxnSpPr>
+              <p:nvPr/>
+            </p:nvCxnSpPr>
+            <p:spPr>
+              <a:xfrm>
+                <a:off x="6141078" y="2989749"/>
+                <a:ext cx="1481873" cy="1170674"/>
+              </a:xfrm>
+              <a:prstGeom prst="straightConnector1">
+                <a:avLst/>
+              </a:prstGeom>
+              <a:ln w="38100">
+                <a:solidFill>
+                  <a:schemeClr val="tx1"/>
+                </a:solidFill>
+                <a:tailEnd type="triangle"/>
+              </a:ln>
+            </p:spPr>
+            <p:style>
+              <a:lnRef idx="1">
+                <a:schemeClr val="accent1"/>
+              </a:lnRef>
+              <a:fillRef idx="0">
+                <a:schemeClr val="accent1"/>
+              </a:fillRef>
+              <a:effectRef idx="0">
+                <a:schemeClr val="accent1"/>
+              </a:effectRef>
+              <a:fontRef idx="minor">
+                <a:schemeClr val="tx1"/>
+              </a:fontRef>
+            </p:style>
+          </p:cxnSp>
+          <p:cxnSp>
+            <p:nvCxnSpPr>
+              <p:cNvPr id="24" name="Straight Arrow Connector 23">
+                <a:extLst>
+                  <a:ext uri="{FF2B5EF4-FFF2-40B4-BE49-F238E27FC236}">
+                    <a16:creationId xmlns:a16="http://schemas.microsoft.com/office/drawing/2014/main" id="{33631E55-E562-45E4-87E1-5AB74EBC91F3}"/>
+                  </a:ext>
+                </a:extLst>
+              </p:cNvPr>
+              <p:cNvCxnSpPr>
+                <a:cxnSpLocks/>
+                <a:endCxn id="10" idx="0"/>
+              </p:cNvCxnSpPr>
+              <p:nvPr/>
+            </p:nvCxnSpPr>
+            <p:spPr>
+              <a:xfrm>
+                <a:off x="6658308" y="1666988"/>
+                <a:ext cx="1531678" cy="2384993"/>
+              </a:xfrm>
+              <a:prstGeom prst="straightConnector1">
+                <a:avLst/>
+              </a:prstGeom>
+              <a:ln w="38100">
+                <a:solidFill>
+                  <a:schemeClr val="tx1"/>
+                </a:solidFill>
+                <a:tailEnd type="triangle"/>
+              </a:ln>
+            </p:spPr>
+            <p:style>
+              <a:lnRef idx="1">
+                <a:schemeClr val="accent1"/>
+              </a:lnRef>
+              <a:fillRef idx="0">
+                <a:schemeClr val="accent1"/>
+              </a:fillRef>
+              <a:effectRef idx="0">
+                <a:schemeClr val="accent1"/>
+              </a:effectRef>
+              <a:fontRef idx="minor">
+                <a:schemeClr val="tx1"/>
+              </a:fontRef>
+            </p:style>
+          </p:cxnSp>
+          <p:sp>
+            <p:nvSpPr>
+              <p:cNvPr id="4" name="Rectangle 3">
+                <a:extLst>
+                  <a:ext uri="{FF2B5EF4-FFF2-40B4-BE49-F238E27FC236}">
+                    <a16:creationId xmlns:a16="http://schemas.microsoft.com/office/drawing/2014/main" id="{D5FC854D-A06B-4C8C-8DBC-4893E56B31D1}"/>
+                  </a:ext>
+                </a:extLst>
+              </p:cNvPr>
+              <p:cNvSpPr/>
+              <p:nvPr/>
+            </p:nvSpPr>
+            <p:spPr>
+              <a:xfrm>
+                <a:off x="5307680" y="2609864"/>
+                <a:ext cx="1109630" cy="468616"/>
+              </a:xfrm>
+              <a:prstGeom prst="rect">
+                <a:avLst/>
+              </a:prstGeom>
+              <a:solidFill>
+                <a:schemeClr val="bg1"/>
+              </a:solidFill>
+              <a:ln w="28575">
+                <a:solidFill>
+                  <a:schemeClr val="tx1"/>
+                </a:solidFill>
+              </a:ln>
+            </p:spPr>
+            <p:style>
+              <a:lnRef idx="2">
+                <a:schemeClr val="accent1">
+                  <a:shade val="50000"/>
+                </a:schemeClr>
+              </a:lnRef>
+              <a:fillRef idx="1">
+                <a:schemeClr val="accent1"/>
+              </a:fillRef>
+              <a:effectRef idx="0">
+                <a:schemeClr val="accent1"/>
+              </a:effectRef>
+              <a:fontRef idx="minor">
+                <a:schemeClr val="lt1"/>
+              </a:fontRef>
+            </p:style>
+            <p:txBody>
+              <a:bodyPr rtlCol="0" anchor="ctr"/>
+              <a:lstStyle/>
+              <a:p>
+                <a:pPr algn="ctr"/>
+                <a:r>
+                  <a:rPr lang="en-AU" sz="1000" dirty="0">
+                    <a:solidFill>
+                      <a:schemeClr val="tx1"/>
+                    </a:solidFill>
+                    <a:latin typeface="Arial" panose="020B0604020202020204" pitchFamily="34" charset="0"/>
+                    <a:cs typeface="Arial" panose="020B0604020202020204" pitchFamily="34" charset="0"/>
+                  </a:rPr>
+                  <a:t>Species richness</a:t>
+                </a:r>
+                <a:endParaRPr lang="en-US" sz="1000" dirty="0">
+                  <a:solidFill>
+                    <a:schemeClr val="tx1"/>
+                  </a:solidFill>
+                  <a:latin typeface="Arial" panose="020B0604020202020204" pitchFamily="34" charset="0"/>
+                  <a:cs typeface="Arial" panose="020B0604020202020204" pitchFamily="34" charset="0"/>
+                </a:endParaRPr>
+              </a:p>
+            </p:txBody>
+          </p:sp>
+          <p:sp>
+            <p:nvSpPr>
+              <p:cNvPr id="5" name="Rectangle 4">
+                <a:extLst>
+                  <a:ext uri="{FF2B5EF4-FFF2-40B4-BE49-F238E27FC236}">
+                    <a16:creationId xmlns:a16="http://schemas.microsoft.com/office/drawing/2014/main" id="{DCBBD23B-6E5C-4178-84F7-4A00D1181C60}"/>
+                  </a:ext>
+                </a:extLst>
+              </p:cNvPr>
+              <p:cNvSpPr/>
+              <p:nvPr/>
+            </p:nvSpPr>
+            <p:spPr>
+              <a:xfrm>
+                <a:off x="7903257" y="1959338"/>
+                <a:ext cx="1109630" cy="468616"/>
+              </a:xfrm>
+              <a:prstGeom prst="rect">
+                <a:avLst/>
+              </a:prstGeom>
+              <a:solidFill>
+                <a:schemeClr val="bg1"/>
+              </a:solidFill>
+              <a:ln w="28575">
+                <a:solidFill>
+                  <a:schemeClr val="tx1"/>
+                </a:solidFill>
+              </a:ln>
+            </p:spPr>
+            <p:style>
+              <a:lnRef idx="2">
+                <a:schemeClr val="accent1">
+                  <a:shade val="50000"/>
+                </a:schemeClr>
+              </a:lnRef>
+              <a:fillRef idx="1">
+                <a:schemeClr val="accent1"/>
+              </a:fillRef>
+              <a:effectRef idx="0">
+                <a:schemeClr val="accent1"/>
+              </a:effectRef>
+              <a:fontRef idx="minor">
+                <a:schemeClr val="lt1"/>
+              </a:fontRef>
+            </p:style>
+            <p:txBody>
+              <a:bodyPr rtlCol="0" anchor="ctr"/>
+              <a:lstStyle/>
+              <a:p>
+                <a:pPr algn="ctr"/>
+                <a:r>
+                  <a:rPr lang="en-AU" sz="1000" dirty="0">
+                    <a:solidFill>
+                      <a:schemeClr val="tx1"/>
+                    </a:solidFill>
+                    <a:latin typeface="Arial" panose="020B0604020202020204" pitchFamily="34" charset="0"/>
+                    <a:cs typeface="Arial" panose="020B0604020202020204" pitchFamily="34" charset="0"/>
+                  </a:rPr>
+                  <a:t>Heterogeneity</a:t>
+                </a:r>
+                <a:endParaRPr lang="en-US" sz="1000" dirty="0">
+                  <a:solidFill>
+                    <a:schemeClr val="tx1"/>
+                  </a:solidFill>
+                  <a:latin typeface="Arial" panose="020B0604020202020204" pitchFamily="34" charset="0"/>
+                  <a:cs typeface="Arial" panose="020B0604020202020204" pitchFamily="34" charset="0"/>
+                </a:endParaRPr>
+              </a:p>
+            </p:txBody>
+          </p:sp>
+          <p:sp>
+            <p:nvSpPr>
+              <p:cNvPr id="6" name="Rectangle 5">
+                <a:extLst>
+                  <a:ext uri="{FF2B5EF4-FFF2-40B4-BE49-F238E27FC236}">
+                    <a16:creationId xmlns:a16="http://schemas.microsoft.com/office/drawing/2014/main" id="{59C1C3FD-C1B0-48ED-9591-5499B4CE130A}"/>
+                  </a:ext>
+                </a:extLst>
+              </p:cNvPr>
+              <p:cNvSpPr/>
+              <p:nvPr/>
+            </p:nvSpPr>
+            <p:spPr>
+              <a:xfrm>
+                <a:off x="6143596" y="1347908"/>
+                <a:ext cx="1109630" cy="468616"/>
+              </a:xfrm>
+              <a:prstGeom prst="rect">
+                <a:avLst/>
+              </a:prstGeom>
+              <a:solidFill>
+                <a:schemeClr val="bg1"/>
+              </a:solidFill>
+              <a:ln w="28575">
+                <a:solidFill>
+                  <a:schemeClr val="tx1"/>
+                </a:solidFill>
+              </a:ln>
+            </p:spPr>
+            <p:style>
+              <a:lnRef idx="2">
+                <a:schemeClr val="accent1">
+                  <a:shade val="50000"/>
+                </a:schemeClr>
+              </a:lnRef>
+              <a:fillRef idx="1">
+                <a:schemeClr val="accent1"/>
+              </a:fillRef>
+              <a:effectRef idx="0">
+                <a:schemeClr val="accent1"/>
+              </a:effectRef>
+              <a:fontRef idx="minor">
+                <a:schemeClr val="lt1"/>
+              </a:fontRef>
+            </p:style>
+            <p:txBody>
+              <a:bodyPr rtlCol="0" anchor="ctr"/>
+              <a:lstStyle/>
+              <a:p>
+                <a:pPr algn="ctr"/>
+                <a:r>
+                  <a:rPr lang="en-AU" sz="1000" dirty="0">
+                    <a:solidFill>
+                      <a:schemeClr val="tx1"/>
+                    </a:solidFill>
+                    <a:latin typeface="Arial" panose="020B0604020202020204" pitchFamily="34" charset="0"/>
+                    <a:cs typeface="Arial" panose="020B0604020202020204" pitchFamily="34" charset="0"/>
+                  </a:rPr>
+                  <a:t>Urban cover</a:t>
+                </a:r>
+                <a:endParaRPr lang="en-US" sz="1000" dirty="0">
+                  <a:solidFill>
+                    <a:schemeClr val="tx1"/>
+                  </a:solidFill>
+                  <a:latin typeface="Arial" panose="020B0604020202020204" pitchFamily="34" charset="0"/>
+                  <a:cs typeface="Arial" panose="020B0604020202020204" pitchFamily="34" charset="0"/>
+                </a:endParaRPr>
+              </a:p>
+            </p:txBody>
+          </p:sp>
+          <p:sp>
+            <p:nvSpPr>
+              <p:cNvPr id="7" name="Rectangle 6">
+                <a:extLst>
+                  <a:ext uri="{FF2B5EF4-FFF2-40B4-BE49-F238E27FC236}">
+                    <a16:creationId xmlns:a16="http://schemas.microsoft.com/office/drawing/2014/main" id="{FB3E4F3D-603E-4C58-91CA-37FEBD8A29BA}"/>
+                  </a:ext>
+                </a:extLst>
+              </p:cNvPr>
+              <p:cNvSpPr/>
+              <p:nvPr/>
+            </p:nvSpPr>
+            <p:spPr>
+              <a:xfrm>
+                <a:off x="4114828" y="1649265"/>
+                <a:ext cx="1109630" cy="468616"/>
+              </a:xfrm>
+              <a:prstGeom prst="rect">
+                <a:avLst/>
+              </a:prstGeom>
+              <a:solidFill>
+                <a:schemeClr val="bg1"/>
+              </a:solidFill>
+              <a:ln w="28575">
+                <a:solidFill>
+                  <a:schemeClr val="tx1"/>
+                </a:solidFill>
+              </a:ln>
+            </p:spPr>
+            <p:style>
+              <a:lnRef idx="2">
+                <a:schemeClr val="accent1">
+                  <a:shade val="50000"/>
+                </a:schemeClr>
+              </a:lnRef>
+              <a:fillRef idx="1">
+                <a:schemeClr val="accent1"/>
+              </a:fillRef>
+              <a:effectRef idx="0">
+                <a:schemeClr val="accent1"/>
+              </a:effectRef>
+              <a:fontRef idx="minor">
+                <a:schemeClr val="lt1"/>
+              </a:fontRef>
+            </p:style>
+            <p:txBody>
+              <a:bodyPr rtlCol="0" anchor="ctr"/>
+              <a:lstStyle/>
+              <a:p>
+                <a:pPr algn="ctr"/>
+                <a:r>
+                  <a:rPr lang="en-AU" sz="1000" dirty="0">
+                    <a:solidFill>
+                      <a:schemeClr val="tx1"/>
+                    </a:solidFill>
+                    <a:latin typeface="Arial" panose="020B0604020202020204" pitchFamily="34" charset="0"/>
+                    <a:cs typeface="Arial" panose="020B0604020202020204" pitchFamily="34" charset="0"/>
+                  </a:rPr>
+                  <a:t>Water cover</a:t>
+                </a:r>
+                <a:endParaRPr lang="en-US" sz="1000" dirty="0">
+                  <a:solidFill>
+                    <a:schemeClr val="tx1"/>
+                  </a:solidFill>
+                  <a:latin typeface="Arial" panose="020B0604020202020204" pitchFamily="34" charset="0"/>
+                  <a:cs typeface="Arial" panose="020B0604020202020204" pitchFamily="34" charset="0"/>
+                </a:endParaRPr>
+              </a:p>
+            </p:txBody>
+          </p:sp>
+          <p:sp>
+            <p:nvSpPr>
+              <p:cNvPr id="8" name="Rectangle 7">
+                <a:extLst>
+                  <a:ext uri="{FF2B5EF4-FFF2-40B4-BE49-F238E27FC236}">
+                    <a16:creationId xmlns:a16="http://schemas.microsoft.com/office/drawing/2014/main" id="{A737609C-404A-4528-95AA-0E0CD711B295}"/>
+                  </a:ext>
+                </a:extLst>
+              </p:cNvPr>
+              <p:cNvSpPr/>
+              <p:nvPr/>
+            </p:nvSpPr>
+            <p:spPr>
+              <a:xfrm>
+                <a:off x="4434591" y="4065630"/>
+                <a:ext cx="1109630" cy="468616"/>
+              </a:xfrm>
+              <a:prstGeom prst="rect">
+                <a:avLst/>
+              </a:prstGeom>
+              <a:solidFill>
+                <a:schemeClr val="bg1"/>
+              </a:solidFill>
+              <a:ln w="28575">
+                <a:solidFill>
+                  <a:schemeClr val="tx1"/>
+                </a:solidFill>
+              </a:ln>
+            </p:spPr>
+            <p:style>
+              <a:lnRef idx="2">
+                <a:schemeClr val="accent1">
+                  <a:shade val="50000"/>
+                </a:schemeClr>
+              </a:lnRef>
+              <a:fillRef idx="1">
+                <a:schemeClr val="accent1"/>
+              </a:fillRef>
+              <a:effectRef idx="0">
+                <a:schemeClr val="accent1"/>
+              </a:effectRef>
+              <a:fontRef idx="minor">
+                <a:schemeClr val="lt1"/>
+              </a:fontRef>
+            </p:style>
+            <p:txBody>
+              <a:bodyPr rtlCol="0" anchor="ctr"/>
+              <a:lstStyle/>
+              <a:p>
+                <a:pPr algn="ctr"/>
+                <a:r>
+                  <a:rPr lang="en-AU" sz="1000" dirty="0">
+                    <a:solidFill>
+                      <a:schemeClr val="tx1"/>
+                    </a:solidFill>
+                    <a:latin typeface="Arial" panose="020B0604020202020204" pitchFamily="34" charset="0"/>
+                    <a:cs typeface="Arial" panose="020B0604020202020204" pitchFamily="34" charset="0"/>
+                  </a:rPr>
+                  <a:t>Tree cover</a:t>
+                </a:r>
+                <a:endParaRPr lang="en-US" sz="1000" dirty="0">
+                  <a:solidFill>
+                    <a:schemeClr val="tx1"/>
+                  </a:solidFill>
+                  <a:latin typeface="Arial" panose="020B0604020202020204" pitchFamily="34" charset="0"/>
+                  <a:cs typeface="Arial" panose="020B0604020202020204" pitchFamily="34" charset="0"/>
+                </a:endParaRPr>
+              </a:p>
+            </p:txBody>
+          </p:sp>
+          <p:sp>
+            <p:nvSpPr>
+              <p:cNvPr id="10" name="Rectangle 9">
+                <a:extLst>
+                  <a:ext uri="{FF2B5EF4-FFF2-40B4-BE49-F238E27FC236}">
+                    <a16:creationId xmlns:a16="http://schemas.microsoft.com/office/drawing/2014/main" id="{0F067275-DE63-485D-85B5-737200EFB5D1}"/>
+                  </a:ext>
+                </a:extLst>
+              </p:cNvPr>
+              <p:cNvSpPr/>
+              <p:nvPr/>
+            </p:nvSpPr>
+            <p:spPr>
+              <a:xfrm>
+                <a:off x="7635171" y="4051981"/>
+                <a:ext cx="1109630" cy="468616"/>
+              </a:xfrm>
+              <a:prstGeom prst="rect">
+                <a:avLst/>
+              </a:prstGeom>
+              <a:solidFill>
+                <a:schemeClr val="bg1"/>
+              </a:solidFill>
+              <a:ln w="28575">
+                <a:solidFill>
+                  <a:schemeClr val="tx1"/>
+                </a:solidFill>
+              </a:ln>
+            </p:spPr>
+            <p:style>
+              <a:lnRef idx="2">
+                <a:schemeClr val="accent1">
+                  <a:shade val="50000"/>
+                </a:schemeClr>
+              </a:lnRef>
+              <a:fillRef idx="1">
+                <a:schemeClr val="accent1"/>
+              </a:fillRef>
+              <a:effectRef idx="0">
+                <a:schemeClr val="accent1"/>
+              </a:effectRef>
+              <a:fontRef idx="minor">
+                <a:schemeClr val="lt1"/>
+              </a:fontRef>
+            </p:style>
+            <p:txBody>
+              <a:bodyPr rtlCol="0" anchor="ctr"/>
+              <a:lstStyle/>
+              <a:p>
+                <a:pPr algn="ctr"/>
+                <a:r>
+                  <a:rPr lang="en-AU" sz="1000" dirty="0">
+                    <a:solidFill>
+                      <a:schemeClr val="tx1"/>
+                    </a:solidFill>
+                    <a:latin typeface="Arial" panose="020B0604020202020204" pitchFamily="34" charset="0"/>
+                    <a:cs typeface="Arial" panose="020B0604020202020204" pitchFamily="34" charset="0"/>
+                  </a:rPr>
+                  <a:t>Number of checklists</a:t>
+                </a:r>
+                <a:endParaRPr lang="en-US" sz="1000" dirty="0">
+                  <a:solidFill>
+                    <a:schemeClr val="tx1"/>
+                  </a:solidFill>
+                  <a:latin typeface="Arial" panose="020B0604020202020204" pitchFamily="34" charset="0"/>
+                  <a:cs typeface="Arial" panose="020B0604020202020204" pitchFamily="34" charset="0"/>
+                </a:endParaRPr>
+              </a:p>
+            </p:txBody>
+          </p:sp>
+          <p:cxnSp>
+            <p:nvCxnSpPr>
+              <p:cNvPr id="13" name="Straight Arrow Connector 12">
+                <a:extLst>
+                  <a:ext uri="{FF2B5EF4-FFF2-40B4-BE49-F238E27FC236}">
+                    <a16:creationId xmlns:a16="http://schemas.microsoft.com/office/drawing/2014/main" id="{9FA4C7F2-AA54-4EFC-8B18-0DA4B5E55354}"/>
+                  </a:ext>
+                </a:extLst>
+              </p:cNvPr>
+              <p:cNvCxnSpPr>
+                <a:cxnSpLocks/>
+                <a:stCxn id="8" idx="0"/>
+              </p:cNvCxnSpPr>
+              <p:nvPr/>
+            </p:nvCxnSpPr>
+            <p:spPr>
+              <a:xfrm flipV="1">
+                <a:off x="4989406" y="3088926"/>
+                <a:ext cx="782564" cy="976704"/>
+              </a:xfrm>
+              <a:prstGeom prst="straightConnector1">
+                <a:avLst/>
+              </a:prstGeom>
+              <a:ln w="38100">
+                <a:solidFill>
+                  <a:schemeClr val="tx1"/>
+                </a:solidFill>
+                <a:prstDash val="dash"/>
+                <a:tailEnd type="triangle"/>
+              </a:ln>
+            </p:spPr>
+            <p:style>
+              <a:lnRef idx="1">
+                <a:schemeClr val="accent1"/>
+              </a:lnRef>
+              <a:fillRef idx="0">
+                <a:schemeClr val="accent1"/>
+              </a:fillRef>
+              <a:effectRef idx="0">
+                <a:schemeClr val="accent1"/>
+              </a:effectRef>
+              <a:fontRef idx="minor">
+                <a:schemeClr val="tx1"/>
+              </a:fontRef>
+            </p:style>
+          </p:cxnSp>
+          <p:cxnSp>
+            <p:nvCxnSpPr>
+              <p:cNvPr id="21" name="Straight Arrow Connector 20">
+                <a:extLst>
+                  <a:ext uri="{FF2B5EF4-FFF2-40B4-BE49-F238E27FC236}">
+                    <a16:creationId xmlns:a16="http://schemas.microsoft.com/office/drawing/2014/main" id="{46D0DA1A-9607-42C9-9581-734BA3F522D7}"/>
+                  </a:ext>
+                </a:extLst>
+              </p:cNvPr>
+              <p:cNvCxnSpPr>
+                <a:cxnSpLocks/>
+                <a:stCxn id="6" idx="2"/>
+                <a:endCxn id="4" idx="0"/>
+              </p:cNvCxnSpPr>
+              <p:nvPr/>
+            </p:nvCxnSpPr>
+            <p:spPr>
+              <a:xfrm flipH="1">
+                <a:off x="5862495" y="1816524"/>
+                <a:ext cx="835916" cy="793340"/>
+              </a:xfrm>
+              <a:prstGeom prst="straightConnector1">
+                <a:avLst/>
+              </a:prstGeom>
+              <a:ln w="38100">
+                <a:solidFill>
+                  <a:schemeClr val="tx1"/>
+                </a:solidFill>
+                <a:tailEnd type="triangle"/>
+              </a:ln>
+            </p:spPr>
+            <p:style>
+              <a:lnRef idx="1">
+                <a:schemeClr val="accent1"/>
+              </a:lnRef>
+              <a:fillRef idx="0">
+                <a:schemeClr val="accent1"/>
+              </a:fillRef>
+              <a:effectRef idx="0">
+                <a:schemeClr val="accent1"/>
+              </a:effectRef>
+              <a:fontRef idx="minor">
+                <a:schemeClr val="tx1"/>
+              </a:fontRef>
+            </p:style>
+          </p:cxnSp>
+          <p:cxnSp>
+            <p:nvCxnSpPr>
+              <p:cNvPr id="29" name="Straight Arrow Connector 28">
+                <a:extLst>
+                  <a:ext uri="{FF2B5EF4-FFF2-40B4-BE49-F238E27FC236}">
+                    <a16:creationId xmlns:a16="http://schemas.microsoft.com/office/drawing/2014/main" id="{5736C41D-241C-42EA-B116-BC3B2F75AAA9}"/>
+                  </a:ext>
+                </a:extLst>
+              </p:cNvPr>
+              <p:cNvCxnSpPr>
+                <a:cxnSpLocks/>
+                <a:stCxn id="5" idx="2"/>
+              </p:cNvCxnSpPr>
+              <p:nvPr/>
+            </p:nvCxnSpPr>
+            <p:spPr>
+              <a:xfrm>
+                <a:off x="8458072" y="2427954"/>
+                <a:ext cx="11785" cy="1624027"/>
+              </a:xfrm>
+              <a:prstGeom prst="straightConnector1">
+                <a:avLst/>
+              </a:prstGeom>
+              <a:ln w="38100">
+                <a:solidFill>
+                  <a:schemeClr val="tx1"/>
+                </a:solidFill>
+                <a:tailEnd type="triangle"/>
+              </a:ln>
+            </p:spPr>
+            <p:style>
+              <a:lnRef idx="1">
+                <a:schemeClr val="accent1"/>
+              </a:lnRef>
+              <a:fillRef idx="0">
+                <a:schemeClr val="accent1"/>
+              </a:fillRef>
+              <a:effectRef idx="0">
+                <a:schemeClr val="accent1"/>
+              </a:effectRef>
+              <a:fontRef idx="minor">
+                <a:schemeClr val="tx1"/>
+              </a:fontRef>
+            </p:style>
+          </p:cxnSp>
+          <p:cxnSp>
+            <p:nvCxnSpPr>
+              <p:cNvPr id="32" name="Straight Arrow Connector 31">
+                <a:extLst>
+                  <a:ext uri="{FF2B5EF4-FFF2-40B4-BE49-F238E27FC236}">
+                    <a16:creationId xmlns:a16="http://schemas.microsoft.com/office/drawing/2014/main" id="{1591D883-E435-4ECD-A6B3-AFF0BE30C03D}"/>
+                  </a:ext>
+                </a:extLst>
+              </p:cNvPr>
+              <p:cNvCxnSpPr>
+                <a:cxnSpLocks/>
+                <a:stCxn id="5" idx="1"/>
+                <a:endCxn id="4" idx="3"/>
+              </p:cNvCxnSpPr>
+              <p:nvPr/>
+            </p:nvCxnSpPr>
+            <p:spPr>
+              <a:xfrm flipH="1">
+                <a:off x="6417310" y="2193646"/>
+                <a:ext cx="1485947" cy="650526"/>
+              </a:xfrm>
+              <a:prstGeom prst="straightConnector1">
+                <a:avLst/>
+              </a:prstGeom>
+              <a:ln w="38100">
+                <a:solidFill>
+                  <a:schemeClr val="tx1"/>
+                </a:solidFill>
+                <a:tailEnd type="triangle"/>
+              </a:ln>
+            </p:spPr>
+            <p:style>
+              <a:lnRef idx="1">
+                <a:schemeClr val="accent1"/>
+              </a:lnRef>
+              <a:fillRef idx="0">
+                <a:schemeClr val="accent1"/>
+              </a:fillRef>
+              <a:effectRef idx="0">
+                <a:schemeClr val="accent1"/>
+              </a:effectRef>
+              <a:fontRef idx="minor">
+                <a:schemeClr val="tx1"/>
+              </a:fontRef>
+            </p:style>
+          </p:cxnSp>
+        </p:grpSp>
+        <p:sp>
+          <p:nvSpPr>
+            <p:cNvPr id="31" name="TextBox 30">
+              <a:extLst>
+                <a:ext uri="{FF2B5EF4-FFF2-40B4-BE49-F238E27FC236}">
+                  <a16:creationId xmlns:a16="http://schemas.microsoft.com/office/drawing/2014/main" id="{4AFAB97A-6DAE-4E0B-92FE-D758CBD267DC}"/>
+                </a:ext>
+              </a:extLst>
+            </p:cNvPr>
+            <p:cNvSpPr txBox="1"/>
+            <p:nvPr/>
+          </p:nvSpPr>
+          <p:spPr>
+            <a:xfrm>
+              <a:off x="1398262" y="833494"/>
+              <a:ext cx="1415959" cy="464614"/>
+            </a:xfrm>
+            <a:prstGeom prst="rect">
+              <a:avLst/>
+            </a:prstGeom>
+            <a:noFill/>
+          </p:spPr>
+          <p:txBody>
+            <a:bodyPr wrap="square" rtlCol="0">
+              <a:spAutoFit/>
+            </a:bodyPr>
+            <a:lstStyle/>
+            <a:p>
+              <a:r>
+                <a:rPr lang="en-AU" dirty="0">
+                  <a:latin typeface="Arial" panose="020B0604020202020204" pitchFamily="34" charset="0"/>
+                  <a:cs typeface="Arial" panose="020B0604020202020204" pitchFamily="34" charset="0"/>
+                </a:rPr>
+                <a:t>5 km</a:t>
+              </a:r>
+              <a:r>
+                <a:rPr lang="en-AU" baseline="30000" dirty="0">
+                  <a:latin typeface="Arial" panose="020B0604020202020204" pitchFamily="34" charset="0"/>
+                  <a:cs typeface="Arial" panose="020B0604020202020204" pitchFamily="34" charset="0"/>
+                </a:rPr>
+                <a:t>2</a:t>
+              </a:r>
+              <a:endParaRPr lang="en-US" baseline="30000" dirty="0">
+                <a:latin typeface="Arial" panose="020B0604020202020204" pitchFamily="34" charset="0"/>
+                <a:cs typeface="Arial" panose="020B0604020202020204" pitchFamily="34" charset="0"/>
+              </a:endParaRPr>
+            </a:p>
+          </p:txBody>
+        </p:sp>
+      </p:grpSp>
+      <p:grpSp>
+        <p:nvGrpSpPr>
+          <p:cNvPr id="88" name="Group 87">
+            <a:extLst>
+              <a:ext uri="{FF2B5EF4-FFF2-40B4-BE49-F238E27FC236}">
+                <a16:creationId xmlns:a16="http://schemas.microsoft.com/office/drawing/2014/main" id="{62C34CFB-9B0D-41FC-9B85-9E5D2902ACA7}"/>
+              </a:ext>
+            </a:extLst>
+          </p:cNvPr>
+          <p:cNvGrpSpPr/>
+          <p:nvPr/>
+        </p:nvGrpSpPr>
+        <p:grpSpPr>
+          <a:xfrm>
+            <a:off x="5551319" y="387094"/>
+            <a:ext cx="5174869" cy="3889199"/>
+            <a:chOff x="1198485" y="807869"/>
+            <a:chExt cx="5174869" cy="3889199"/>
+          </a:xfrm>
+        </p:grpSpPr>
+        <p:grpSp>
+          <p:nvGrpSpPr>
+            <p:cNvPr id="89" name="Group 88">
+              <a:extLst>
+                <a:ext uri="{FF2B5EF4-FFF2-40B4-BE49-F238E27FC236}">
+                  <a16:creationId xmlns:a16="http://schemas.microsoft.com/office/drawing/2014/main" id="{F0E4C77F-5C54-4AA7-B69A-3158D6C15537}"/>
+                </a:ext>
+              </a:extLst>
+            </p:cNvPr>
+            <p:cNvGrpSpPr/>
+            <p:nvPr/>
+          </p:nvGrpSpPr>
+          <p:grpSpPr>
+            <a:xfrm>
+              <a:off x="1198485" y="807869"/>
+              <a:ext cx="5174869" cy="3889199"/>
+              <a:chOff x="3915051" y="1154098"/>
+              <a:chExt cx="5174869" cy="3889199"/>
+            </a:xfrm>
+          </p:grpSpPr>
+          <p:sp>
+            <p:nvSpPr>
+              <p:cNvPr id="91" name="Rectangle 90">
+                <a:extLst>
+                  <a:ext uri="{FF2B5EF4-FFF2-40B4-BE49-F238E27FC236}">
+                    <a16:creationId xmlns:a16="http://schemas.microsoft.com/office/drawing/2014/main" id="{B5558DF2-34DE-450C-BA65-26EB8C124142}"/>
+                  </a:ext>
+                </a:extLst>
+              </p:cNvPr>
+              <p:cNvSpPr/>
+              <p:nvPr/>
+            </p:nvSpPr>
+            <p:spPr>
+              <a:xfrm>
+                <a:off x="3915051" y="1154098"/>
+                <a:ext cx="5174869" cy="3889199"/>
+              </a:xfrm>
+              <a:prstGeom prst="rect">
+                <a:avLst/>
+              </a:prstGeom>
+              <a:solidFill>
+                <a:schemeClr val="bg1"/>
+              </a:solidFill>
+              <a:ln>
+                <a:solidFill>
+                  <a:schemeClr val="tx1"/>
+                </a:solidFill>
+              </a:ln>
+            </p:spPr>
+            <p:style>
+              <a:lnRef idx="2">
+                <a:schemeClr val="accent1">
+                  <a:shade val="50000"/>
+                </a:schemeClr>
+              </a:lnRef>
+              <a:fillRef idx="1">
+                <a:schemeClr val="accent1"/>
+              </a:fillRef>
+              <a:effectRef idx="0">
+                <a:schemeClr val="accent1"/>
+              </a:effectRef>
+              <a:fontRef idx="minor">
+                <a:schemeClr val="lt1"/>
+              </a:fontRef>
+            </p:style>
+            <p:txBody>
+              <a:bodyPr rtlCol="0" anchor="ctr"/>
+              <a:lstStyle/>
+              <a:p>
+                <a:pPr algn="ctr"/>
+                <a:endParaRPr lang="en-US" sz="1050"/>
+              </a:p>
+            </p:txBody>
+          </p:sp>
+          <p:sp>
+            <p:nvSpPr>
+              <p:cNvPr id="92" name="Rectangle 91">
+                <a:extLst>
+                  <a:ext uri="{FF2B5EF4-FFF2-40B4-BE49-F238E27FC236}">
+                    <a16:creationId xmlns:a16="http://schemas.microsoft.com/office/drawing/2014/main" id="{6E57F52F-0E7C-4DA5-AA16-DC74C8857D84}"/>
+                  </a:ext>
+                </a:extLst>
+              </p:cNvPr>
+              <p:cNvSpPr/>
+              <p:nvPr/>
+            </p:nvSpPr>
+            <p:spPr>
+              <a:xfrm>
+                <a:off x="7938238" y="2830696"/>
+                <a:ext cx="526467" cy="299072"/>
+              </a:xfrm>
+              <a:prstGeom prst="rect">
+                <a:avLst/>
+              </a:prstGeom>
+              <a:solidFill>
+                <a:schemeClr val="bg1"/>
+              </a:solidFill>
+              <a:ln>
+                <a:noFill/>
+              </a:ln>
+            </p:spPr>
+            <p:style>
+              <a:lnRef idx="2">
+                <a:schemeClr val="accent1">
+                  <a:shade val="50000"/>
+                </a:schemeClr>
+              </a:lnRef>
+              <a:fillRef idx="1">
+                <a:schemeClr val="accent1"/>
+              </a:fillRef>
+              <a:effectRef idx="0">
+                <a:schemeClr val="accent1"/>
+              </a:effectRef>
+              <a:fontRef idx="minor">
+                <a:schemeClr val="lt1"/>
+              </a:fontRef>
+            </p:style>
+            <p:txBody>
+              <a:bodyPr rtlCol="0" anchor="ctr"/>
+              <a:lstStyle/>
+              <a:p>
+                <a:pPr algn="ctr"/>
+                <a:r>
+                  <a:rPr lang="en-AU" sz="900" dirty="0">
+                    <a:solidFill>
+                      <a:schemeClr val="tx1"/>
+                    </a:solidFill>
+                    <a:latin typeface="Arial" panose="020B0604020202020204" pitchFamily="34" charset="0"/>
+                    <a:cs typeface="Arial" panose="020B0604020202020204" pitchFamily="34" charset="0"/>
+                  </a:rPr>
+                  <a:t>-0.059</a:t>
+                </a:r>
+                <a:endParaRPr lang="en-US" sz="900" dirty="0">
+                  <a:solidFill>
+                    <a:schemeClr val="tx1"/>
+                  </a:solidFill>
+                  <a:latin typeface="Arial" panose="020B0604020202020204" pitchFamily="34" charset="0"/>
+                  <a:cs typeface="Arial" panose="020B0604020202020204" pitchFamily="34" charset="0"/>
+                </a:endParaRPr>
+              </a:p>
+            </p:txBody>
+          </p:sp>
+          <p:sp>
+            <p:nvSpPr>
+              <p:cNvPr id="96" name="Rectangle 95">
+                <a:extLst>
+                  <a:ext uri="{FF2B5EF4-FFF2-40B4-BE49-F238E27FC236}">
+                    <a16:creationId xmlns:a16="http://schemas.microsoft.com/office/drawing/2014/main" id="{B87DE271-6AC0-454F-99E0-E25F30432B4B}"/>
+                  </a:ext>
+                </a:extLst>
+              </p:cNvPr>
+              <p:cNvSpPr/>
+              <p:nvPr/>
+            </p:nvSpPr>
+            <p:spPr>
+              <a:xfrm>
+                <a:off x="5770344" y="2050277"/>
+                <a:ext cx="526467" cy="299072"/>
+              </a:xfrm>
+              <a:prstGeom prst="rect">
+                <a:avLst/>
+              </a:prstGeom>
+              <a:solidFill>
+                <a:schemeClr val="bg1"/>
+              </a:solidFill>
+              <a:ln>
+                <a:noFill/>
+              </a:ln>
+            </p:spPr>
+            <p:style>
+              <a:lnRef idx="2">
+                <a:schemeClr val="accent1">
+                  <a:shade val="50000"/>
+                </a:schemeClr>
+              </a:lnRef>
+              <a:fillRef idx="1">
+                <a:schemeClr val="accent1"/>
+              </a:fillRef>
+              <a:effectRef idx="0">
+                <a:schemeClr val="accent1"/>
+              </a:effectRef>
+              <a:fontRef idx="minor">
+                <a:schemeClr val="lt1"/>
+              </a:fontRef>
+            </p:style>
+            <p:txBody>
+              <a:bodyPr rtlCol="0" anchor="ctr"/>
+              <a:lstStyle/>
+              <a:p>
+                <a:pPr algn="ctr"/>
+                <a:r>
+                  <a:rPr lang="en-AU" sz="900" dirty="0">
+                    <a:solidFill>
+                      <a:schemeClr val="tx1"/>
+                    </a:solidFill>
+                    <a:latin typeface="Arial" panose="020B0604020202020204" pitchFamily="34" charset="0"/>
+                    <a:cs typeface="Arial" panose="020B0604020202020204" pitchFamily="34" charset="0"/>
+                  </a:rPr>
+                  <a:t>0.390</a:t>
+                </a:r>
+                <a:endParaRPr lang="en-US" sz="900" dirty="0">
+                  <a:solidFill>
+                    <a:schemeClr val="tx1"/>
+                  </a:solidFill>
+                  <a:latin typeface="Arial" panose="020B0604020202020204" pitchFamily="34" charset="0"/>
+                  <a:cs typeface="Arial" panose="020B0604020202020204" pitchFamily="34" charset="0"/>
+                </a:endParaRPr>
+              </a:p>
+            </p:txBody>
+          </p:sp>
+          <p:sp>
+            <p:nvSpPr>
+              <p:cNvPr id="97" name="Rectangle 96">
+                <a:extLst>
+                  <a:ext uri="{FF2B5EF4-FFF2-40B4-BE49-F238E27FC236}">
+                    <a16:creationId xmlns:a16="http://schemas.microsoft.com/office/drawing/2014/main" id="{B2962FC0-3EA6-40D1-A2AA-B6F1D2EF1A9F}"/>
+                  </a:ext>
+                </a:extLst>
+              </p:cNvPr>
+              <p:cNvSpPr/>
+              <p:nvPr/>
+            </p:nvSpPr>
+            <p:spPr>
+              <a:xfrm>
+                <a:off x="4470372" y="2362635"/>
+                <a:ext cx="526467" cy="299072"/>
+              </a:xfrm>
+              <a:prstGeom prst="rect">
+                <a:avLst/>
+              </a:prstGeom>
+              <a:solidFill>
+                <a:schemeClr val="bg1"/>
+              </a:solidFill>
+              <a:ln>
+                <a:noFill/>
+              </a:ln>
+            </p:spPr>
+            <p:style>
+              <a:lnRef idx="2">
+                <a:schemeClr val="accent1">
+                  <a:shade val="50000"/>
+                </a:schemeClr>
+              </a:lnRef>
+              <a:fillRef idx="1">
+                <a:schemeClr val="accent1"/>
+              </a:fillRef>
+              <a:effectRef idx="0">
+                <a:schemeClr val="accent1"/>
+              </a:effectRef>
+              <a:fontRef idx="minor">
+                <a:schemeClr val="lt1"/>
+              </a:fontRef>
+            </p:style>
+            <p:txBody>
+              <a:bodyPr rtlCol="0" anchor="ctr"/>
+              <a:lstStyle/>
+              <a:p>
+                <a:pPr algn="ctr"/>
+                <a:r>
+                  <a:rPr lang="en-AU" sz="900" dirty="0">
+                    <a:solidFill>
+                      <a:schemeClr val="tx1"/>
+                    </a:solidFill>
+                    <a:latin typeface="Arial" panose="020B0604020202020204" pitchFamily="34" charset="0"/>
+                    <a:cs typeface="Arial" panose="020B0604020202020204" pitchFamily="34" charset="0"/>
+                  </a:rPr>
+                  <a:t>0.041</a:t>
+                </a:r>
+                <a:endParaRPr lang="en-US" sz="900" dirty="0">
+                  <a:solidFill>
+                    <a:schemeClr val="tx1"/>
+                  </a:solidFill>
+                  <a:latin typeface="Arial" panose="020B0604020202020204" pitchFamily="34" charset="0"/>
+                  <a:cs typeface="Arial" panose="020B0604020202020204" pitchFamily="34" charset="0"/>
+                </a:endParaRPr>
+              </a:p>
+            </p:txBody>
+          </p:sp>
+          <p:sp>
+            <p:nvSpPr>
+              <p:cNvPr id="98" name="Rectangle 97">
+                <a:extLst>
+                  <a:ext uri="{FF2B5EF4-FFF2-40B4-BE49-F238E27FC236}">
+                    <a16:creationId xmlns:a16="http://schemas.microsoft.com/office/drawing/2014/main" id="{6BB3BD44-0A72-4230-9F1B-7457D31EFDE4}"/>
+                  </a:ext>
+                </a:extLst>
+              </p:cNvPr>
+              <p:cNvSpPr/>
+              <p:nvPr/>
+            </p:nvSpPr>
+            <p:spPr>
+              <a:xfrm>
+                <a:off x="5610556" y="3577631"/>
+                <a:ext cx="526467" cy="299072"/>
+              </a:xfrm>
+              <a:prstGeom prst="rect">
+                <a:avLst/>
+              </a:prstGeom>
+              <a:solidFill>
+                <a:schemeClr val="bg1"/>
+              </a:solidFill>
+              <a:ln>
+                <a:noFill/>
+              </a:ln>
+            </p:spPr>
+            <p:style>
+              <a:lnRef idx="2">
+                <a:schemeClr val="accent1">
+                  <a:shade val="50000"/>
+                </a:schemeClr>
+              </a:lnRef>
+              <a:fillRef idx="1">
+                <a:schemeClr val="accent1"/>
+              </a:fillRef>
+              <a:effectRef idx="0">
+                <a:schemeClr val="accent1"/>
+              </a:effectRef>
+              <a:fontRef idx="minor">
+                <a:schemeClr val="lt1"/>
+              </a:fontRef>
+            </p:style>
+            <p:txBody>
+              <a:bodyPr rtlCol="0" anchor="ctr"/>
+              <a:lstStyle/>
+              <a:p>
+                <a:pPr algn="ctr"/>
+                <a:r>
+                  <a:rPr lang="en-AU" sz="900" dirty="0">
+                    <a:solidFill>
+                      <a:schemeClr val="tx1"/>
+                    </a:solidFill>
+                    <a:latin typeface="Arial" panose="020B0604020202020204" pitchFamily="34" charset="0"/>
+                    <a:cs typeface="Arial" panose="020B0604020202020204" pitchFamily="34" charset="0"/>
+                  </a:rPr>
+                  <a:t>0.069</a:t>
+                </a:r>
+                <a:endParaRPr lang="en-US" sz="900" dirty="0">
+                  <a:solidFill>
+                    <a:schemeClr val="tx1"/>
+                  </a:solidFill>
+                  <a:latin typeface="Arial" panose="020B0604020202020204" pitchFamily="34" charset="0"/>
+                  <a:cs typeface="Arial" panose="020B0604020202020204" pitchFamily="34" charset="0"/>
+                </a:endParaRPr>
+              </a:p>
+            </p:txBody>
+          </p:sp>
+          <p:sp>
+            <p:nvSpPr>
+              <p:cNvPr id="99" name="Rectangle 98">
+                <a:extLst>
+                  <a:ext uri="{FF2B5EF4-FFF2-40B4-BE49-F238E27FC236}">
+                    <a16:creationId xmlns:a16="http://schemas.microsoft.com/office/drawing/2014/main" id="{A9A39DAF-AE2E-4DC0-964F-0EC5C5882AC5}"/>
+                  </a:ext>
+                </a:extLst>
+              </p:cNvPr>
+              <p:cNvSpPr/>
+              <p:nvPr/>
+            </p:nvSpPr>
+            <p:spPr>
+              <a:xfrm>
+                <a:off x="6862779" y="1927038"/>
+                <a:ext cx="526467" cy="299072"/>
+              </a:xfrm>
+              <a:prstGeom prst="rect">
+                <a:avLst/>
+              </a:prstGeom>
+              <a:solidFill>
+                <a:schemeClr val="bg1"/>
+              </a:solidFill>
+              <a:ln>
+                <a:noFill/>
+              </a:ln>
+            </p:spPr>
+            <p:style>
+              <a:lnRef idx="2">
+                <a:schemeClr val="accent1">
+                  <a:shade val="50000"/>
+                </a:schemeClr>
+              </a:lnRef>
+              <a:fillRef idx="1">
+                <a:schemeClr val="accent1"/>
+              </a:fillRef>
+              <a:effectRef idx="0">
+                <a:schemeClr val="accent1"/>
+              </a:effectRef>
+              <a:fontRef idx="minor">
+                <a:schemeClr val="lt1"/>
+              </a:fontRef>
+            </p:style>
+            <p:txBody>
+              <a:bodyPr rtlCol="0" anchor="ctr"/>
+              <a:lstStyle/>
+              <a:p>
+                <a:pPr algn="ctr"/>
+                <a:r>
+                  <a:rPr lang="en-AU" sz="900" dirty="0">
+                    <a:solidFill>
+                      <a:schemeClr val="tx1"/>
+                    </a:solidFill>
+                    <a:latin typeface="Arial" panose="020B0604020202020204" pitchFamily="34" charset="0"/>
+                    <a:cs typeface="Arial" panose="020B0604020202020204" pitchFamily="34" charset="0"/>
+                  </a:rPr>
+                  <a:t>0.120</a:t>
+                </a:r>
+                <a:endParaRPr lang="en-US" sz="900" dirty="0">
+                  <a:solidFill>
+                    <a:schemeClr val="tx1"/>
+                  </a:solidFill>
+                  <a:latin typeface="Arial" panose="020B0604020202020204" pitchFamily="34" charset="0"/>
+                  <a:cs typeface="Arial" panose="020B0604020202020204" pitchFamily="34" charset="0"/>
+                </a:endParaRPr>
+              </a:p>
+            </p:txBody>
+          </p:sp>
+          <p:sp>
+            <p:nvSpPr>
+              <p:cNvPr id="101" name="Rectangle 100">
+                <a:extLst>
+                  <a:ext uri="{FF2B5EF4-FFF2-40B4-BE49-F238E27FC236}">
+                    <a16:creationId xmlns:a16="http://schemas.microsoft.com/office/drawing/2014/main" id="{57D0E4F6-20C2-4B6C-B998-DA231793A37D}"/>
+                  </a:ext>
+                </a:extLst>
+              </p:cNvPr>
+              <p:cNvSpPr/>
+              <p:nvPr/>
+            </p:nvSpPr>
+            <p:spPr>
+              <a:xfrm>
+                <a:off x="7316516" y="2362635"/>
+                <a:ext cx="526467" cy="299072"/>
+              </a:xfrm>
+              <a:prstGeom prst="rect">
+                <a:avLst/>
+              </a:prstGeom>
+              <a:solidFill>
+                <a:schemeClr val="bg1"/>
+              </a:solidFill>
+              <a:ln>
+                <a:noFill/>
+              </a:ln>
+            </p:spPr>
+            <p:style>
+              <a:lnRef idx="2">
+                <a:schemeClr val="accent1">
+                  <a:shade val="50000"/>
+                </a:schemeClr>
+              </a:lnRef>
+              <a:fillRef idx="1">
+                <a:schemeClr val="accent1"/>
+              </a:fillRef>
+              <a:effectRef idx="0">
+                <a:schemeClr val="accent1"/>
+              </a:effectRef>
+              <a:fontRef idx="minor">
+                <a:schemeClr val="lt1"/>
+              </a:fontRef>
+            </p:style>
+            <p:txBody>
+              <a:bodyPr rtlCol="0" anchor="ctr"/>
+              <a:lstStyle/>
+              <a:p>
+                <a:pPr algn="ctr"/>
+                <a:r>
+                  <a:rPr lang="en-AU" sz="900" dirty="0">
+                    <a:solidFill>
+                      <a:schemeClr val="tx1"/>
+                    </a:solidFill>
+                    <a:latin typeface="Arial" panose="020B0604020202020204" pitchFamily="34" charset="0"/>
+                    <a:cs typeface="Arial" panose="020B0604020202020204" pitchFamily="34" charset="0"/>
+                  </a:rPr>
+                  <a:t>0.134</a:t>
+                </a:r>
+                <a:endParaRPr lang="en-US" sz="900" dirty="0">
+                  <a:solidFill>
+                    <a:schemeClr val="tx1"/>
+                  </a:solidFill>
+                  <a:latin typeface="Arial" panose="020B0604020202020204" pitchFamily="34" charset="0"/>
+                  <a:cs typeface="Arial" panose="020B0604020202020204" pitchFamily="34" charset="0"/>
+                </a:endParaRPr>
+              </a:p>
+            </p:txBody>
+          </p:sp>
+          <p:sp>
+            <p:nvSpPr>
+              <p:cNvPr id="102" name="Rectangle 101">
+                <a:extLst>
+                  <a:ext uri="{FF2B5EF4-FFF2-40B4-BE49-F238E27FC236}">
+                    <a16:creationId xmlns:a16="http://schemas.microsoft.com/office/drawing/2014/main" id="{1F195D35-7578-40FC-A8B0-CC5F0E7430A6}"/>
+                  </a:ext>
+                </a:extLst>
+              </p:cNvPr>
+              <p:cNvSpPr/>
+              <p:nvPr/>
+            </p:nvSpPr>
+            <p:spPr>
+              <a:xfrm>
+                <a:off x="6760870" y="3333801"/>
+                <a:ext cx="526467" cy="299072"/>
+              </a:xfrm>
+              <a:prstGeom prst="rect">
+                <a:avLst/>
+              </a:prstGeom>
+              <a:solidFill>
+                <a:schemeClr val="bg1"/>
+              </a:solidFill>
+              <a:ln>
+                <a:noFill/>
+              </a:ln>
+            </p:spPr>
+            <p:style>
+              <a:lnRef idx="2">
+                <a:schemeClr val="accent1">
+                  <a:shade val="50000"/>
+                </a:schemeClr>
+              </a:lnRef>
+              <a:fillRef idx="1">
+                <a:schemeClr val="accent1"/>
+              </a:fillRef>
+              <a:effectRef idx="0">
+                <a:schemeClr val="accent1"/>
+              </a:effectRef>
+              <a:fontRef idx="minor">
+                <a:schemeClr val="lt1"/>
+              </a:fontRef>
+            </p:style>
+            <p:txBody>
+              <a:bodyPr rtlCol="0" anchor="ctr"/>
+              <a:lstStyle/>
+              <a:p>
+                <a:pPr algn="ctr"/>
+                <a:r>
+                  <a:rPr lang="en-AU" sz="900" dirty="0">
+                    <a:solidFill>
+                      <a:schemeClr val="tx1"/>
+                    </a:solidFill>
+                    <a:latin typeface="Arial" panose="020B0604020202020204" pitchFamily="34" charset="0"/>
+                    <a:cs typeface="Arial" panose="020B0604020202020204" pitchFamily="34" charset="0"/>
+                  </a:rPr>
+                  <a:t>0.761</a:t>
+                </a:r>
+                <a:endParaRPr lang="en-US" sz="900" dirty="0">
+                  <a:solidFill>
+                    <a:schemeClr val="tx1"/>
+                  </a:solidFill>
+                  <a:latin typeface="Arial" panose="020B0604020202020204" pitchFamily="34" charset="0"/>
+                  <a:cs typeface="Arial" panose="020B0604020202020204" pitchFamily="34" charset="0"/>
+                </a:endParaRPr>
+              </a:p>
+            </p:txBody>
+          </p:sp>
+          <p:cxnSp>
+            <p:nvCxnSpPr>
+              <p:cNvPr id="103" name="Straight Arrow Connector 102">
+                <a:extLst>
+                  <a:ext uri="{FF2B5EF4-FFF2-40B4-BE49-F238E27FC236}">
+                    <a16:creationId xmlns:a16="http://schemas.microsoft.com/office/drawing/2014/main" id="{DF604D89-BC4D-450F-BB8C-F9D90C81AF35}"/>
+                  </a:ext>
+                </a:extLst>
+              </p:cNvPr>
+              <p:cNvCxnSpPr>
+                <a:cxnSpLocks/>
+                <a:endCxn id="107" idx="1"/>
+              </p:cNvCxnSpPr>
+              <p:nvPr/>
+            </p:nvCxnSpPr>
+            <p:spPr>
+              <a:xfrm>
+                <a:off x="4498006" y="2054586"/>
+                <a:ext cx="809674" cy="789586"/>
+              </a:xfrm>
+              <a:prstGeom prst="straightConnector1">
+                <a:avLst/>
+              </a:prstGeom>
+              <a:ln w="38100">
+                <a:solidFill>
+                  <a:schemeClr val="tx1"/>
+                </a:solidFill>
+                <a:prstDash val="dash"/>
+                <a:tailEnd type="triangle"/>
+              </a:ln>
+            </p:spPr>
+            <p:style>
+              <a:lnRef idx="1">
+                <a:schemeClr val="accent1"/>
+              </a:lnRef>
+              <a:fillRef idx="0">
+                <a:schemeClr val="accent1"/>
+              </a:fillRef>
+              <a:effectRef idx="0">
+                <a:schemeClr val="accent1"/>
+              </a:effectRef>
+              <a:fontRef idx="minor">
+                <a:schemeClr val="tx1"/>
+              </a:fontRef>
+            </p:style>
+          </p:cxnSp>
+          <p:cxnSp>
+            <p:nvCxnSpPr>
+              <p:cNvPr id="104" name="Straight Arrow Connector 103">
+                <a:extLst>
+                  <a:ext uri="{FF2B5EF4-FFF2-40B4-BE49-F238E27FC236}">
+                    <a16:creationId xmlns:a16="http://schemas.microsoft.com/office/drawing/2014/main" id="{2A786997-6C77-4A3C-A371-3C195639FB3B}"/>
+                  </a:ext>
+                </a:extLst>
+              </p:cNvPr>
+              <p:cNvCxnSpPr>
+                <a:cxnSpLocks/>
+              </p:cNvCxnSpPr>
+              <p:nvPr/>
+            </p:nvCxnSpPr>
+            <p:spPr>
+              <a:xfrm>
+                <a:off x="6141078" y="2989749"/>
+                <a:ext cx="1481873" cy="1170674"/>
+              </a:xfrm>
+              <a:prstGeom prst="straightConnector1">
+                <a:avLst/>
+              </a:prstGeom>
+              <a:ln w="38100">
+                <a:solidFill>
+                  <a:schemeClr val="tx1"/>
+                </a:solidFill>
+                <a:tailEnd type="triangle"/>
+              </a:ln>
+            </p:spPr>
+            <p:style>
+              <a:lnRef idx="1">
+                <a:schemeClr val="accent1"/>
+              </a:lnRef>
+              <a:fillRef idx="0">
+                <a:schemeClr val="accent1"/>
+              </a:fillRef>
+              <a:effectRef idx="0">
+                <a:schemeClr val="accent1"/>
+              </a:effectRef>
+              <a:fontRef idx="minor">
+                <a:schemeClr val="tx1"/>
+              </a:fontRef>
+            </p:style>
+          </p:cxnSp>
+          <p:cxnSp>
+            <p:nvCxnSpPr>
+              <p:cNvPr id="106" name="Straight Arrow Connector 105">
+                <a:extLst>
+                  <a:ext uri="{FF2B5EF4-FFF2-40B4-BE49-F238E27FC236}">
+                    <a16:creationId xmlns:a16="http://schemas.microsoft.com/office/drawing/2014/main" id="{FDEC071E-E22E-456D-AF8F-254700F36DA1}"/>
+                  </a:ext>
+                </a:extLst>
+              </p:cNvPr>
+              <p:cNvCxnSpPr>
+                <a:cxnSpLocks/>
+                <a:endCxn id="112" idx="0"/>
+              </p:cNvCxnSpPr>
+              <p:nvPr/>
+            </p:nvCxnSpPr>
+            <p:spPr>
+              <a:xfrm>
+                <a:off x="6658308" y="1666988"/>
+                <a:ext cx="1531678" cy="2384993"/>
+              </a:xfrm>
+              <a:prstGeom prst="straightConnector1">
+                <a:avLst/>
+              </a:prstGeom>
+              <a:ln w="38100">
+                <a:solidFill>
+                  <a:schemeClr val="tx1"/>
+                </a:solidFill>
+                <a:tailEnd type="triangle"/>
+              </a:ln>
+            </p:spPr>
+            <p:style>
+              <a:lnRef idx="1">
+                <a:schemeClr val="accent1"/>
+              </a:lnRef>
+              <a:fillRef idx="0">
+                <a:schemeClr val="accent1"/>
+              </a:fillRef>
+              <a:effectRef idx="0">
+                <a:schemeClr val="accent1"/>
+              </a:effectRef>
+              <a:fontRef idx="minor">
+                <a:schemeClr val="tx1"/>
+              </a:fontRef>
+            </p:style>
+          </p:cxnSp>
+          <p:sp>
+            <p:nvSpPr>
+              <p:cNvPr id="107" name="Rectangle 106">
+                <a:extLst>
+                  <a:ext uri="{FF2B5EF4-FFF2-40B4-BE49-F238E27FC236}">
+                    <a16:creationId xmlns:a16="http://schemas.microsoft.com/office/drawing/2014/main" id="{302482B2-6A5D-4AC0-A1B2-094B9DA94CF5}"/>
+                  </a:ext>
+                </a:extLst>
+              </p:cNvPr>
+              <p:cNvSpPr/>
+              <p:nvPr/>
+            </p:nvSpPr>
+            <p:spPr>
+              <a:xfrm>
+                <a:off x="5307680" y="2609864"/>
+                <a:ext cx="1109630" cy="468616"/>
+              </a:xfrm>
+              <a:prstGeom prst="rect">
+                <a:avLst/>
+              </a:prstGeom>
+              <a:solidFill>
+                <a:schemeClr val="bg1"/>
+              </a:solidFill>
+              <a:ln w="28575">
+                <a:solidFill>
+                  <a:schemeClr val="tx1"/>
+                </a:solidFill>
+              </a:ln>
+            </p:spPr>
+            <p:style>
+              <a:lnRef idx="2">
+                <a:schemeClr val="accent1">
+                  <a:shade val="50000"/>
+                </a:schemeClr>
+              </a:lnRef>
+              <a:fillRef idx="1">
+                <a:schemeClr val="accent1"/>
+              </a:fillRef>
+              <a:effectRef idx="0">
+                <a:schemeClr val="accent1"/>
+              </a:effectRef>
+              <a:fontRef idx="minor">
+                <a:schemeClr val="lt1"/>
+              </a:fontRef>
+            </p:style>
+            <p:txBody>
+              <a:bodyPr rtlCol="0" anchor="ctr"/>
+              <a:lstStyle/>
+              <a:p>
+                <a:pPr algn="ctr"/>
+                <a:r>
+                  <a:rPr lang="en-AU" sz="1000" dirty="0">
+                    <a:solidFill>
+                      <a:schemeClr val="tx1"/>
+                    </a:solidFill>
+                    <a:latin typeface="Arial" panose="020B0604020202020204" pitchFamily="34" charset="0"/>
+                    <a:cs typeface="Arial" panose="020B0604020202020204" pitchFamily="34" charset="0"/>
+                  </a:rPr>
+                  <a:t>Species richness</a:t>
+                </a:r>
+                <a:endParaRPr lang="en-US" sz="1000" dirty="0">
+                  <a:solidFill>
+                    <a:schemeClr val="tx1"/>
+                  </a:solidFill>
+                  <a:latin typeface="Arial" panose="020B0604020202020204" pitchFamily="34" charset="0"/>
+                  <a:cs typeface="Arial" panose="020B0604020202020204" pitchFamily="34" charset="0"/>
+                </a:endParaRPr>
+              </a:p>
+            </p:txBody>
+          </p:sp>
+          <p:sp>
+            <p:nvSpPr>
+              <p:cNvPr id="108" name="Rectangle 107">
+                <a:extLst>
+                  <a:ext uri="{FF2B5EF4-FFF2-40B4-BE49-F238E27FC236}">
+                    <a16:creationId xmlns:a16="http://schemas.microsoft.com/office/drawing/2014/main" id="{B6404446-07EB-4008-BE4A-C2E6DFFAB738}"/>
+                  </a:ext>
+                </a:extLst>
+              </p:cNvPr>
+              <p:cNvSpPr/>
+              <p:nvPr/>
+            </p:nvSpPr>
+            <p:spPr>
+              <a:xfrm>
+                <a:off x="7903257" y="1959338"/>
+                <a:ext cx="1109630" cy="468616"/>
+              </a:xfrm>
+              <a:prstGeom prst="rect">
+                <a:avLst/>
+              </a:prstGeom>
+              <a:solidFill>
+                <a:schemeClr val="bg1"/>
+              </a:solidFill>
+              <a:ln w="28575">
+                <a:solidFill>
+                  <a:schemeClr val="tx1"/>
+                </a:solidFill>
+              </a:ln>
+            </p:spPr>
+            <p:style>
+              <a:lnRef idx="2">
+                <a:schemeClr val="accent1">
+                  <a:shade val="50000"/>
+                </a:schemeClr>
+              </a:lnRef>
+              <a:fillRef idx="1">
+                <a:schemeClr val="accent1"/>
+              </a:fillRef>
+              <a:effectRef idx="0">
+                <a:schemeClr val="accent1"/>
+              </a:effectRef>
+              <a:fontRef idx="minor">
+                <a:schemeClr val="lt1"/>
+              </a:fontRef>
+            </p:style>
+            <p:txBody>
+              <a:bodyPr rtlCol="0" anchor="ctr"/>
+              <a:lstStyle/>
+              <a:p>
+                <a:pPr algn="ctr"/>
+                <a:r>
+                  <a:rPr lang="en-AU" sz="1000" dirty="0">
+                    <a:solidFill>
+                      <a:schemeClr val="tx1"/>
+                    </a:solidFill>
+                    <a:latin typeface="Arial" panose="020B0604020202020204" pitchFamily="34" charset="0"/>
+                    <a:cs typeface="Arial" panose="020B0604020202020204" pitchFamily="34" charset="0"/>
+                  </a:rPr>
+                  <a:t>Heterogeneity</a:t>
+                </a:r>
+                <a:endParaRPr lang="en-US" sz="1000" dirty="0">
+                  <a:solidFill>
+                    <a:schemeClr val="tx1"/>
+                  </a:solidFill>
+                  <a:latin typeface="Arial" panose="020B0604020202020204" pitchFamily="34" charset="0"/>
+                  <a:cs typeface="Arial" panose="020B0604020202020204" pitchFamily="34" charset="0"/>
+                </a:endParaRPr>
+              </a:p>
+            </p:txBody>
+          </p:sp>
+          <p:sp>
+            <p:nvSpPr>
+              <p:cNvPr id="109" name="Rectangle 108">
+                <a:extLst>
+                  <a:ext uri="{FF2B5EF4-FFF2-40B4-BE49-F238E27FC236}">
+                    <a16:creationId xmlns:a16="http://schemas.microsoft.com/office/drawing/2014/main" id="{02010763-28CF-4425-AC5C-17B79A13B04B}"/>
+                  </a:ext>
+                </a:extLst>
+              </p:cNvPr>
+              <p:cNvSpPr/>
+              <p:nvPr/>
+            </p:nvSpPr>
+            <p:spPr>
+              <a:xfrm>
+                <a:off x="6143596" y="1347908"/>
+                <a:ext cx="1109630" cy="468616"/>
+              </a:xfrm>
+              <a:prstGeom prst="rect">
+                <a:avLst/>
+              </a:prstGeom>
+              <a:solidFill>
+                <a:schemeClr val="bg1"/>
+              </a:solidFill>
+              <a:ln w="28575">
+                <a:solidFill>
+                  <a:schemeClr val="tx1"/>
+                </a:solidFill>
+              </a:ln>
+            </p:spPr>
+            <p:style>
+              <a:lnRef idx="2">
+                <a:schemeClr val="accent1">
+                  <a:shade val="50000"/>
+                </a:schemeClr>
+              </a:lnRef>
+              <a:fillRef idx="1">
+                <a:schemeClr val="accent1"/>
+              </a:fillRef>
+              <a:effectRef idx="0">
+                <a:schemeClr val="accent1"/>
+              </a:effectRef>
+              <a:fontRef idx="minor">
+                <a:schemeClr val="lt1"/>
+              </a:fontRef>
+            </p:style>
+            <p:txBody>
+              <a:bodyPr rtlCol="0" anchor="ctr"/>
+              <a:lstStyle/>
+              <a:p>
+                <a:pPr algn="ctr"/>
+                <a:r>
+                  <a:rPr lang="en-AU" sz="1000" dirty="0">
+                    <a:solidFill>
+                      <a:schemeClr val="tx1"/>
+                    </a:solidFill>
+                    <a:latin typeface="Arial" panose="020B0604020202020204" pitchFamily="34" charset="0"/>
+                    <a:cs typeface="Arial" panose="020B0604020202020204" pitchFamily="34" charset="0"/>
+                  </a:rPr>
+                  <a:t>Urban cover</a:t>
+                </a:r>
+                <a:endParaRPr lang="en-US" sz="1000" dirty="0">
+                  <a:solidFill>
+                    <a:schemeClr val="tx1"/>
+                  </a:solidFill>
+                  <a:latin typeface="Arial" panose="020B0604020202020204" pitchFamily="34" charset="0"/>
+                  <a:cs typeface="Arial" panose="020B0604020202020204" pitchFamily="34" charset="0"/>
+                </a:endParaRPr>
+              </a:p>
+            </p:txBody>
+          </p:sp>
+          <p:sp>
+            <p:nvSpPr>
+              <p:cNvPr id="110" name="Rectangle 109">
+                <a:extLst>
+                  <a:ext uri="{FF2B5EF4-FFF2-40B4-BE49-F238E27FC236}">
+                    <a16:creationId xmlns:a16="http://schemas.microsoft.com/office/drawing/2014/main" id="{99BC9EDA-3D8F-4E1E-B4D2-74AA09FF0092}"/>
+                  </a:ext>
+                </a:extLst>
+              </p:cNvPr>
+              <p:cNvSpPr/>
+              <p:nvPr/>
+            </p:nvSpPr>
+            <p:spPr>
+              <a:xfrm>
+                <a:off x="4114828" y="1649265"/>
+                <a:ext cx="1109630" cy="468616"/>
+              </a:xfrm>
+              <a:prstGeom prst="rect">
+                <a:avLst/>
+              </a:prstGeom>
+              <a:solidFill>
+                <a:schemeClr val="bg1"/>
+              </a:solidFill>
+              <a:ln w="28575">
+                <a:solidFill>
+                  <a:schemeClr val="tx1"/>
+                </a:solidFill>
+              </a:ln>
+            </p:spPr>
+            <p:style>
+              <a:lnRef idx="2">
+                <a:schemeClr val="accent1">
+                  <a:shade val="50000"/>
+                </a:schemeClr>
+              </a:lnRef>
+              <a:fillRef idx="1">
+                <a:schemeClr val="accent1"/>
+              </a:fillRef>
+              <a:effectRef idx="0">
+                <a:schemeClr val="accent1"/>
+              </a:effectRef>
+              <a:fontRef idx="minor">
+                <a:schemeClr val="lt1"/>
+              </a:fontRef>
+            </p:style>
+            <p:txBody>
+              <a:bodyPr rtlCol="0" anchor="ctr"/>
+              <a:lstStyle/>
+              <a:p>
+                <a:pPr algn="ctr"/>
+                <a:r>
+                  <a:rPr lang="en-AU" sz="1000" dirty="0">
+                    <a:solidFill>
+                      <a:schemeClr val="tx1"/>
+                    </a:solidFill>
+                    <a:latin typeface="Arial" panose="020B0604020202020204" pitchFamily="34" charset="0"/>
+                    <a:cs typeface="Arial" panose="020B0604020202020204" pitchFamily="34" charset="0"/>
+                  </a:rPr>
+                  <a:t>Water cover</a:t>
+                </a:r>
+                <a:endParaRPr lang="en-US" sz="1000" dirty="0">
+                  <a:solidFill>
+                    <a:schemeClr val="tx1"/>
+                  </a:solidFill>
+                  <a:latin typeface="Arial" panose="020B0604020202020204" pitchFamily="34" charset="0"/>
+                  <a:cs typeface="Arial" panose="020B0604020202020204" pitchFamily="34" charset="0"/>
+                </a:endParaRPr>
+              </a:p>
+            </p:txBody>
+          </p:sp>
+          <p:sp>
+            <p:nvSpPr>
+              <p:cNvPr id="112" name="Rectangle 111">
+                <a:extLst>
+                  <a:ext uri="{FF2B5EF4-FFF2-40B4-BE49-F238E27FC236}">
+                    <a16:creationId xmlns:a16="http://schemas.microsoft.com/office/drawing/2014/main" id="{06A4E345-B4F3-429E-89C2-6A6A921D497A}"/>
+                  </a:ext>
+                </a:extLst>
+              </p:cNvPr>
+              <p:cNvSpPr/>
+              <p:nvPr/>
+            </p:nvSpPr>
+            <p:spPr>
+              <a:xfrm>
+                <a:off x="7635171" y="4051981"/>
+                <a:ext cx="1109630" cy="468616"/>
+              </a:xfrm>
+              <a:prstGeom prst="rect">
+                <a:avLst/>
+              </a:prstGeom>
+              <a:solidFill>
+                <a:schemeClr val="bg1"/>
+              </a:solidFill>
+              <a:ln w="28575">
+                <a:solidFill>
+                  <a:schemeClr val="tx1"/>
+                </a:solidFill>
+              </a:ln>
+            </p:spPr>
+            <p:style>
+              <a:lnRef idx="2">
+                <a:schemeClr val="accent1">
+                  <a:shade val="50000"/>
+                </a:schemeClr>
+              </a:lnRef>
+              <a:fillRef idx="1">
+                <a:schemeClr val="accent1"/>
+              </a:fillRef>
+              <a:effectRef idx="0">
+                <a:schemeClr val="accent1"/>
+              </a:effectRef>
+              <a:fontRef idx="minor">
+                <a:schemeClr val="lt1"/>
+              </a:fontRef>
+            </p:style>
+            <p:txBody>
+              <a:bodyPr rtlCol="0" anchor="ctr"/>
+              <a:lstStyle/>
+              <a:p>
+                <a:pPr algn="ctr"/>
+                <a:r>
+                  <a:rPr lang="en-AU" sz="1000" dirty="0">
+                    <a:solidFill>
+                      <a:schemeClr val="tx1"/>
+                    </a:solidFill>
+                    <a:latin typeface="Arial" panose="020B0604020202020204" pitchFamily="34" charset="0"/>
+                    <a:cs typeface="Arial" panose="020B0604020202020204" pitchFamily="34" charset="0"/>
+                  </a:rPr>
+                  <a:t>Number of checklists</a:t>
+                </a:r>
+                <a:endParaRPr lang="en-US" sz="1000" dirty="0">
+                  <a:solidFill>
+                    <a:schemeClr val="tx1"/>
+                  </a:solidFill>
+                  <a:latin typeface="Arial" panose="020B0604020202020204" pitchFamily="34" charset="0"/>
+                  <a:cs typeface="Arial" panose="020B0604020202020204" pitchFamily="34" charset="0"/>
+                </a:endParaRPr>
+              </a:p>
+            </p:txBody>
+          </p:sp>
+          <p:cxnSp>
+            <p:nvCxnSpPr>
+              <p:cNvPr id="115" name="Straight Arrow Connector 114">
+                <a:extLst>
+                  <a:ext uri="{FF2B5EF4-FFF2-40B4-BE49-F238E27FC236}">
+                    <a16:creationId xmlns:a16="http://schemas.microsoft.com/office/drawing/2014/main" id="{6EE302A9-4721-4453-A884-66A7DA1B4CE4}"/>
+                  </a:ext>
+                </a:extLst>
+              </p:cNvPr>
+              <p:cNvCxnSpPr>
+                <a:cxnSpLocks/>
+                <a:stCxn id="109" idx="2"/>
+                <a:endCxn id="107" idx="0"/>
+              </p:cNvCxnSpPr>
+              <p:nvPr/>
+            </p:nvCxnSpPr>
+            <p:spPr>
+              <a:xfrm flipH="1">
+                <a:off x="5862495" y="1816524"/>
+                <a:ext cx="835916" cy="793340"/>
+              </a:xfrm>
+              <a:prstGeom prst="straightConnector1">
+                <a:avLst/>
+              </a:prstGeom>
+              <a:ln w="38100">
+                <a:solidFill>
+                  <a:schemeClr val="tx1"/>
+                </a:solidFill>
+                <a:tailEnd type="triangle"/>
+              </a:ln>
+            </p:spPr>
+            <p:style>
+              <a:lnRef idx="1">
+                <a:schemeClr val="accent1"/>
+              </a:lnRef>
+              <a:fillRef idx="0">
+                <a:schemeClr val="accent1"/>
+              </a:fillRef>
+              <a:effectRef idx="0">
+                <a:schemeClr val="accent1"/>
+              </a:effectRef>
+              <a:fontRef idx="minor">
+                <a:schemeClr val="tx1"/>
+              </a:fontRef>
+            </p:style>
+          </p:cxnSp>
+          <p:cxnSp>
+            <p:nvCxnSpPr>
+              <p:cNvPr id="116" name="Straight Arrow Connector 115">
+                <a:extLst>
+                  <a:ext uri="{FF2B5EF4-FFF2-40B4-BE49-F238E27FC236}">
+                    <a16:creationId xmlns:a16="http://schemas.microsoft.com/office/drawing/2014/main" id="{0A11F671-06B5-4C0A-B1CE-AF2537E08BA0}"/>
+                  </a:ext>
+                </a:extLst>
+              </p:cNvPr>
+              <p:cNvCxnSpPr>
+                <a:cxnSpLocks/>
+                <a:stCxn id="108" idx="2"/>
+              </p:cNvCxnSpPr>
+              <p:nvPr/>
+            </p:nvCxnSpPr>
+            <p:spPr>
+              <a:xfrm>
+                <a:off x="8458072" y="2427954"/>
+                <a:ext cx="11785" cy="1624027"/>
+              </a:xfrm>
+              <a:prstGeom prst="straightConnector1">
+                <a:avLst/>
+              </a:prstGeom>
+              <a:ln w="38100">
+                <a:solidFill>
+                  <a:schemeClr val="tx1"/>
+                </a:solidFill>
+                <a:tailEnd type="triangle"/>
+              </a:ln>
+            </p:spPr>
+            <p:style>
+              <a:lnRef idx="1">
+                <a:schemeClr val="accent1"/>
+              </a:lnRef>
+              <a:fillRef idx="0">
+                <a:schemeClr val="accent1"/>
+              </a:fillRef>
+              <a:effectRef idx="0">
+                <a:schemeClr val="accent1"/>
+              </a:effectRef>
+              <a:fontRef idx="minor">
+                <a:schemeClr val="tx1"/>
+              </a:fontRef>
+            </p:style>
+          </p:cxnSp>
+          <p:cxnSp>
+            <p:nvCxnSpPr>
+              <p:cNvPr id="117" name="Straight Arrow Connector 116">
+                <a:extLst>
+                  <a:ext uri="{FF2B5EF4-FFF2-40B4-BE49-F238E27FC236}">
+                    <a16:creationId xmlns:a16="http://schemas.microsoft.com/office/drawing/2014/main" id="{8AAC0A00-0DC6-4E33-9FAE-05772AD55BD1}"/>
+                  </a:ext>
+                </a:extLst>
+              </p:cNvPr>
+              <p:cNvCxnSpPr>
+                <a:cxnSpLocks/>
+                <a:stCxn id="108" idx="1"/>
+                <a:endCxn id="107" idx="3"/>
+              </p:cNvCxnSpPr>
+              <p:nvPr/>
+            </p:nvCxnSpPr>
+            <p:spPr>
+              <a:xfrm flipH="1">
+                <a:off x="6417310" y="2193646"/>
+                <a:ext cx="1485947" cy="650526"/>
+              </a:xfrm>
+              <a:prstGeom prst="straightConnector1">
+                <a:avLst/>
+              </a:prstGeom>
+              <a:ln w="38100">
+                <a:solidFill>
+                  <a:schemeClr val="tx1"/>
+                </a:solidFill>
+                <a:tailEnd type="triangle"/>
+              </a:ln>
+            </p:spPr>
+            <p:style>
+              <a:lnRef idx="1">
+                <a:schemeClr val="accent1"/>
+              </a:lnRef>
+              <a:fillRef idx="0">
+                <a:schemeClr val="accent1"/>
+              </a:fillRef>
+              <a:effectRef idx="0">
+                <a:schemeClr val="accent1"/>
+              </a:effectRef>
+              <a:fontRef idx="minor">
+                <a:schemeClr val="tx1"/>
+              </a:fontRef>
+            </p:style>
+          </p:cxnSp>
+        </p:grpSp>
+        <p:sp>
+          <p:nvSpPr>
+            <p:cNvPr id="90" name="TextBox 89">
+              <a:extLst>
+                <a:ext uri="{FF2B5EF4-FFF2-40B4-BE49-F238E27FC236}">
+                  <a16:creationId xmlns:a16="http://schemas.microsoft.com/office/drawing/2014/main" id="{4DB97655-8A21-4C83-B533-CA6821274E51}"/>
+                </a:ext>
+              </a:extLst>
+            </p:cNvPr>
+            <p:cNvSpPr txBox="1"/>
+            <p:nvPr/>
+          </p:nvSpPr>
+          <p:spPr>
+            <a:xfrm>
+              <a:off x="1398262" y="833494"/>
+              <a:ext cx="1415959" cy="464614"/>
+            </a:xfrm>
+            <a:prstGeom prst="rect">
+              <a:avLst/>
+            </a:prstGeom>
+            <a:noFill/>
+          </p:spPr>
+          <p:txBody>
+            <a:bodyPr wrap="square" rtlCol="0">
+              <a:spAutoFit/>
+            </a:bodyPr>
+            <a:lstStyle/>
+            <a:p>
+              <a:r>
+                <a:rPr lang="en-AU" dirty="0">
+                  <a:latin typeface="Arial" panose="020B0604020202020204" pitchFamily="34" charset="0"/>
+                  <a:cs typeface="Arial" panose="020B0604020202020204" pitchFamily="34" charset="0"/>
+                </a:rPr>
+                <a:t>10 km</a:t>
+              </a:r>
+              <a:r>
+                <a:rPr lang="en-AU" baseline="30000" dirty="0">
+                  <a:latin typeface="Arial" panose="020B0604020202020204" pitchFamily="34" charset="0"/>
+                  <a:cs typeface="Arial" panose="020B0604020202020204" pitchFamily="34" charset="0"/>
+                </a:rPr>
+                <a:t>2</a:t>
+              </a:r>
+              <a:endParaRPr lang="en-US" baseline="30000" dirty="0">
+                <a:latin typeface="Arial" panose="020B0604020202020204" pitchFamily="34" charset="0"/>
+                <a:cs typeface="Arial" panose="020B0604020202020204" pitchFamily="34" charset="0"/>
+              </a:endParaRPr>
+            </a:p>
+          </p:txBody>
+        </p:sp>
+      </p:grpSp>
+      <p:grpSp>
+        <p:nvGrpSpPr>
+          <p:cNvPr id="119" name="Group 118">
+            <a:extLst>
+              <a:ext uri="{FF2B5EF4-FFF2-40B4-BE49-F238E27FC236}">
+                <a16:creationId xmlns:a16="http://schemas.microsoft.com/office/drawing/2014/main" id="{0E50F854-C251-422E-9B55-99971B044D60}"/>
+              </a:ext>
+            </a:extLst>
+          </p:cNvPr>
+          <p:cNvGrpSpPr/>
+          <p:nvPr/>
+        </p:nvGrpSpPr>
+        <p:grpSpPr>
+          <a:xfrm>
+            <a:off x="10842436" y="384011"/>
+            <a:ext cx="5174869" cy="3889199"/>
+            <a:chOff x="1198485" y="807869"/>
+            <a:chExt cx="5174869" cy="3889199"/>
+          </a:xfrm>
+        </p:grpSpPr>
+        <p:grpSp>
+          <p:nvGrpSpPr>
+            <p:cNvPr id="120" name="Group 119">
+              <a:extLst>
+                <a:ext uri="{FF2B5EF4-FFF2-40B4-BE49-F238E27FC236}">
+                  <a16:creationId xmlns:a16="http://schemas.microsoft.com/office/drawing/2014/main" id="{3BEBFB6B-3EF6-46F8-8977-E2BBE22AB4FA}"/>
+                </a:ext>
+              </a:extLst>
+            </p:cNvPr>
+            <p:cNvGrpSpPr/>
+            <p:nvPr/>
+          </p:nvGrpSpPr>
+          <p:grpSpPr>
+            <a:xfrm>
+              <a:off x="1198485" y="807869"/>
+              <a:ext cx="5174869" cy="3889199"/>
+              <a:chOff x="3915051" y="1154098"/>
+              <a:chExt cx="5174869" cy="3889199"/>
+            </a:xfrm>
+          </p:grpSpPr>
+          <p:sp>
+            <p:nvSpPr>
+              <p:cNvPr id="122" name="Rectangle 121">
+                <a:extLst>
+                  <a:ext uri="{FF2B5EF4-FFF2-40B4-BE49-F238E27FC236}">
+                    <a16:creationId xmlns:a16="http://schemas.microsoft.com/office/drawing/2014/main" id="{505F3C26-68F6-485E-9A73-9D49B56BEF89}"/>
+                  </a:ext>
+                </a:extLst>
+              </p:cNvPr>
+              <p:cNvSpPr/>
+              <p:nvPr/>
+            </p:nvSpPr>
+            <p:spPr>
+              <a:xfrm>
+                <a:off x="3915051" y="1154098"/>
+                <a:ext cx="5174869" cy="3889199"/>
+              </a:xfrm>
+              <a:prstGeom prst="rect">
+                <a:avLst/>
+              </a:prstGeom>
+              <a:solidFill>
+                <a:schemeClr val="bg1"/>
+              </a:solidFill>
+              <a:ln>
+                <a:solidFill>
+                  <a:schemeClr val="tx1"/>
+                </a:solidFill>
+              </a:ln>
+            </p:spPr>
+            <p:style>
+              <a:lnRef idx="2">
+                <a:schemeClr val="accent1">
+                  <a:shade val="50000"/>
+                </a:schemeClr>
+              </a:lnRef>
+              <a:fillRef idx="1">
+                <a:schemeClr val="accent1"/>
+              </a:fillRef>
+              <a:effectRef idx="0">
+                <a:schemeClr val="accent1"/>
+              </a:effectRef>
+              <a:fontRef idx="minor">
+                <a:schemeClr val="lt1"/>
+              </a:fontRef>
+            </p:style>
+            <p:txBody>
+              <a:bodyPr rtlCol="0" anchor="ctr"/>
+              <a:lstStyle/>
+              <a:p>
+                <a:pPr algn="ctr"/>
+                <a:endParaRPr lang="en-US" sz="1050"/>
+              </a:p>
+            </p:txBody>
+          </p:sp>
+          <p:sp>
+            <p:nvSpPr>
+              <p:cNvPr id="123" name="Rectangle 122">
+                <a:extLst>
+                  <a:ext uri="{FF2B5EF4-FFF2-40B4-BE49-F238E27FC236}">
+                    <a16:creationId xmlns:a16="http://schemas.microsoft.com/office/drawing/2014/main" id="{72041016-FC4A-4C48-9EBF-D4AF7C3E2BDF}"/>
+                  </a:ext>
+                </a:extLst>
+              </p:cNvPr>
+              <p:cNvSpPr/>
+              <p:nvPr/>
+            </p:nvSpPr>
+            <p:spPr>
+              <a:xfrm>
+                <a:off x="7938238" y="2830696"/>
+                <a:ext cx="526467" cy="299072"/>
+              </a:xfrm>
+              <a:prstGeom prst="rect">
+                <a:avLst/>
+              </a:prstGeom>
+              <a:solidFill>
+                <a:schemeClr val="bg1"/>
+              </a:solidFill>
+              <a:ln>
+                <a:noFill/>
+              </a:ln>
+            </p:spPr>
+            <p:style>
+              <a:lnRef idx="2">
+                <a:schemeClr val="accent1">
+                  <a:shade val="50000"/>
+                </a:schemeClr>
+              </a:lnRef>
+              <a:fillRef idx="1">
+                <a:schemeClr val="accent1"/>
+              </a:fillRef>
+              <a:effectRef idx="0">
+                <a:schemeClr val="accent1"/>
+              </a:effectRef>
+              <a:fontRef idx="minor">
+                <a:schemeClr val="lt1"/>
+              </a:fontRef>
+            </p:style>
+            <p:txBody>
+              <a:bodyPr rtlCol="0" anchor="ctr"/>
+              <a:lstStyle/>
+              <a:p>
+                <a:pPr algn="ctr"/>
+                <a:r>
+                  <a:rPr lang="en-AU" sz="900" dirty="0">
+                    <a:solidFill>
+                      <a:schemeClr val="tx1"/>
+                    </a:solidFill>
+                    <a:latin typeface="Arial" panose="020B0604020202020204" pitchFamily="34" charset="0"/>
+                    <a:cs typeface="Arial" panose="020B0604020202020204" pitchFamily="34" charset="0"/>
+                  </a:rPr>
+                  <a:t>-0.078</a:t>
+                </a:r>
+                <a:endParaRPr lang="en-US" sz="900" dirty="0">
+                  <a:solidFill>
+                    <a:schemeClr val="tx1"/>
+                  </a:solidFill>
+                  <a:latin typeface="Arial" panose="020B0604020202020204" pitchFamily="34" charset="0"/>
+                  <a:cs typeface="Arial" panose="020B0604020202020204" pitchFamily="34" charset="0"/>
+                </a:endParaRPr>
+              </a:p>
+            </p:txBody>
+          </p:sp>
+          <p:sp>
+            <p:nvSpPr>
+              <p:cNvPr id="127" name="Rectangle 126">
+                <a:extLst>
+                  <a:ext uri="{FF2B5EF4-FFF2-40B4-BE49-F238E27FC236}">
+                    <a16:creationId xmlns:a16="http://schemas.microsoft.com/office/drawing/2014/main" id="{4D1645D8-EEDB-4DBF-AFFD-953BA9602371}"/>
+                  </a:ext>
+                </a:extLst>
+              </p:cNvPr>
+              <p:cNvSpPr/>
+              <p:nvPr/>
+            </p:nvSpPr>
+            <p:spPr>
+              <a:xfrm>
+                <a:off x="5770344" y="2050277"/>
+                <a:ext cx="526467" cy="299072"/>
+              </a:xfrm>
+              <a:prstGeom prst="rect">
+                <a:avLst/>
+              </a:prstGeom>
+              <a:solidFill>
+                <a:schemeClr val="bg1"/>
+              </a:solidFill>
+              <a:ln>
+                <a:noFill/>
+              </a:ln>
+            </p:spPr>
+            <p:style>
+              <a:lnRef idx="2">
+                <a:schemeClr val="accent1">
+                  <a:shade val="50000"/>
+                </a:schemeClr>
+              </a:lnRef>
+              <a:fillRef idx="1">
+                <a:schemeClr val="accent1"/>
+              </a:fillRef>
+              <a:effectRef idx="0">
+                <a:schemeClr val="accent1"/>
+              </a:effectRef>
+              <a:fontRef idx="minor">
+                <a:schemeClr val="lt1"/>
+              </a:fontRef>
+            </p:style>
+            <p:txBody>
+              <a:bodyPr rtlCol="0" anchor="ctr"/>
+              <a:lstStyle/>
+              <a:p>
+                <a:pPr algn="ctr"/>
+                <a:r>
+                  <a:rPr lang="en-AU" sz="900" dirty="0">
+                    <a:solidFill>
+                      <a:schemeClr val="tx1"/>
+                    </a:solidFill>
+                    <a:latin typeface="Arial" panose="020B0604020202020204" pitchFamily="34" charset="0"/>
+                    <a:cs typeface="Arial" panose="020B0604020202020204" pitchFamily="34" charset="0"/>
+                  </a:rPr>
+                  <a:t>0.515</a:t>
+                </a:r>
+                <a:endParaRPr lang="en-US" sz="900" dirty="0">
+                  <a:solidFill>
+                    <a:schemeClr val="tx1"/>
+                  </a:solidFill>
+                  <a:latin typeface="Arial" panose="020B0604020202020204" pitchFamily="34" charset="0"/>
+                  <a:cs typeface="Arial" panose="020B0604020202020204" pitchFamily="34" charset="0"/>
+                </a:endParaRPr>
+              </a:p>
+            </p:txBody>
+          </p:sp>
+          <p:sp>
+            <p:nvSpPr>
+              <p:cNvPr id="128" name="Rectangle 127">
+                <a:extLst>
+                  <a:ext uri="{FF2B5EF4-FFF2-40B4-BE49-F238E27FC236}">
+                    <a16:creationId xmlns:a16="http://schemas.microsoft.com/office/drawing/2014/main" id="{576141F3-00D1-4A6A-A83D-7057BF8E73D9}"/>
+                  </a:ext>
+                </a:extLst>
+              </p:cNvPr>
+              <p:cNvSpPr/>
+              <p:nvPr/>
+            </p:nvSpPr>
+            <p:spPr>
+              <a:xfrm>
+                <a:off x="4470372" y="2362635"/>
+                <a:ext cx="526467" cy="299072"/>
+              </a:xfrm>
+              <a:prstGeom prst="rect">
+                <a:avLst/>
+              </a:prstGeom>
+              <a:solidFill>
+                <a:schemeClr val="bg1"/>
+              </a:solidFill>
+              <a:ln>
+                <a:noFill/>
+              </a:ln>
+            </p:spPr>
+            <p:style>
+              <a:lnRef idx="2">
+                <a:schemeClr val="accent1">
+                  <a:shade val="50000"/>
+                </a:schemeClr>
+              </a:lnRef>
+              <a:fillRef idx="1">
+                <a:schemeClr val="accent1"/>
+              </a:fillRef>
+              <a:effectRef idx="0">
+                <a:schemeClr val="accent1"/>
+              </a:effectRef>
+              <a:fontRef idx="minor">
+                <a:schemeClr val="lt1"/>
+              </a:fontRef>
+            </p:style>
+            <p:txBody>
+              <a:bodyPr rtlCol="0" anchor="ctr"/>
+              <a:lstStyle/>
+              <a:p>
+                <a:pPr algn="ctr"/>
+                <a:r>
+                  <a:rPr lang="en-AU" sz="900" dirty="0">
+                    <a:solidFill>
+                      <a:schemeClr val="tx1"/>
+                    </a:solidFill>
+                    <a:latin typeface="Arial" panose="020B0604020202020204" pitchFamily="34" charset="0"/>
+                    <a:cs typeface="Arial" panose="020B0604020202020204" pitchFamily="34" charset="0"/>
+                  </a:rPr>
+                  <a:t>0.115</a:t>
+                </a:r>
+                <a:endParaRPr lang="en-US" sz="900" dirty="0">
+                  <a:solidFill>
+                    <a:schemeClr val="tx1"/>
+                  </a:solidFill>
+                  <a:latin typeface="Arial" panose="020B0604020202020204" pitchFamily="34" charset="0"/>
+                  <a:cs typeface="Arial" panose="020B0604020202020204" pitchFamily="34" charset="0"/>
+                </a:endParaRPr>
+              </a:p>
+            </p:txBody>
+          </p:sp>
+          <p:sp>
+            <p:nvSpPr>
+              <p:cNvPr id="129" name="Rectangle 128">
+                <a:extLst>
+                  <a:ext uri="{FF2B5EF4-FFF2-40B4-BE49-F238E27FC236}">
+                    <a16:creationId xmlns:a16="http://schemas.microsoft.com/office/drawing/2014/main" id="{BD5899D9-D9B5-4F34-81DF-D91D11976F80}"/>
+                  </a:ext>
+                </a:extLst>
+              </p:cNvPr>
+              <p:cNvSpPr/>
+              <p:nvPr/>
+            </p:nvSpPr>
+            <p:spPr>
+              <a:xfrm>
+                <a:off x="5610556" y="3577631"/>
+                <a:ext cx="526467" cy="299072"/>
+              </a:xfrm>
+              <a:prstGeom prst="rect">
+                <a:avLst/>
+              </a:prstGeom>
+              <a:solidFill>
+                <a:schemeClr val="bg1"/>
+              </a:solidFill>
+              <a:ln>
+                <a:noFill/>
+              </a:ln>
+            </p:spPr>
+            <p:style>
+              <a:lnRef idx="2">
+                <a:schemeClr val="accent1">
+                  <a:shade val="50000"/>
+                </a:schemeClr>
+              </a:lnRef>
+              <a:fillRef idx="1">
+                <a:schemeClr val="accent1"/>
+              </a:fillRef>
+              <a:effectRef idx="0">
+                <a:schemeClr val="accent1"/>
+              </a:effectRef>
+              <a:fontRef idx="minor">
+                <a:schemeClr val="lt1"/>
+              </a:fontRef>
+            </p:style>
+            <p:txBody>
+              <a:bodyPr rtlCol="0" anchor="ctr"/>
+              <a:lstStyle/>
+              <a:p>
+                <a:pPr algn="ctr"/>
+                <a:r>
+                  <a:rPr lang="en-AU" sz="900" dirty="0">
+                    <a:solidFill>
+                      <a:schemeClr val="tx1"/>
+                    </a:solidFill>
+                    <a:latin typeface="Arial" panose="020B0604020202020204" pitchFamily="34" charset="0"/>
+                    <a:cs typeface="Arial" panose="020B0604020202020204" pitchFamily="34" charset="0"/>
+                  </a:rPr>
+                  <a:t>0.133</a:t>
+                </a:r>
+                <a:endParaRPr lang="en-US" sz="900" dirty="0">
+                  <a:solidFill>
+                    <a:schemeClr val="tx1"/>
+                  </a:solidFill>
+                  <a:latin typeface="Arial" panose="020B0604020202020204" pitchFamily="34" charset="0"/>
+                  <a:cs typeface="Arial" panose="020B0604020202020204" pitchFamily="34" charset="0"/>
+                </a:endParaRPr>
+              </a:p>
+            </p:txBody>
+          </p:sp>
+          <p:sp>
+            <p:nvSpPr>
+              <p:cNvPr id="130" name="Rectangle 129">
+                <a:extLst>
+                  <a:ext uri="{FF2B5EF4-FFF2-40B4-BE49-F238E27FC236}">
+                    <a16:creationId xmlns:a16="http://schemas.microsoft.com/office/drawing/2014/main" id="{C8C58CD8-ED08-4FED-84E4-BC1F25F1A2A1}"/>
+                  </a:ext>
+                </a:extLst>
+              </p:cNvPr>
+              <p:cNvSpPr/>
+              <p:nvPr/>
+            </p:nvSpPr>
+            <p:spPr>
+              <a:xfrm>
+                <a:off x="6862779" y="1927038"/>
+                <a:ext cx="526467" cy="299072"/>
+              </a:xfrm>
+              <a:prstGeom prst="rect">
+                <a:avLst/>
+              </a:prstGeom>
+              <a:solidFill>
+                <a:schemeClr val="bg1"/>
+              </a:solidFill>
+              <a:ln>
+                <a:noFill/>
+              </a:ln>
+            </p:spPr>
+            <p:style>
+              <a:lnRef idx="2">
+                <a:schemeClr val="accent1">
+                  <a:shade val="50000"/>
+                </a:schemeClr>
+              </a:lnRef>
+              <a:fillRef idx="1">
+                <a:schemeClr val="accent1"/>
+              </a:fillRef>
+              <a:effectRef idx="0">
+                <a:schemeClr val="accent1"/>
+              </a:effectRef>
+              <a:fontRef idx="minor">
+                <a:schemeClr val="lt1"/>
+              </a:fontRef>
+            </p:style>
+            <p:txBody>
+              <a:bodyPr rtlCol="0" anchor="ctr"/>
+              <a:lstStyle/>
+              <a:p>
+                <a:pPr algn="ctr"/>
+                <a:r>
+                  <a:rPr lang="en-AU" sz="900" dirty="0">
+                    <a:solidFill>
+                      <a:schemeClr val="tx1"/>
+                    </a:solidFill>
+                    <a:latin typeface="Arial" panose="020B0604020202020204" pitchFamily="34" charset="0"/>
+                    <a:cs typeface="Arial" panose="020B0604020202020204" pitchFamily="34" charset="0"/>
+                  </a:rPr>
+                  <a:t>0.169</a:t>
+                </a:r>
+                <a:endParaRPr lang="en-US" sz="900" dirty="0">
+                  <a:solidFill>
+                    <a:schemeClr val="tx1"/>
+                  </a:solidFill>
+                  <a:latin typeface="Arial" panose="020B0604020202020204" pitchFamily="34" charset="0"/>
+                  <a:cs typeface="Arial" panose="020B0604020202020204" pitchFamily="34" charset="0"/>
+                </a:endParaRPr>
+              </a:p>
+            </p:txBody>
+          </p:sp>
+          <p:sp>
+            <p:nvSpPr>
+              <p:cNvPr id="132" name="Rectangle 131">
+                <a:extLst>
+                  <a:ext uri="{FF2B5EF4-FFF2-40B4-BE49-F238E27FC236}">
+                    <a16:creationId xmlns:a16="http://schemas.microsoft.com/office/drawing/2014/main" id="{1CF8E43E-9F50-4E54-895E-FA322466B662}"/>
+                  </a:ext>
+                </a:extLst>
+              </p:cNvPr>
+              <p:cNvSpPr/>
+              <p:nvPr/>
+            </p:nvSpPr>
+            <p:spPr>
+              <a:xfrm>
+                <a:off x="7316516" y="2362635"/>
+                <a:ext cx="526467" cy="299072"/>
+              </a:xfrm>
+              <a:prstGeom prst="rect">
+                <a:avLst/>
+              </a:prstGeom>
+              <a:solidFill>
+                <a:schemeClr val="bg1"/>
+              </a:solidFill>
+              <a:ln>
+                <a:noFill/>
+              </a:ln>
+            </p:spPr>
+            <p:style>
+              <a:lnRef idx="2">
+                <a:schemeClr val="accent1">
+                  <a:shade val="50000"/>
+                </a:schemeClr>
+              </a:lnRef>
+              <a:fillRef idx="1">
+                <a:schemeClr val="accent1"/>
+              </a:fillRef>
+              <a:effectRef idx="0">
+                <a:schemeClr val="accent1"/>
+              </a:effectRef>
+              <a:fontRef idx="minor">
+                <a:schemeClr val="lt1"/>
+              </a:fontRef>
+            </p:style>
+            <p:txBody>
+              <a:bodyPr rtlCol="0" anchor="ctr"/>
+              <a:lstStyle/>
+              <a:p>
+                <a:pPr algn="ctr"/>
+                <a:r>
+                  <a:rPr lang="en-AU" sz="900" dirty="0">
+                    <a:solidFill>
+                      <a:schemeClr val="tx1"/>
+                    </a:solidFill>
+                    <a:latin typeface="Arial" panose="020B0604020202020204" pitchFamily="34" charset="0"/>
+                    <a:cs typeface="Arial" panose="020B0604020202020204" pitchFamily="34" charset="0"/>
+                  </a:rPr>
+                  <a:t>0.242</a:t>
+                </a:r>
+                <a:endParaRPr lang="en-US" sz="900" dirty="0">
+                  <a:solidFill>
+                    <a:schemeClr val="tx1"/>
+                  </a:solidFill>
+                  <a:latin typeface="Arial" panose="020B0604020202020204" pitchFamily="34" charset="0"/>
+                  <a:cs typeface="Arial" panose="020B0604020202020204" pitchFamily="34" charset="0"/>
+                </a:endParaRPr>
+              </a:p>
+            </p:txBody>
+          </p:sp>
+          <p:sp>
+            <p:nvSpPr>
+              <p:cNvPr id="133" name="Rectangle 132">
+                <a:extLst>
+                  <a:ext uri="{FF2B5EF4-FFF2-40B4-BE49-F238E27FC236}">
+                    <a16:creationId xmlns:a16="http://schemas.microsoft.com/office/drawing/2014/main" id="{FE20F08C-6ADA-4080-AB53-47A5CA05A828}"/>
+                  </a:ext>
+                </a:extLst>
+              </p:cNvPr>
+              <p:cNvSpPr/>
+              <p:nvPr/>
+            </p:nvSpPr>
+            <p:spPr>
+              <a:xfrm>
+                <a:off x="6760870" y="3333801"/>
+                <a:ext cx="526467" cy="299072"/>
+              </a:xfrm>
+              <a:prstGeom prst="rect">
+                <a:avLst/>
+              </a:prstGeom>
+              <a:solidFill>
+                <a:schemeClr val="bg1"/>
+              </a:solidFill>
+              <a:ln>
+                <a:noFill/>
+              </a:ln>
+            </p:spPr>
+            <p:style>
+              <a:lnRef idx="2">
+                <a:schemeClr val="accent1">
+                  <a:shade val="50000"/>
+                </a:schemeClr>
+              </a:lnRef>
+              <a:fillRef idx="1">
+                <a:schemeClr val="accent1"/>
+              </a:fillRef>
+              <a:effectRef idx="0">
+                <a:schemeClr val="accent1"/>
+              </a:effectRef>
+              <a:fontRef idx="minor">
+                <a:schemeClr val="lt1"/>
+              </a:fontRef>
+            </p:style>
+            <p:txBody>
+              <a:bodyPr rtlCol="0" anchor="ctr"/>
+              <a:lstStyle/>
+              <a:p>
+                <a:pPr algn="ctr"/>
+                <a:r>
+                  <a:rPr lang="en-AU" sz="900" dirty="0">
+                    <a:solidFill>
+                      <a:schemeClr val="tx1"/>
+                    </a:solidFill>
+                    <a:latin typeface="Arial" panose="020B0604020202020204" pitchFamily="34" charset="0"/>
+                    <a:cs typeface="Arial" panose="020B0604020202020204" pitchFamily="34" charset="0"/>
+                  </a:rPr>
+                  <a:t>0.813</a:t>
+                </a:r>
+                <a:endParaRPr lang="en-US" sz="900" dirty="0">
+                  <a:solidFill>
+                    <a:schemeClr val="tx1"/>
+                  </a:solidFill>
+                  <a:latin typeface="Arial" panose="020B0604020202020204" pitchFamily="34" charset="0"/>
+                  <a:cs typeface="Arial" panose="020B0604020202020204" pitchFamily="34" charset="0"/>
+                </a:endParaRPr>
+              </a:p>
+            </p:txBody>
+          </p:sp>
+          <p:cxnSp>
+            <p:nvCxnSpPr>
+              <p:cNvPr id="134" name="Straight Arrow Connector 133">
+                <a:extLst>
+                  <a:ext uri="{FF2B5EF4-FFF2-40B4-BE49-F238E27FC236}">
+                    <a16:creationId xmlns:a16="http://schemas.microsoft.com/office/drawing/2014/main" id="{BADDDD5D-2BAA-45E1-A29F-02904548AA95}"/>
+                  </a:ext>
+                </a:extLst>
+              </p:cNvPr>
+              <p:cNvCxnSpPr>
+                <a:cxnSpLocks/>
+                <a:endCxn id="138" idx="1"/>
+              </p:cNvCxnSpPr>
+              <p:nvPr/>
+            </p:nvCxnSpPr>
+            <p:spPr>
+              <a:xfrm>
+                <a:off x="4498006" y="2054586"/>
+                <a:ext cx="809674" cy="789586"/>
+              </a:xfrm>
+              <a:prstGeom prst="straightConnector1">
+                <a:avLst/>
+              </a:prstGeom>
+              <a:ln w="38100">
+                <a:solidFill>
+                  <a:schemeClr val="tx1"/>
+                </a:solidFill>
+                <a:tailEnd type="triangle"/>
+              </a:ln>
+            </p:spPr>
+            <p:style>
+              <a:lnRef idx="1">
+                <a:schemeClr val="accent1"/>
+              </a:lnRef>
+              <a:fillRef idx="0">
+                <a:schemeClr val="accent1"/>
+              </a:fillRef>
+              <a:effectRef idx="0">
+                <a:schemeClr val="accent1"/>
+              </a:effectRef>
+              <a:fontRef idx="minor">
+                <a:schemeClr val="tx1"/>
+              </a:fontRef>
+            </p:style>
+          </p:cxnSp>
+          <p:cxnSp>
+            <p:nvCxnSpPr>
+              <p:cNvPr id="135" name="Straight Arrow Connector 134">
+                <a:extLst>
+                  <a:ext uri="{FF2B5EF4-FFF2-40B4-BE49-F238E27FC236}">
+                    <a16:creationId xmlns:a16="http://schemas.microsoft.com/office/drawing/2014/main" id="{0F8E1043-5451-498B-8C6C-2726DC9BD1CE}"/>
+                  </a:ext>
+                </a:extLst>
+              </p:cNvPr>
+              <p:cNvCxnSpPr>
+                <a:cxnSpLocks/>
+              </p:cNvCxnSpPr>
+              <p:nvPr/>
+            </p:nvCxnSpPr>
+            <p:spPr>
+              <a:xfrm>
+                <a:off x="6141078" y="2989749"/>
+                <a:ext cx="1481873" cy="1170674"/>
+              </a:xfrm>
+              <a:prstGeom prst="straightConnector1">
+                <a:avLst/>
+              </a:prstGeom>
+              <a:ln w="38100">
+                <a:solidFill>
+                  <a:schemeClr val="tx1"/>
+                </a:solidFill>
+                <a:tailEnd type="triangle"/>
+              </a:ln>
+            </p:spPr>
+            <p:style>
+              <a:lnRef idx="1">
+                <a:schemeClr val="accent1"/>
+              </a:lnRef>
+              <a:fillRef idx="0">
+                <a:schemeClr val="accent1"/>
+              </a:fillRef>
+              <a:effectRef idx="0">
+                <a:schemeClr val="accent1"/>
+              </a:effectRef>
+              <a:fontRef idx="minor">
+                <a:schemeClr val="tx1"/>
+              </a:fontRef>
+            </p:style>
+          </p:cxnSp>
+          <p:cxnSp>
+            <p:nvCxnSpPr>
+              <p:cNvPr id="137" name="Straight Arrow Connector 136">
+                <a:extLst>
+                  <a:ext uri="{FF2B5EF4-FFF2-40B4-BE49-F238E27FC236}">
+                    <a16:creationId xmlns:a16="http://schemas.microsoft.com/office/drawing/2014/main" id="{115D5C48-6EA4-42FA-A065-6F8427A9EADA}"/>
+                  </a:ext>
+                </a:extLst>
+              </p:cNvPr>
+              <p:cNvCxnSpPr>
+                <a:cxnSpLocks/>
+                <a:endCxn id="143" idx="0"/>
+              </p:cNvCxnSpPr>
+              <p:nvPr/>
+            </p:nvCxnSpPr>
+            <p:spPr>
+              <a:xfrm>
+                <a:off x="6658308" y="1666988"/>
+                <a:ext cx="1531678" cy="2384993"/>
+              </a:xfrm>
+              <a:prstGeom prst="straightConnector1">
+                <a:avLst/>
+              </a:prstGeom>
+              <a:ln w="38100">
+                <a:solidFill>
+                  <a:schemeClr val="tx1"/>
+                </a:solidFill>
+                <a:tailEnd type="triangle"/>
+              </a:ln>
+            </p:spPr>
+            <p:style>
+              <a:lnRef idx="1">
+                <a:schemeClr val="accent1"/>
+              </a:lnRef>
+              <a:fillRef idx="0">
+                <a:schemeClr val="accent1"/>
+              </a:fillRef>
+              <a:effectRef idx="0">
+                <a:schemeClr val="accent1"/>
+              </a:effectRef>
+              <a:fontRef idx="minor">
+                <a:schemeClr val="tx1"/>
+              </a:fontRef>
+            </p:style>
+          </p:cxnSp>
+          <p:sp>
+            <p:nvSpPr>
+              <p:cNvPr id="138" name="Rectangle 137">
+                <a:extLst>
+                  <a:ext uri="{FF2B5EF4-FFF2-40B4-BE49-F238E27FC236}">
+                    <a16:creationId xmlns:a16="http://schemas.microsoft.com/office/drawing/2014/main" id="{6213AB2D-60B2-4881-89AC-7A45F3B93043}"/>
+                  </a:ext>
+                </a:extLst>
+              </p:cNvPr>
+              <p:cNvSpPr/>
+              <p:nvPr/>
+            </p:nvSpPr>
+            <p:spPr>
+              <a:xfrm>
+                <a:off x="5307680" y="2609864"/>
+                <a:ext cx="1109630" cy="468616"/>
+              </a:xfrm>
+              <a:prstGeom prst="rect">
+                <a:avLst/>
+              </a:prstGeom>
+              <a:solidFill>
+                <a:schemeClr val="bg1"/>
+              </a:solidFill>
+              <a:ln w="28575">
+                <a:solidFill>
+                  <a:schemeClr val="tx1"/>
+                </a:solidFill>
+              </a:ln>
+            </p:spPr>
+            <p:style>
+              <a:lnRef idx="2">
+                <a:schemeClr val="accent1">
+                  <a:shade val="50000"/>
+                </a:schemeClr>
+              </a:lnRef>
+              <a:fillRef idx="1">
+                <a:schemeClr val="accent1"/>
+              </a:fillRef>
+              <a:effectRef idx="0">
+                <a:schemeClr val="accent1"/>
+              </a:effectRef>
+              <a:fontRef idx="minor">
+                <a:schemeClr val="lt1"/>
+              </a:fontRef>
+            </p:style>
+            <p:txBody>
+              <a:bodyPr rtlCol="0" anchor="ctr"/>
+              <a:lstStyle/>
+              <a:p>
+                <a:pPr algn="ctr"/>
+                <a:r>
+                  <a:rPr lang="en-AU" sz="1000" dirty="0">
+                    <a:solidFill>
+                      <a:schemeClr val="tx1"/>
+                    </a:solidFill>
+                    <a:latin typeface="Arial" panose="020B0604020202020204" pitchFamily="34" charset="0"/>
+                    <a:cs typeface="Arial" panose="020B0604020202020204" pitchFamily="34" charset="0"/>
+                  </a:rPr>
+                  <a:t>Species richness</a:t>
+                </a:r>
+                <a:endParaRPr lang="en-US" sz="1000" dirty="0">
+                  <a:solidFill>
+                    <a:schemeClr val="tx1"/>
+                  </a:solidFill>
+                  <a:latin typeface="Arial" panose="020B0604020202020204" pitchFamily="34" charset="0"/>
+                  <a:cs typeface="Arial" panose="020B0604020202020204" pitchFamily="34" charset="0"/>
+                </a:endParaRPr>
+              </a:p>
+            </p:txBody>
+          </p:sp>
+          <p:sp>
+            <p:nvSpPr>
+              <p:cNvPr id="139" name="Rectangle 138">
+                <a:extLst>
+                  <a:ext uri="{FF2B5EF4-FFF2-40B4-BE49-F238E27FC236}">
+                    <a16:creationId xmlns:a16="http://schemas.microsoft.com/office/drawing/2014/main" id="{E8045073-0EFD-4C61-85FD-848657D134E1}"/>
+                  </a:ext>
+                </a:extLst>
+              </p:cNvPr>
+              <p:cNvSpPr/>
+              <p:nvPr/>
+            </p:nvSpPr>
+            <p:spPr>
+              <a:xfrm>
+                <a:off x="7903257" y="1959338"/>
+                <a:ext cx="1109630" cy="468616"/>
+              </a:xfrm>
+              <a:prstGeom prst="rect">
+                <a:avLst/>
+              </a:prstGeom>
+              <a:solidFill>
+                <a:schemeClr val="bg1"/>
+              </a:solidFill>
+              <a:ln w="28575">
+                <a:solidFill>
+                  <a:schemeClr val="tx1"/>
+                </a:solidFill>
+              </a:ln>
+            </p:spPr>
+            <p:style>
+              <a:lnRef idx="2">
+                <a:schemeClr val="accent1">
+                  <a:shade val="50000"/>
+                </a:schemeClr>
+              </a:lnRef>
+              <a:fillRef idx="1">
+                <a:schemeClr val="accent1"/>
+              </a:fillRef>
+              <a:effectRef idx="0">
+                <a:schemeClr val="accent1"/>
+              </a:effectRef>
+              <a:fontRef idx="minor">
+                <a:schemeClr val="lt1"/>
+              </a:fontRef>
+            </p:style>
+            <p:txBody>
+              <a:bodyPr rtlCol="0" anchor="ctr"/>
+              <a:lstStyle/>
+              <a:p>
+                <a:pPr algn="ctr"/>
+                <a:r>
+                  <a:rPr lang="en-AU" sz="1000" dirty="0">
+                    <a:solidFill>
+                      <a:schemeClr val="tx1"/>
+                    </a:solidFill>
+                    <a:latin typeface="Arial" panose="020B0604020202020204" pitchFamily="34" charset="0"/>
+                    <a:cs typeface="Arial" panose="020B0604020202020204" pitchFamily="34" charset="0"/>
+                  </a:rPr>
+                  <a:t>Heterogeneity</a:t>
+                </a:r>
+                <a:endParaRPr lang="en-US" sz="1000" dirty="0">
+                  <a:solidFill>
+                    <a:schemeClr val="tx1"/>
+                  </a:solidFill>
+                  <a:latin typeface="Arial" panose="020B0604020202020204" pitchFamily="34" charset="0"/>
+                  <a:cs typeface="Arial" panose="020B0604020202020204" pitchFamily="34" charset="0"/>
+                </a:endParaRPr>
+              </a:p>
+            </p:txBody>
+          </p:sp>
+          <p:sp>
+            <p:nvSpPr>
+              <p:cNvPr id="140" name="Rectangle 139">
+                <a:extLst>
+                  <a:ext uri="{FF2B5EF4-FFF2-40B4-BE49-F238E27FC236}">
+                    <a16:creationId xmlns:a16="http://schemas.microsoft.com/office/drawing/2014/main" id="{603103DC-DEE6-4EFF-99AD-7B4BE59880BE}"/>
+                  </a:ext>
+                </a:extLst>
+              </p:cNvPr>
+              <p:cNvSpPr/>
+              <p:nvPr/>
+            </p:nvSpPr>
+            <p:spPr>
+              <a:xfrm>
+                <a:off x="6143596" y="1347908"/>
+                <a:ext cx="1109630" cy="468616"/>
+              </a:xfrm>
+              <a:prstGeom prst="rect">
+                <a:avLst/>
+              </a:prstGeom>
+              <a:solidFill>
+                <a:schemeClr val="bg1"/>
+              </a:solidFill>
+              <a:ln w="28575">
+                <a:solidFill>
+                  <a:schemeClr val="tx1"/>
+                </a:solidFill>
+              </a:ln>
+            </p:spPr>
+            <p:style>
+              <a:lnRef idx="2">
+                <a:schemeClr val="accent1">
+                  <a:shade val="50000"/>
+                </a:schemeClr>
+              </a:lnRef>
+              <a:fillRef idx="1">
+                <a:schemeClr val="accent1"/>
+              </a:fillRef>
+              <a:effectRef idx="0">
+                <a:schemeClr val="accent1"/>
+              </a:effectRef>
+              <a:fontRef idx="minor">
+                <a:schemeClr val="lt1"/>
+              </a:fontRef>
+            </p:style>
+            <p:txBody>
+              <a:bodyPr rtlCol="0" anchor="ctr"/>
+              <a:lstStyle/>
+              <a:p>
+                <a:pPr algn="ctr"/>
+                <a:r>
+                  <a:rPr lang="en-AU" sz="1000" dirty="0">
+                    <a:solidFill>
+                      <a:schemeClr val="tx1"/>
+                    </a:solidFill>
+                    <a:latin typeface="Arial" panose="020B0604020202020204" pitchFamily="34" charset="0"/>
+                    <a:cs typeface="Arial" panose="020B0604020202020204" pitchFamily="34" charset="0"/>
+                  </a:rPr>
+                  <a:t>Urban cover</a:t>
+                </a:r>
+                <a:endParaRPr lang="en-US" sz="1000" dirty="0">
+                  <a:solidFill>
+                    <a:schemeClr val="tx1"/>
+                  </a:solidFill>
+                  <a:latin typeface="Arial" panose="020B0604020202020204" pitchFamily="34" charset="0"/>
+                  <a:cs typeface="Arial" panose="020B0604020202020204" pitchFamily="34" charset="0"/>
+                </a:endParaRPr>
+              </a:p>
+            </p:txBody>
+          </p:sp>
+          <p:sp>
+            <p:nvSpPr>
+              <p:cNvPr id="141" name="Rectangle 140">
+                <a:extLst>
+                  <a:ext uri="{FF2B5EF4-FFF2-40B4-BE49-F238E27FC236}">
+                    <a16:creationId xmlns:a16="http://schemas.microsoft.com/office/drawing/2014/main" id="{2349AB33-960A-4DE8-91A5-96D1BC9AE2AF}"/>
+                  </a:ext>
+                </a:extLst>
+              </p:cNvPr>
+              <p:cNvSpPr/>
+              <p:nvPr/>
+            </p:nvSpPr>
+            <p:spPr>
+              <a:xfrm>
+                <a:off x="4114828" y="1649265"/>
+                <a:ext cx="1109630" cy="468616"/>
+              </a:xfrm>
+              <a:prstGeom prst="rect">
+                <a:avLst/>
+              </a:prstGeom>
+              <a:solidFill>
+                <a:schemeClr val="bg1"/>
+              </a:solidFill>
+              <a:ln w="28575">
+                <a:solidFill>
+                  <a:schemeClr val="tx1"/>
+                </a:solidFill>
+              </a:ln>
+            </p:spPr>
+            <p:style>
+              <a:lnRef idx="2">
+                <a:schemeClr val="accent1">
+                  <a:shade val="50000"/>
+                </a:schemeClr>
+              </a:lnRef>
+              <a:fillRef idx="1">
+                <a:schemeClr val="accent1"/>
+              </a:fillRef>
+              <a:effectRef idx="0">
+                <a:schemeClr val="accent1"/>
+              </a:effectRef>
+              <a:fontRef idx="minor">
+                <a:schemeClr val="lt1"/>
+              </a:fontRef>
+            </p:style>
+            <p:txBody>
+              <a:bodyPr rtlCol="0" anchor="ctr"/>
+              <a:lstStyle/>
+              <a:p>
+                <a:pPr algn="ctr"/>
+                <a:r>
+                  <a:rPr lang="en-AU" sz="1000" dirty="0">
+                    <a:solidFill>
+                      <a:schemeClr val="tx1"/>
+                    </a:solidFill>
+                    <a:latin typeface="Arial" panose="020B0604020202020204" pitchFamily="34" charset="0"/>
+                    <a:cs typeface="Arial" panose="020B0604020202020204" pitchFamily="34" charset="0"/>
+                  </a:rPr>
+                  <a:t>Water cover</a:t>
+                </a:r>
+                <a:endParaRPr lang="en-US" sz="1000" dirty="0">
+                  <a:solidFill>
+                    <a:schemeClr val="tx1"/>
+                  </a:solidFill>
+                  <a:latin typeface="Arial" panose="020B0604020202020204" pitchFamily="34" charset="0"/>
+                  <a:cs typeface="Arial" panose="020B0604020202020204" pitchFamily="34" charset="0"/>
+                </a:endParaRPr>
+              </a:p>
+            </p:txBody>
+          </p:sp>
+          <p:sp>
+            <p:nvSpPr>
+              <p:cNvPr id="143" name="Rectangle 142">
+                <a:extLst>
+                  <a:ext uri="{FF2B5EF4-FFF2-40B4-BE49-F238E27FC236}">
+                    <a16:creationId xmlns:a16="http://schemas.microsoft.com/office/drawing/2014/main" id="{4C86E6D3-1E68-451A-AB75-482E92774884}"/>
+                  </a:ext>
+                </a:extLst>
+              </p:cNvPr>
+              <p:cNvSpPr/>
+              <p:nvPr/>
+            </p:nvSpPr>
+            <p:spPr>
+              <a:xfrm>
+                <a:off x="7635171" y="4051981"/>
+                <a:ext cx="1109630" cy="468616"/>
+              </a:xfrm>
+              <a:prstGeom prst="rect">
+                <a:avLst/>
+              </a:prstGeom>
+              <a:solidFill>
+                <a:schemeClr val="bg1"/>
+              </a:solidFill>
+              <a:ln w="28575">
+                <a:solidFill>
+                  <a:schemeClr val="tx1"/>
+                </a:solidFill>
+              </a:ln>
+            </p:spPr>
+            <p:style>
+              <a:lnRef idx="2">
+                <a:schemeClr val="accent1">
+                  <a:shade val="50000"/>
+                </a:schemeClr>
+              </a:lnRef>
+              <a:fillRef idx="1">
+                <a:schemeClr val="accent1"/>
+              </a:fillRef>
+              <a:effectRef idx="0">
+                <a:schemeClr val="accent1"/>
+              </a:effectRef>
+              <a:fontRef idx="minor">
+                <a:schemeClr val="lt1"/>
+              </a:fontRef>
+            </p:style>
+            <p:txBody>
+              <a:bodyPr rtlCol="0" anchor="ctr"/>
+              <a:lstStyle/>
+              <a:p>
+                <a:pPr algn="ctr"/>
+                <a:r>
+                  <a:rPr lang="en-AU" sz="1000" dirty="0">
+                    <a:solidFill>
+                      <a:schemeClr val="tx1"/>
+                    </a:solidFill>
+                    <a:latin typeface="Arial" panose="020B0604020202020204" pitchFamily="34" charset="0"/>
+                    <a:cs typeface="Arial" panose="020B0604020202020204" pitchFamily="34" charset="0"/>
+                  </a:rPr>
+                  <a:t>Number of checklists</a:t>
+                </a:r>
+                <a:endParaRPr lang="en-US" sz="1000" dirty="0">
+                  <a:solidFill>
+                    <a:schemeClr val="tx1"/>
+                  </a:solidFill>
+                  <a:latin typeface="Arial" panose="020B0604020202020204" pitchFamily="34" charset="0"/>
+                  <a:cs typeface="Arial" panose="020B0604020202020204" pitchFamily="34" charset="0"/>
+                </a:endParaRPr>
+              </a:p>
+            </p:txBody>
+          </p:sp>
+          <p:cxnSp>
+            <p:nvCxnSpPr>
+              <p:cNvPr id="146" name="Straight Arrow Connector 145">
+                <a:extLst>
+                  <a:ext uri="{FF2B5EF4-FFF2-40B4-BE49-F238E27FC236}">
+                    <a16:creationId xmlns:a16="http://schemas.microsoft.com/office/drawing/2014/main" id="{756A0EB8-7993-49BC-A2B2-83F9DB83DC73}"/>
+                  </a:ext>
+                </a:extLst>
+              </p:cNvPr>
+              <p:cNvCxnSpPr>
+                <a:cxnSpLocks/>
+                <a:stCxn id="140" idx="2"/>
+                <a:endCxn id="138" idx="0"/>
+              </p:cNvCxnSpPr>
+              <p:nvPr/>
+            </p:nvCxnSpPr>
+            <p:spPr>
+              <a:xfrm flipH="1">
+                <a:off x="5862495" y="1816524"/>
+                <a:ext cx="835916" cy="793340"/>
+              </a:xfrm>
+              <a:prstGeom prst="straightConnector1">
+                <a:avLst/>
+              </a:prstGeom>
+              <a:ln w="38100">
+                <a:solidFill>
+                  <a:schemeClr val="tx1"/>
+                </a:solidFill>
+                <a:tailEnd type="triangle"/>
+              </a:ln>
+            </p:spPr>
+            <p:style>
+              <a:lnRef idx="1">
+                <a:schemeClr val="accent1"/>
+              </a:lnRef>
+              <a:fillRef idx="0">
+                <a:schemeClr val="accent1"/>
+              </a:fillRef>
+              <a:effectRef idx="0">
+                <a:schemeClr val="accent1"/>
+              </a:effectRef>
+              <a:fontRef idx="minor">
+                <a:schemeClr val="tx1"/>
+              </a:fontRef>
+            </p:style>
+          </p:cxnSp>
+          <p:cxnSp>
+            <p:nvCxnSpPr>
+              <p:cNvPr id="147" name="Straight Arrow Connector 146">
+                <a:extLst>
+                  <a:ext uri="{FF2B5EF4-FFF2-40B4-BE49-F238E27FC236}">
+                    <a16:creationId xmlns:a16="http://schemas.microsoft.com/office/drawing/2014/main" id="{DA203873-9866-42EB-A7DC-2C3D21004F27}"/>
+                  </a:ext>
+                </a:extLst>
+              </p:cNvPr>
+              <p:cNvCxnSpPr>
+                <a:cxnSpLocks/>
+                <a:stCxn id="139" idx="2"/>
+              </p:cNvCxnSpPr>
+              <p:nvPr/>
+            </p:nvCxnSpPr>
+            <p:spPr>
+              <a:xfrm>
+                <a:off x="8458072" y="2427954"/>
+                <a:ext cx="11785" cy="1624027"/>
+              </a:xfrm>
+              <a:prstGeom prst="straightConnector1">
+                <a:avLst/>
+              </a:prstGeom>
+              <a:ln w="38100">
+                <a:solidFill>
+                  <a:schemeClr val="tx1"/>
+                </a:solidFill>
+                <a:tailEnd type="triangle"/>
+              </a:ln>
+            </p:spPr>
+            <p:style>
+              <a:lnRef idx="1">
+                <a:schemeClr val="accent1"/>
+              </a:lnRef>
+              <a:fillRef idx="0">
+                <a:schemeClr val="accent1"/>
+              </a:fillRef>
+              <a:effectRef idx="0">
+                <a:schemeClr val="accent1"/>
+              </a:effectRef>
+              <a:fontRef idx="minor">
+                <a:schemeClr val="tx1"/>
+              </a:fontRef>
+            </p:style>
+          </p:cxnSp>
+          <p:cxnSp>
+            <p:nvCxnSpPr>
+              <p:cNvPr id="148" name="Straight Arrow Connector 147">
+                <a:extLst>
+                  <a:ext uri="{FF2B5EF4-FFF2-40B4-BE49-F238E27FC236}">
+                    <a16:creationId xmlns:a16="http://schemas.microsoft.com/office/drawing/2014/main" id="{3E36175C-4725-4065-BD74-91F4D607C899}"/>
+                  </a:ext>
+                </a:extLst>
+              </p:cNvPr>
+              <p:cNvCxnSpPr>
+                <a:cxnSpLocks/>
+                <a:stCxn id="139" idx="1"/>
+                <a:endCxn id="138" idx="3"/>
+              </p:cNvCxnSpPr>
+              <p:nvPr/>
+            </p:nvCxnSpPr>
+            <p:spPr>
+              <a:xfrm flipH="1">
+                <a:off x="6417310" y="2193646"/>
+                <a:ext cx="1485947" cy="650526"/>
+              </a:xfrm>
+              <a:prstGeom prst="straightConnector1">
+                <a:avLst/>
+              </a:prstGeom>
+              <a:ln w="38100">
+                <a:solidFill>
+                  <a:schemeClr val="tx1"/>
+                </a:solidFill>
+                <a:tailEnd type="triangle"/>
+              </a:ln>
+            </p:spPr>
+            <p:style>
+              <a:lnRef idx="1">
+                <a:schemeClr val="accent1"/>
+              </a:lnRef>
+              <a:fillRef idx="0">
+                <a:schemeClr val="accent1"/>
+              </a:fillRef>
+              <a:effectRef idx="0">
+                <a:schemeClr val="accent1"/>
+              </a:effectRef>
+              <a:fontRef idx="minor">
+                <a:schemeClr val="tx1"/>
+              </a:fontRef>
+            </p:style>
+          </p:cxnSp>
+        </p:grpSp>
+        <p:sp>
+          <p:nvSpPr>
+            <p:cNvPr id="121" name="TextBox 120">
+              <a:extLst>
+                <a:ext uri="{FF2B5EF4-FFF2-40B4-BE49-F238E27FC236}">
+                  <a16:creationId xmlns:a16="http://schemas.microsoft.com/office/drawing/2014/main" id="{FB09402E-D496-474E-BDB7-151E6BA8B927}"/>
+                </a:ext>
+              </a:extLst>
+            </p:cNvPr>
+            <p:cNvSpPr txBox="1"/>
+            <p:nvPr/>
+          </p:nvSpPr>
+          <p:spPr>
+            <a:xfrm>
+              <a:off x="1398262" y="833494"/>
+              <a:ext cx="1415959" cy="369332"/>
+            </a:xfrm>
+            <a:prstGeom prst="rect">
+              <a:avLst/>
+            </a:prstGeom>
+            <a:noFill/>
+          </p:spPr>
+          <p:txBody>
+            <a:bodyPr wrap="square" rtlCol="0">
+              <a:spAutoFit/>
+            </a:bodyPr>
+            <a:lstStyle/>
+            <a:p>
+              <a:r>
+                <a:rPr lang="en-AU" dirty="0">
+                  <a:latin typeface="Arial" panose="020B0604020202020204" pitchFamily="34" charset="0"/>
+                  <a:cs typeface="Arial" panose="020B0604020202020204" pitchFamily="34" charset="0"/>
+                </a:rPr>
+                <a:t>15 km</a:t>
+              </a:r>
+              <a:r>
+                <a:rPr lang="en-AU" baseline="30000" dirty="0">
+                  <a:latin typeface="Arial" panose="020B0604020202020204" pitchFamily="34" charset="0"/>
+                  <a:cs typeface="Arial" panose="020B0604020202020204" pitchFamily="34" charset="0"/>
+                </a:rPr>
+                <a:t>2</a:t>
+              </a:r>
+              <a:endParaRPr lang="en-US" baseline="30000" dirty="0">
+                <a:latin typeface="Arial" panose="020B0604020202020204" pitchFamily="34" charset="0"/>
+                <a:cs typeface="Arial" panose="020B0604020202020204" pitchFamily="34" charset="0"/>
+              </a:endParaRPr>
+            </a:p>
+          </p:txBody>
+        </p:sp>
+      </p:grpSp>
+      <p:grpSp>
+        <p:nvGrpSpPr>
+          <p:cNvPr id="150" name="Group 149">
+            <a:extLst>
+              <a:ext uri="{FF2B5EF4-FFF2-40B4-BE49-F238E27FC236}">
+                <a16:creationId xmlns:a16="http://schemas.microsoft.com/office/drawing/2014/main" id="{FD65B08F-42F2-4EDD-9916-F5ACFA9A76A1}"/>
+              </a:ext>
+            </a:extLst>
+          </p:cNvPr>
+          <p:cNvGrpSpPr/>
+          <p:nvPr/>
+        </p:nvGrpSpPr>
+        <p:grpSpPr>
+          <a:xfrm>
+            <a:off x="273888" y="4329644"/>
+            <a:ext cx="5174869" cy="3889199"/>
+            <a:chOff x="1198485" y="807869"/>
+            <a:chExt cx="5174869" cy="3889199"/>
+          </a:xfrm>
+        </p:grpSpPr>
+        <p:grpSp>
+          <p:nvGrpSpPr>
+            <p:cNvPr id="151" name="Group 150">
+              <a:extLst>
+                <a:ext uri="{FF2B5EF4-FFF2-40B4-BE49-F238E27FC236}">
+                  <a16:creationId xmlns:a16="http://schemas.microsoft.com/office/drawing/2014/main" id="{6EE346D2-B413-439C-8B6E-B387225A3F1D}"/>
+                </a:ext>
+              </a:extLst>
+            </p:cNvPr>
+            <p:cNvGrpSpPr/>
+            <p:nvPr/>
+          </p:nvGrpSpPr>
+          <p:grpSpPr>
+            <a:xfrm>
+              <a:off x="1198485" y="807869"/>
+              <a:ext cx="5174869" cy="3889199"/>
+              <a:chOff x="3915051" y="1154098"/>
+              <a:chExt cx="5174869" cy="3889199"/>
+            </a:xfrm>
+          </p:grpSpPr>
+          <p:sp>
+            <p:nvSpPr>
+              <p:cNvPr id="153" name="Rectangle 152">
+                <a:extLst>
+                  <a:ext uri="{FF2B5EF4-FFF2-40B4-BE49-F238E27FC236}">
+                    <a16:creationId xmlns:a16="http://schemas.microsoft.com/office/drawing/2014/main" id="{663485AC-CBF5-414E-89AF-E24F010F419A}"/>
+                  </a:ext>
+                </a:extLst>
+              </p:cNvPr>
+              <p:cNvSpPr/>
+              <p:nvPr/>
+            </p:nvSpPr>
+            <p:spPr>
+              <a:xfrm>
+                <a:off x="3915051" y="1154098"/>
+                <a:ext cx="5174869" cy="3889199"/>
+              </a:xfrm>
+              <a:prstGeom prst="rect">
+                <a:avLst/>
+              </a:prstGeom>
+              <a:solidFill>
+                <a:schemeClr val="bg1"/>
+              </a:solidFill>
+              <a:ln>
+                <a:solidFill>
+                  <a:schemeClr val="tx1"/>
+                </a:solidFill>
+              </a:ln>
+            </p:spPr>
+            <p:style>
+              <a:lnRef idx="2">
+                <a:schemeClr val="accent1">
+                  <a:shade val="50000"/>
+                </a:schemeClr>
+              </a:lnRef>
+              <a:fillRef idx="1">
+                <a:schemeClr val="accent1"/>
+              </a:fillRef>
+              <a:effectRef idx="0">
+                <a:schemeClr val="accent1"/>
+              </a:effectRef>
+              <a:fontRef idx="minor">
+                <a:schemeClr val="lt1"/>
+              </a:fontRef>
+            </p:style>
+            <p:txBody>
+              <a:bodyPr rtlCol="0" anchor="ctr"/>
+              <a:lstStyle/>
+              <a:p>
+                <a:pPr algn="ctr"/>
+                <a:endParaRPr lang="en-US" sz="1050"/>
+              </a:p>
+            </p:txBody>
+          </p:sp>
+          <p:sp>
+            <p:nvSpPr>
+              <p:cNvPr id="154" name="Rectangle 153">
+                <a:extLst>
+                  <a:ext uri="{FF2B5EF4-FFF2-40B4-BE49-F238E27FC236}">
+                    <a16:creationId xmlns:a16="http://schemas.microsoft.com/office/drawing/2014/main" id="{A8E720CE-C7D3-4A5C-8403-BFD577C2FDCF}"/>
+                  </a:ext>
+                </a:extLst>
+              </p:cNvPr>
+              <p:cNvSpPr/>
+              <p:nvPr/>
+            </p:nvSpPr>
+            <p:spPr>
+              <a:xfrm>
+                <a:off x="7938238" y="2830696"/>
+                <a:ext cx="526467" cy="299072"/>
+              </a:xfrm>
+              <a:prstGeom prst="rect">
+                <a:avLst/>
+              </a:prstGeom>
+              <a:solidFill>
+                <a:schemeClr val="bg1"/>
+              </a:solidFill>
+              <a:ln>
+                <a:noFill/>
+              </a:ln>
+            </p:spPr>
+            <p:style>
+              <a:lnRef idx="2">
+                <a:schemeClr val="accent1">
+                  <a:shade val="50000"/>
+                </a:schemeClr>
+              </a:lnRef>
+              <a:fillRef idx="1">
+                <a:schemeClr val="accent1"/>
+              </a:fillRef>
+              <a:effectRef idx="0">
+                <a:schemeClr val="accent1"/>
+              </a:effectRef>
+              <a:fontRef idx="minor">
+                <a:schemeClr val="lt1"/>
+              </a:fontRef>
+            </p:style>
+            <p:txBody>
+              <a:bodyPr rtlCol="0" anchor="ctr"/>
+              <a:lstStyle/>
+              <a:p>
+                <a:pPr algn="ctr"/>
+                <a:r>
+                  <a:rPr lang="en-AU" sz="900" dirty="0">
+                    <a:solidFill>
+                      <a:schemeClr val="tx1"/>
+                    </a:solidFill>
+                    <a:latin typeface="Arial" panose="020B0604020202020204" pitchFamily="34" charset="0"/>
+                    <a:cs typeface="Arial" panose="020B0604020202020204" pitchFamily="34" charset="0"/>
+                  </a:rPr>
+                  <a:t>-0.045</a:t>
+                </a:r>
+                <a:endParaRPr lang="en-US" sz="900" dirty="0">
+                  <a:solidFill>
+                    <a:schemeClr val="tx1"/>
+                  </a:solidFill>
+                  <a:latin typeface="Arial" panose="020B0604020202020204" pitchFamily="34" charset="0"/>
+                  <a:cs typeface="Arial" panose="020B0604020202020204" pitchFamily="34" charset="0"/>
+                </a:endParaRPr>
+              </a:p>
+            </p:txBody>
+          </p:sp>
+          <p:sp>
+            <p:nvSpPr>
+              <p:cNvPr id="158" name="Rectangle 157">
+                <a:extLst>
+                  <a:ext uri="{FF2B5EF4-FFF2-40B4-BE49-F238E27FC236}">
+                    <a16:creationId xmlns:a16="http://schemas.microsoft.com/office/drawing/2014/main" id="{36C3A47C-D693-4C00-B7A9-46FAFBC09A89}"/>
+                  </a:ext>
+                </a:extLst>
+              </p:cNvPr>
+              <p:cNvSpPr/>
+              <p:nvPr/>
+            </p:nvSpPr>
+            <p:spPr>
+              <a:xfrm>
+                <a:off x="5770344" y="2050277"/>
+                <a:ext cx="526467" cy="299072"/>
+              </a:xfrm>
+              <a:prstGeom prst="rect">
+                <a:avLst/>
+              </a:prstGeom>
+              <a:solidFill>
+                <a:schemeClr val="bg1"/>
+              </a:solidFill>
+              <a:ln>
+                <a:noFill/>
+              </a:ln>
+            </p:spPr>
+            <p:style>
+              <a:lnRef idx="2">
+                <a:schemeClr val="accent1">
+                  <a:shade val="50000"/>
+                </a:schemeClr>
+              </a:lnRef>
+              <a:fillRef idx="1">
+                <a:schemeClr val="accent1"/>
+              </a:fillRef>
+              <a:effectRef idx="0">
+                <a:schemeClr val="accent1"/>
+              </a:effectRef>
+              <a:fontRef idx="minor">
+                <a:schemeClr val="lt1"/>
+              </a:fontRef>
+            </p:style>
+            <p:txBody>
+              <a:bodyPr rtlCol="0" anchor="ctr"/>
+              <a:lstStyle/>
+              <a:p>
+                <a:pPr algn="ctr"/>
+                <a:r>
+                  <a:rPr lang="en-AU" sz="900" dirty="0">
+                    <a:solidFill>
+                      <a:schemeClr val="tx1"/>
+                    </a:solidFill>
+                    <a:latin typeface="Arial" panose="020B0604020202020204" pitchFamily="34" charset="0"/>
+                    <a:cs typeface="Arial" panose="020B0604020202020204" pitchFamily="34" charset="0"/>
+                  </a:rPr>
+                  <a:t>0.528</a:t>
+                </a:r>
+                <a:endParaRPr lang="en-US" sz="900" dirty="0">
+                  <a:solidFill>
+                    <a:schemeClr val="tx1"/>
+                  </a:solidFill>
+                  <a:latin typeface="Arial" panose="020B0604020202020204" pitchFamily="34" charset="0"/>
+                  <a:cs typeface="Arial" panose="020B0604020202020204" pitchFamily="34" charset="0"/>
+                </a:endParaRPr>
+              </a:p>
+            </p:txBody>
+          </p:sp>
+          <p:sp>
+            <p:nvSpPr>
+              <p:cNvPr id="159" name="Rectangle 158">
+                <a:extLst>
+                  <a:ext uri="{FF2B5EF4-FFF2-40B4-BE49-F238E27FC236}">
+                    <a16:creationId xmlns:a16="http://schemas.microsoft.com/office/drawing/2014/main" id="{C7E16F07-D02B-4ACC-AA86-0E2FB730D25C}"/>
+                  </a:ext>
+                </a:extLst>
+              </p:cNvPr>
+              <p:cNvSpPr/>
+              <p:nvPr/>
+            </p:nvSpPr>
+            <p:spPr>
+              <a:xfrm>
+                <a:off x="4470372" y="2362635"/>
+                <a:ext cx="526467" cy="299072"/>
+              </a:xfrm>
+              <a:prstGeom prst="rect">
+                <a:avLst/>
+              </a:prstGeom>
+              <a:solidFill>
+                <a:schemeClr val="bg1"/>
+              </a:solidFill>
+              <a:ln>
+                <a:noFill/>
+              </a:ln>
+            </p:spPr>
+            <p:style>
+              <a:lnRef idx="2">
+                <a:schemeClr val="accent1">
+                  <a:shade val="50000"/>
+                </a:schemeClr>
+              </a:lnRef>
+              <a:fillRef idx="1">
+                <a:schemeClr val="accent1"/>
+              </a:fillRef>
+              <a:effectRef idx="0">
+                <a:schemeClr val="accent1"/>
+              </a:effectRef>
+              <a:fontRef idx="minor">
+                <a:schemeClr val="lt1"/>
+              </a:fontRef>
+            </p:style>
+            <p:txBody>
+              <a:bodyPr rtlCol="0" anchor="ctr"/>
+              <a:lstStyle/>
+              <a:p>
+                <a:pPr algn="ctr"/>
+                <a:r>
+                  <a:rPr lang="en-AU" sz="900" dirty="0">
+                    <a:solidFill>
+                      <a:schemeClr val="tx1"/>
+                    </a:solidFill>
+                    <a:latin typeface="Arial" panose="020B0604020202020204" pitchFamily="34" charset="0"/>
+                    <a:cs typeface="Arial" panose="020B0604020202020204" pitchFamily="34" charset="0"/>
+                  </a:rPr>
+                  <a:t>0.156</a:t>
+                </a:r>
+                <a:endParaRPr lang="en-US" sz="900" dirty="0">
+                  <a:solidFill>
+                    <a:schemeClr val="tx1"/>
+                  </a:solidFill>
+                  <a:latin typeface="Arial" panose="020B0604020202020204" pitchFamily="34" charset="0"/>
+                  <a:cs typeface="Arial" panose="020B0604020202020204" pitchFamily="34" charset="0"/>
+                </a:endParaRPr>
+              </a:p>
+            </p:txBody>
+          </p:sp>
+          <p:sp>
+            <p:nvSpPr>
+              <p:cNvPr id="160" name="Rectangle 159">
+                <a:extLst>
+                  <a:ext uri="{FF2B5EF4-FFF2-40B4-BE49-F238E27FC236}">
+                    <a16:creationId xmlns:a16="http://schemas.microsoft.com/office/drawing/2014/main" id="{EBE2645E-A423-4510-BC30-7C0AA08315DA}"/>
+                  </a:ext>
+                </a:extLst>
+              </p:cNvPr>
+              <p:cNvSpPr/>
+              <p:nvPr/>
+            </p:nvSpPr>
+            <p:spPr>
+              <a:xfrm>
+                <a:off x="5610556" y="3577631"/>
+                <a:ext cx="526467" cy="299072"/>
+              </a:xfrm>
+              <a:prstGeom prst="rect">
+                <a:avLst/>
+              </a:prstGeom>
+              <a:solidFill>
+                <a:schemeClr val="bg1"/>
+              </a:solidFill>
+              <a:ln>
+                <a:noFill/>
+              </a:ln>
+            </p:spPr>
+            <p:style>
+              <a:lnRef idx="2">
+                <a:schemeClr val="accent1">
+                  <a:shade val="50000"/>
+                </a:schemeClr>
+              </a:lnRef>
+              <a:fillRef idx="1">
+                <a:schemeClr val="accent1"/>
+              </a:fillRef>
+              <a:effectRef idx="0">
+                <a:schemeClr val="accent1"/>
+              </a:effectRef>
+              <a:fontRef idx="minor">
+                <a:schemeClr val="lt1"/>
+              </a:fontRef>
+            </p:style>
+            <p:txBody>
+              <a:bodyPr rtlCol="0" anchor="ctr"/>
+              <a:lstStyle/>
+              <a:p>
+                <a:pPr algn="ctr"/>
+                <a:r>
+                  <a:rPr lang="en-AU" sz="900" dirty="0">
+                    <a:solidFill>
+                      <a:schemeClr val="tx1"/>
+                    </a:solidFill>
+                    <a:latin typeface="Arial" panose="020B0604020202020204" pitchFamily="34" charset="0"/>
+                    <a:cs typeface="Arial" panose="020B0604020202020204" pitchFamily="34" charset="0"/>
+                  </a:rPr>
+                  <a:t>0.207</a:t>
+                </a:r>
+                <a:endParaRPr lang="en-US" sz="900" dirty="0">
+                  <a:solidFill>
+                    <a:schemeClr val="tx1"/>
+                  </a:solidFill>
+                  <a:latin typeface="Arial" panose="020B0604020202020204" pitchFamily="34" charset="0"/>
+                  <a:cs typeface="Arial" panose="020B0604020202020204" pitchFamily="34" charset="0"/>
+                </a:endParaRPr>
+              </a:p>
+            </p:txBody>
+          </p:sp>
+          <p:sp>
+            <p:nvSpPr>
+              <p:cNvPr id="161" name="Rectangle 160">
+                <a:extLst>
+                  <a:ext uri="{FF2B5EF4-FFF2-40B4-BE49-F238E27FC236}">
+                    <a16:creationId xmlns:a16="http://schemas.microsoft.com/office/drawing/2014/main" id="{F90E7C14-B5E0-45D4-8C65-49587EE4CAF6}"/>
+                  </a:ext>
+                </a:extLst>
+              </p:cNvPr>
+              <p:cNvSpPr/>
+              <p:nvPr/>
+            </p:nvSpPr>
+            <p:spPr>
+              <a:xfrm>
+                <a:off x="6862779" y="1927038"/>
+                <a:ext cx="526467" cy="299072"/>
+              </a:xfrm>
+              <a:prstGeom prst="rect">
+                <a:avLst/>
+              </a:prstGeom>
+              <a:solidFill>
+                <a:schemeClr val="bg1"/>
+              </a:solidFill>
+              <a:ln>
+                <a:noFill/>
+              </a:ln>
+            </p:spPr>
+            <p:style>
+              <a:lnRef idx="2">
+                <a:schemeClr val="accent1">
+                  <a:shade val="50000"/>
+                </a:schemeClr>
+              </a:lnRef>
+              <a:fillRef idx="1">
+                <a:schemeClr val="accent1"/>
+              </a:fillRef>
+              <a:effectRef idx="0">
+                <a:schemeClr val="accent1"/>
+              </a:effectRef>
+              <a:fontRef idx="minor">
+                <a:schemeClr val="lt1"/>
+              </a:fontRef>
+            </p:style>
+            <p:txBody>
+              <a:bodyPr rtlCol="0" anchor="ctr"/>
+              <a:lstStyle/>
+              <a:p>
+                <a:pPr algn="ctr"/>
+                <a:r>
+                  <a:rPr lang="en-AU" sz="900" dirty="0">
+                    <a:solidFill>
+                      <a:schemeClr val="tx1"/>
+                    </a:solidFill>
+                    <a:latin typeface="Arial" panose="020B0604020202020204" pitchFamily="34" charset="0"/>
+                    <a:cs typeface="Arial" panose="020B0604020202020204" pitchFamily="34" charset="0"/>
+                  </a:rPr>
+                  <a:t>0.124</a:t>
+                </a:r>
+                <a:endParaRPr lang="en-US" sz="900" dirty="0">
+                  <a:solidFill>
+                    <a:schemeClr val="tx1"/>
+                  </a:solidFill>
+                  <a:latin typeface="Arial" panose="020B0604020202020204" pitchFamily="34" charset="0"/>
+                  <a:cs typeface="Arial" panose="020B0604020202020204" pitchFamily="34" charset="0"/>
+                </a:endParaRPr>
+              </a:p>
+            </p:txBody>
+          </p:sp>
+          <p:sp>
+            <p:nvSpPr>
+              <p:cNvPr id="163" name="Rectangle 162">
+                <a:extLst>
+                  <a:ext uri="{FF2B5EF4-FFF2-40B4-BE49-F238E27FC236}">
+                    <a16:creationId xmlns:a16="http://schemas.microsoft.com/office/drawing/2014/main" id="{76494C8D-56ED-4BAF-804E-D44FD230CE03}"/>
+                  </a:ext>
+                </a:extLst>
+              </p:cNvPr>
+              <p:cNvSpPr/>
+              <p:nvPr/>
+            </p:nvSpPr>
+            <p:spPr>
+              <a:xfrm>
+                <a:off x="7316516" y="2362635"/>
+                <a:ext cx="526467" cy="299072"/>
+              </a:xfrm>
+              <a:prstGeom prst="rect">
+                <a:avLst/>
+              </a:prstGeom>
+              <a:solidFill>
+                <a:schemeClr val="bg1"/>
+              </a:solidFill>
+              <a:ln>
+                <a:noFill/>
+              </a:ln>
+            </p:spPr>
+            <p:style>
+              <a:lnRef idx="2">
+                <a:schemeClr val="accent1">
+                  <a:shade val="50000"/>
+                </a:schemeClr>
+              </a:lnRef>
+              <a:fillRef idx="1">
+                <a:schemeClr val="accent1"/>
+              </a:fillRef>
+              <a:effectRef idx="0">
+                <a:schemeClr val="accent1"/>
+              </a:effectRef>
+              <a:fontRef idx="minor">
+                <a:schemeClr val="lt1"/>
+              </a:fontRef>
+            </p:style>
+            <p:txBody>
+              <a:bodyPr rtlCol="0" anchor="ctr"/>
+              <a:lstStyle/>
+              <a:p>
+                <a:pPr algn="ctr"/>
+                <a:r>
+                  <a:rPr lang="en-AU" sz="900" dirty="0">
+                    <a:solidFill>
+                      <a:schemeClr val="tx1"/>
+                    </a:solidFill>
+                    <a:latin typeface="Arial" panose="020B0604020202020204" pitchFamily="34" charset="0"/>
+                    <a:cs typeface="Arial" panose="020B0604020202020204" pitchFamily="34" charset="0"/>
+                  </a:rPr>
+                  <a:t>0.293</a:t>
+                </a:r>
+                <a:endParaRPr lang="en-US" sz="900" dirty="0">
+                  <a:solidFill>
+                    <a:schemeClr val="tx1"/>
+                  </a:solidFill>
+                  <a:latin typeface="Arial" panose="020B0604020202020204" pitchFamily="34" charset="0"/>
+                  <a:cs typeface="Arial" panose="020B0604020202020204" pitchFamily="34" charset="0"/>
+                </a:endParaRPr>
+              </a:p>
+            </p:txBody>
+          </p:sp>
+          <p:sp>
+            <p:nvSpPr>
+              <p:cNvPr id="164" name="Rectangle 163">
+                <a:extLst>
+                  <a:ext uri="{FF2B5EF4-FFF2-40B4-BE49-F238E27FC236}">
+                    <a16:creationId xmlns:a16="http://schemas.microsoft.com/office/drawing/2014/main" id="{AEC39669-EB69-4BC6-A782-40FBB346D73F}"/>
+                  </a:ext>
+                </a:extLst>
+              </p:cNvPr>
+              <p:cNvSpPr/>
+              <p:nvPr/>
+            </p:nvSpPr>
+            <p:spPr>
+              <a:xfrm>
+                <a:off x="6760870" y="3333801"/>
+                <a:ext cx="526467" cy="299072"/>
+              </a:xfrm>
+              <a:prstGeom prst="rect">
+                <a:avLst/>
+              </a:prstGeom>
+              <a:solidFill>
+                <a:schemeClr val="bg1"/>
+              </a:solidFill>
+              <a:ln>
+                <a:noFill/>
+              </a:ln>
+            </p:spPr>
+            <p:style>
+              <a:lnRef idx="2">
+                <a:schemeClr val="accent1">
+                  <a:shade val="50000"/>
+                </a:schemeClr>
+              </a:lnRef>
+              <a:fillRef idx="1">
+                <a:schemeClr val="accent1"/>
+              </a:fillRef>
+              <a:effectRef idx="0">
+                <a:schemeClr val="accent1"/>
+              </a:effectRef>
+              <a:fontRef idx="minor">
+                <a:schemeClr val="lt1"/>
+              </a:fontRef>
+            </p:style>
+            <p:txBody>
+              <a:bodyPr rtlCol="0" anchor="ctr"/>
+              <a:lstStyle/>
+              <a:p>
+                <a:pPr algn="ctr"/>
+                <a:r>
+                  <a:rPr lang="en-AU" sz="900" dirty="0">
+                    <a:solidFill>
+                      <a:schemeClr val="tx1"/>
+                    </a:solidFill>
+                    <a:latin typeface="Arial" panose="020B0604020202020204" pitchFamily="34" charset="0"/>
+                    <a:cs typeface="Arial" panose="020B0604020202020204" pitchFamily="34" charset="0"/>
+                  </a:rPr>
+                  <a:t>0.856</a:t>
+                </a:r>
+                <a:endParaRPr lang="en-US" sz="900" dirty="0">
+                  <a:solidFill>
+                    <a:schemeClr val="tx1"/>
+                  </a:solidFill>
+                  <a:latin typeface="Arial" panose="020B0604020202020204" pitchFamily="34" charset="0"/>
+                  <a:cs typeface="Arial" panose="020B0604020202020204" pitchFamily="34" charset="0"/>
+                </a:endParaRPr>
+              </a:p>
+            </p:txBody>
+          </p:sp>
+          <p:cxnSp>
+            <p:nvCxnSpPr>
+              <p:cNvPr id="165" name="Straight Arrow Connector 164">
+                <a:extLst>
+                  <a:ext uri="{FF2B5EF4-FFF2-40B4-BE49-F238E27FC236}">
+                    <a16:creationId xmlns:a16="http://schemas.microsoft.com/office/drawing/2014/main" id="{48B1247F-BE62-44CF-BBDD-F26568C3DFC4}"/>
+                  </a:ext>
+                </a:extLst>
+              </p:cNvPr>
+              <p:cNvCxnSpPr>
+                <a:cxnSpLocks/>
+                <a:endCxn id="169" idx="1"/>
+              </p:cNvCxnSpPr>
+              <p:nvPr/>
+            </p:nvCxnSpPr>
+            <p:spPr>
+              <a:xfrm>
+                <a:off x="4498006" y="2054586"/>
+                <a:ext cx="809674" cy="789586"/>
+              </a:xfrm>
+              <a:prstGeom prst="straightConnector1">
+                <a:avLst/>
+              </a:prstGeom>
+              <a:ln w="38100">
+                <a:solidFill>
+                  <a:schemeClr val="tx1"/>
+                </a:solidFill>
+                <a:tailEnd type="triangle"/>
+              </a:ln>
+            </p:spPr>
+            <p:style>
+              <a:lnRef idx="1">
+                <a:schemeClr val="accent1"/>
+              </a:lnRef>
+              <a:fillRef idx="0">
+                <a:schemeClr val="accent1"/>
+              </a:fillRef>
+              <a:effectRef idx="0">
+                <a:schemeClr val="accent1"/>
+              </a:effectRef>
+              <a:fontRef idx="minor">
+                <a:schemeClr val="tx1"/>
+              </a:fontRef>
+            </p:style>
+          </p:cxnSp>
+          <p:cxnSp>
+            <p:nvCxnSpPr>
+              <p:cNvPr id="166" name="Straight Arrow Connector 165">
+                <a:extLst>
+                  <a:ext uri="{FF2B5EF4-FFF2-40B4-BE49-F238E27FC236}">
+                    <a16:creationId xmlns:a16="http://schemas.microsoft.com/office/drawing/2014/main" id="{24D5EDAA-8326-4338-B3CA-B2994429E887}"/>
+                  </a:ext>
+                </a:extLst>
+              </p:cNvPr>
+              <p:cNvCxnSpPr>
+                <a:cxnSpLocks/>
+              </p:cNvCxnSpPr>
+              <p:nvPr/>
+            </p:nvCxnSpPr>
+            <p:spPr>
+              <a:xfrm>
+                <a:off x="6141078" y="2989749"/>
+                <a:ext cx="1481873" cy="1170674"/>
+              </a:xfrm>
+              <a:prstGeom prst="straightConnector1">
+                <a:avLst/>
+              </a:prstGeom>
+              <a:ln w="38100">
+                <a:solidFill>
+                  <a:schemeClr val="tx1"/>
+                </a:solidFill>
+                <a:tailEnd type="triangle"/>
+              </a:ln>
+            </p:spPr>
+            <p:style>
+              <a:lnRef idx="1">
+                <a:schemeClr val="accent1"/>
+              </a:lnRef>
+              <a:fillRef idx="0">
+                <a:schemeClr val="accent1"/>
+              </a:fillRef>
+              <a:effectRef idx="0">
+                <a:schemeClr val="accent1"/>
+              </a:effectRef>
+              <a:fontRef idx="minor">
+                <a:schemeClr val="tx1"/>
+              </a:fontRef>
+            </p:style>
+          </p:cxnSp>
+          <p:cxnSp>
+            <p:nvCxnSpPr>
+              <p:cNvPr id="168" name="Straight Arrow Connector 167">
+                <a:extLst>
+                  <a:ext uri="{FF2B5EF4-FFF2-40B4-BE49-F238E27FC236}">
+                    <a16:creationId xmlns:a16="http://schemas.microsoft.com/office/drawing/2014/main" id="{49BDB8EE-3E95-48C2-899E-CE37FDEE00C1}"/>
+                  </a:ext>
+                </a:extLst>
+              </p:cNvPr>
+              <p:cNvCxnSpPr>
+                <a:cxnSpLocks/>
+                <a:endCxn id="174" idx="0"/>
+              </p:cNvCxnSpPr>
+              <p:nvPr/>
+            </p:nvCxnSpPr>
+            <p:spPr>
+              <a:xfrm>
+                <a:off x="6658308" y="1666988"/>
+                <a:ext cx="1531678" cy="2384993"/>
+              </a:xfrm>
+              <a:prstGeom prst="straightConnector1">
+                <a:avLst/>
+              </a:prstGeom>
+              <a:ln w="38100">
+                <a:solidFill>
+                  <a:schemeClr val="tx1"/>
+                </a:solidFill>
+                <a:tailEnd type="triangle"/>
+              </a:ln>
+            </p:spPr>
+            <p:style>
+              <a:lnRef idx="1">
+                <a:schemeClr val="accent1"/>
+              </a:lnRef>
+              <a:fillRef idx="0">
+                <a:schemeClr val="accent1"/>
+              </a:fillRef>
+              <a:effectRef idx="0">
+                <a:schemeClr val="accent1"/>
+              </a:effectRef>
+              <a:fontRef idx="minor">
+                <a:schemeClr val="tx1"/>
+              </a:fontRef>
+            </p:style>
+          </p:cxnSp>
+          <p:sp>
+            <p:nvSpPr>
+              <p:cNvPr id="169" name="Rectangle 168">
+                <a:extLst>
+                  <a:ext uri="{FF2B5EF4-FFF2-40B4-BE49-F238E27FC236}">
+                    <a16:creationId xmlns:a16="http://schemas.microsoft.com/office/drawing/2014/main" id="{54329E15-1FC5-49DC-8368-9154EA4F56A2}"/>
+                  </a:ext>
+                </a:extLst>
+              </p:cNvPr>
+              <p:cNvSpPr/>
+              <p:nvPr/>
+            </p:nvSpPr>
+            <p:spPr>
+              <a:xfrm>
+                <a:off x="5307680" y="2609864"/>
+                <a:ext cx="1109630" cy="468616"/>
+              </a:xfrm>
+              <a:prstGeom prst="rect">
+                <a:avLst/>
+              </a:prstGeom>
+              <a:solidFill>
+                <a:schemeClr val="bg1"/>
+              </a:solidFill>
+              <a:ln w="28575">
+                <a:solidFill>
+                  <a:schemeClr val="tx1"/>
+                </a:solidFill>
+              </a:ln>
+            </p:spPr>
+            <p:style>
+              <a:lnRef idx="2">
+                <a:schemeClr val="accent1">
+                  <a:shade val="50000"/>
+                </a:schemeClr>
+              </a:lnRef>
+              <a:fillRef idx="1">
+                <a:schemeClr val="accent1"/>
+              </a:fillRef>
+              <a:effectRef idx="0">
+                <a:schemeClr val="accent1"/>
+              </a:effectRef>
+              <a:fontRef idx="minor">
+                <a:schemeClr val="lt1"/>
+              </a:fontRef>
+            </p:style>
+            <p:txBody>
+              <a:bodyPr rtlCol="0" anchor="ctr"/>
+              <a:lstStyle/>
+              <a:p>
+                <a:pPr algn="ctr"/>
+                <a:r>
+                  <a:rPr lang="en-AU" sz="1000" dirty="0">
+                    <a:solidFill>
+                      <a:schemeClr val="tx1"/>
+                    </a:solidFill>
+                    <a:latin typeface="Arial" panose="020B0604020202020204" pitchFamily="34" charset="0"/>
+                    <a:cs typeface="Arial" panose="020B0604020202020204" pitchFamily="34" charset="0"/>
+                  </a:rPr>
+                  <a:t>Species richness</a:t>
+                </a:r>
+                <a:endParaRPr lang="en-US" sz="1000" dirty="0">
+                  <a:solidFill>
+                    <a:schemeClr val="tx1"/>
+                  </a:solidFill>
+                  <a:latin typeface="Arial" panose="020B0604020202020204" pitchFamily="34" charset="0"/>
+                  <a:cs typeface="Arial" panose="020B0604020202020204" pitchFamily="34" charset="0"/>
+                </a:endParaRPr>
+              </a:p>
+            </p:txBody>
+          </p:sp>
+          <p:sp>
+            <p:nvSpPr>
+              <p:cNvPr id="170" name="Rectangle 169">
+                <a:extLst>
+                  <a:ext uri="{FF2B5EF4-FFF2-40B4-BE49-F238E27FC236}">
+                    <a16:creationId xmlns:a16="http://schemas.microsoft.com/office/drawing/2014/main" id="{08D2B07D-A09D-4224-9DCE-7684439C5402}"/>
+                  </a:ext>
+                </a:extLst>
+              </p:cNvPr>
+              <p:cNvSpPr/>
+              <p:nvPr/>
+            </p:nvSpPr>
+            <p:spPr>
+              <a:xfrm>
+                <a:off x="7903257" y="1959338"/>
+                <a:ext cx="1109630" cy="468616"/>
+              </a:xfrm>
+              <a:prstGeom prst="rect">
+                <a:avLst/>
+              </a:prstGeom>
+              <a:solidFill>
+                <a:schemeClr val="bg1"/>
+              </a:solidFill>
+              <a:ln w="28575">
+                <a:solidFill>
+                  <a:schemeClr val="tx1"/>
+                </a:solidFill>
+              </a:ln>
+            </p:spPr>
+            <p:style>
+              <a:lnRef idx="2">
+                <a:schemeClr val="accent1">
+                  <a:shade val="50000"/>
+                </a:schemeClr>
+              </a:lnRef>
+              <a:fillRef idx="1">
+                <a:schemeClr val="accent1"/>
+              </a:fillRef>
+              <a:effectRef idx="0">
+                <a:schemeClr val="accent1"/>
+              </a:effectRef>
+              <a:fontRef idx="minor">
+                <a:schemeClr val="lt1"/>
+              </a:fontRef>
+            </p:style>
+            <p:txBody>
+              <a:bodyPr rtlCol="0" anchor="ctr"/>
+              <a:lstStyle/>
+              <a:p>
+                <a:pPr algn="ctr"/>
+                <a:r>
+                  <a:rPr lang="en-AU" sz="1000" dirty="0">
+                    <a:solidFill>
+                      <a:schemeClr val="tx1"/>
+                    </a:solidFill>
+                    <a:latin typeface="Arial" panose="020B0604020202020204" pitchFamily="34" charset="0"/>
+                    <a:cs typeface="Arial" panose="020B0604020202020204" pitchFamily="34" charset="0"/>
+                  </a:rPr>
+                  <a:t>Heterogeneity</a:t>
+                </a:r>
+                <a:endParaRPr lang="en-US" sz="1000" dirty="0">
+                  <a:solidFill>
+                    <a:schemeClr val="tx1"/>
+                  </a:solidFill>
+                  <a:latin typeface="Arial" panose="020B0604020202020204" pitchFamily="34" charset="0"/>
+                  <a:cs typeface="Arial" panose="020B0604020202020204" pitchFamily="34" charset="0"/>
+                </a:endParaRPr>
+              </a:p>
+            </p:txBody>
+          </p:sp>
+          <p:sp>
+            <p:nvSpPr>
+              <p:cNvPr id="171" name="Rectangle 170">
+                <a:extLst>
+                  <a:ext uri="{FF2B5EF4-FFF2-40B4-BE49-F238E27FC236}">
+                    <a16:creationId xmlns:a16="http://schemas.microsoft.com/office/drawing/2014/main" id="{7E8D7101-D62B-4D01-B8C1-0107080B0705}"/>
+                  </a:ext>
+                </a:extLst>
+              </p:cNvPr>
+              <p:cNvSpPr/>
+              <p:nvPr/>
+            </p:nvSpPr>
+            <p:spPr>
+              <a:xfrm>
+                <a:off x="6143596" y="1347908"/>
+                <a:ext cx="1109630" cy="468616"/>
+              </a:xfrm>
+              <a:prstGeom prst="rect">
+                <a:avLst/>
+              </a:prstGeom>
+              <a:solidFill>
+                <a:schemeClr val="bg1"/>
+              </a:solidFill>
+              <a:ln w="28575">
+                <a:solidFill>
+                  <a:schemeClr val="tx1"/>
+                </a:solidFill>
+              </a:ln>
+            </p:spPr>
+            <p:style>
+              <a:lnRef idx="2">
+                <a:schemeClr val="accent1">
+                  <a:shade val="50000"/>
+                </a:schemeClr>
+              </a:lnRef>
+              <a:fillRef idx="1">
+                <a:schemeClr val="accent1"/>
+              </a:fillRef>
+              <a:effectRef idx="0">
+                <a:schemeClr val="accent1"/>
+              </a:effectRef>
+              <a:fontRef idx="minor">
+                <a:schemeClr val="lt1"/>
+              </a:fontRef>
+            </p:style>
+            <p:txBody>
+              <a:bodyPr rtlCol="0" anchor="ctr"/>
+              <a:lstStyle/>
+              <a:p>
+                <a:pPr algn="ctr"/>
+                <a:r>
+                  <a:rPr lang="en-AU" sz="1000" dirty="0">
+                    <a:solidFill>
+                      <a:schemeClr val="tx1"/>
+                    </a:solidFill>
+                    <a:latin typeface="Arial" panose="020B0604020202020204" pitchFamily="34" charset="0"/>
+                    <a:cs typeface="Arial" panose="020B0604020202020204" pitchFamily="34" charset="0"/>
+                  </a:rPr>
+                  <a:t>Urban cover</a:t>
+                </a:r>
+                <a:endParaRPr lang="en-US" sz="1000" dirty="0">
+                  <a:solidFill>
+                    <a:schemeClr val="tx1"/>
+                  </a:solidFill>
+                  <a:latin typeface="Arial" panose="020B0604020202020204" pitchFamily="34" charset="0"/>
+                  <a:cs typeface="Arial" panose="020B0604020202020204" pitchFamily="34" charset="0"/>
+                </a:endParaRPr>
+              </a:p>
+            </p:txBody>
+          </p:sp>
+          <p:sp>
+            <p:nvSpPr>
+              <p:cNvPr id="172" name="Rectangle 171">
+                <a:extLst>
+                  <a:ext uri="{FF2B5EF4-FFF2-40B4-BE49-F238E27FC236}">
+                    <a16:creationId xmlns:a16="http://schemas.microsoft.com/office/drawing/2014/main" id="{14BEBFC5-9270-4B9A-995E-ACAA4114B480}"/>
+                  </a:ext>
+                </a:extLst>
+              </p:cNvPr>
+              <p:cNvSpPr/>
+              <p:nvPr/>
+            </p:nvSpPr>
+            <p:spPr>
+              <a:xfrm>
+                <a:off x="4114828" y="1649265"/>
+                <a:ext cx="1109630" cy="468616"/>
+              </a:xfrm>
+              <a:prstGeom prst="rect">
+                <a:avLst/>
+              </a:prstGeom>
+              <a:solidFill>
+                <a:schemeClr val="bg1"/>
+              </a:solidFill>
+              <a:ln w="28575">
+                <a:solidFill>
+                  <a:schemeClr val="tx1"/>
+                </a:solidFill>
+              </a:ln>
+            </p:spPr>
+            <p:style>
+              <a:lnRef idx="2">
+                <a:schemeClr val="accent1">
+                  <a:shade val="50000"/>
+                </a:schemeClr>
+              </a:lnRef>
+              <a:fillRef idx="1">
+                <a:schemeClr val="accent1"/>
+              </a:fillRef>
+              <a:effectRef idx="0">
+                <a:schemeClr val="accent1"/>
+              </a:effectRef>
+              <a:fontRef idx="minor">
+                <a:schemeClr val="lt1"/>
+              </a:fontRef>
+            </p:style>
+            <p:txBody>
+              <a:bodyPr rtlCol="0" anchor="ctr"/>
+              <a:lstStyle/>
+              <a:p>
+                <a:pPr algn="ctr"/>
+                <a:r>
+                  <a:rPr lang="en-AU" sz="1000" dirty="0">
+                    <a:solidFill>
+                      <a:schemeClr val="tx1"/>
+                    </a:solidFill>
+                    <a:latin typeface="Arial" panose="020B0604020202020204" pitchFamily="34" charset="0"/>
+                    <a:cs typeface="Arial" panose="020B0604020202020204" pitchFamily="34" charset="0"/>
+                  </a:rPr>
+                  <a:t>Water cover</a:t>
+                </a:r>
+                <a:endParaRPr lang="en-US" sz="1000" dirty="0">
+                  <a:solidFill>
+                    <a:schemeClr val="tx1"/>
+                  </a:solidFill>
+                  <a:latin typeface="Arial" panose="020B0604020202020204" pitchFamily="34" charset="0"/>
+                  <a:cs typeface="Arial" panose="020B0604020202020204" pitchFamily="34" charset="0"/>
+                </a:endParaRPr>
+              </a:p>
+            </p:txBody>
+          </p:sp>
+          <p:sp>
+            <p:nvSpPr>
+              <p:cNvPr id="174" name="Rectangle 173">
+                <a:extLst>
+                  <a:ext uri="{FF2B5EF4-FFF2-40B4-BE49-F238E27FC236}">
+                    <a16:creationId xmlns:a16="http://schemas.microsoft.com/office/drawing/2014/main" id="{123BD154-0AD6-4F7D-9569-87DE6BFFA752}"/>
+                  </a:ext>
+                </a:extLst>
+              </p:cNvPr>
+              <p:cNvSpPr/>
+              <p:nvPr/>
+            </p:nvSpPr>
+            <p:spPr>
+              <a:xfrm>
+                <a:off x="7635171" y="4051981"/>
+                <a:ext cx="1109630" cy="468616"/>
+              </a:xfrm>
+              <a:prstGeom prst="rect">
+                <a:avLst/>
+              </a:prstGeom>
+              <a:solidFill>
+                <a:schemeClr val="bg1"/>
+              </a:solidFill>
+              <a:ln w="28575">
+                <a:solidFill>
+                  <a:schemeClr val="tx1"/>
+                </a:solidFill>
+              </a:ln>
+            </p:spPr>
+            <p:style>
+              <a:lnRef idx="2">
+                <a:schemeClr val="accent1">
+                  <a:shade val="50000"/>
+                </a:schemeClr>
+              </a:lnRef>
+              <a:fillRef idx="1">
+                <a:schemeClr val="accent1"/>
+              </a:fillRef>
+              <a:effectRef idx="0">
+                <a:schemeClr val="accent1"/>
+              </a:effectRef>
+              <a:fontRef idx="minor">
+                <a:schemeClr val="lt1"/>
+              </a:fontRef>
+            </p:style>
+            <p:txBody>
+              <a:bodyPr rtlCol="0" anchor="ctr"/>
+              <a:lstStyle/>
+              <a:p>
+                <a:pPr algn="ctr"/>
+                <a:r>
+                  <a:rPr lang="en-AU" sz="1000" dirty="0">
+                    <a:solidFill>
+                      <a:schemeClr val="tx1"/>
+                    </a:solidFill>
+                    <a:latin typeface="Arial" panose="020B0604020202020204" pitchFamily="34" charset="0"/>
+                    <a:cs typeface="Arial" panose="020B0604020202020204" pitchFamily="34" charset="0"/>
+                  </a:rPr>
+                  <a:t>Number of checklists</a:t>
+                </a:r>
+                <a:endParaRPr lang="en-US" sz="1000" dirty="0">
+                  <a:solidFill>
+                    <a:schemeClr val="tx1"/>
+                  </a:solidFill>
+                  <a:latin typeface="Arial" panose="020B0604020202020204" pitchFamily="34" charset="0"/>
+                  <a:cs typeface="Arial" panose="020B0604020202020204" pitchFamily="34" charset="0"/>
+                </a:endParaRPr>
+              </a:p>
+            </p:txBody>
+          </p:sp>
+          <p:cxnSp>
+            <p:nvCxnSpPr>
+              <p:cNvPr id="177" name="Straight Arrow Connector 176">
+                <a:extLst>
+                  <a:ext uri="{FF2B5EF4-FFF2-40B4-BE49-F238E27FC236}">
+                    <a16:creationId xmlns:a16="http://schemas.microsoft.com/office/drawing/2014/main" id="{F1F3BA86-7020-4DF1-A329-514B70B95593}"/>
+                  </a:ext>
+                </a:extLst>
+              </p:cNvPr>
+              <p:cNvCxnSpPr>
+                <a:cxnSpLocks/>
+                <a:stCxn id="171" idx="2"/>
+                <a:endCxn id="169" idx="0"/>
+              </p:cNvCxnSpPr>
+              <p:nvPr/>
+            </p:nvCxnSpPr>
+            <p:spPr>
+              <a:xfrm flipH="1">
+                <a:off x="5862495" y="1816524"/>
+                <a:ext cx="835916" cy="793340"/>
+              </a:xfrm>
+              <a:prstGeom prst="straightConnector1">
+                <a:avLst/>
+              </a:prstGeom>
+              <a:ln w="38100">
+                <a:solidFill>
+                  <a:schemeClr val="tx1"/>
+                </a:solidFill>
+                <a:tailEnd type="triangle"/>
+              </a:ln>
+            </p:spPr>
+            <p:style>
+              <a:lnRef idx="1">
+                <a:schemeClr val="accent1"/>
+              </a:lnRef>
+              <a:fillRef idx="0">
+                <a:schemeClr val="accent1"/>
+              </a:fillRef>
+              <a:effectRef idx="0">
+                <a:schemeClr val="accent1"/>
+              </a:effectRef>
+              <a:fontRef idx="minor">
+                <a:schemeClr val="tx1"/>
+              </a:fontRef>
+            </p:style>
+          </p:cxnSp>
+          <p:cxnSp>
+            <p:nvCxnSpPr>
+              <p:cNvPr id="178" name="Straight Arrow Connector 177">
+                <a:extLst>
+                  <a:ext uri="{FF2B5EF4-FFF2-40B4-BE49-F238E27FC236}">
+                    <a16:creationId xmlns:a16="http://schemas.microsoft.com/office/drawing/2014/main" id="{4F518141-CB29-4A38-ACD4-0C7AFB15C671}"/>
+                  </a:ext>
+                </a:extLst>
+              </p:cNvPr>
+              <p:cNvCxnSpPr>
+                <a:cxnSpLocks/>
+                <a:stCxn id="170" idx="2"/>
+              </p:cNvCxnSpPr>
+              <p:nvPr/>
+            </p:nvCxnSpPr>
+            <p:spPr>
+              <a:xfrm>
+                <a:off x="8458072" y="2427954"/>
+                <a:ext cx="11785" cy="1624027"/>
+              </a:xfrm>
+              <a:prstGeom prst="straightConnector1">
+                <a:avLst/>
+              </a:prstGeom>
+              <a:ln w="38100">
+                <a:solidFill>
+                  <a:schemeClr val="tx1"/>
+                </a:solidFill>
+                <a:prstDash val="dash"/>
+                <a:tailEnd type="triangle"/>
+              </a:ln>
+            </p:spPr>
+            <p:style>
+              <a:lnRef idx="1">
+                <a:schemeClr val="accent1"/>
+              </a:lnRef>
+              <a:fillRef idx="0">
+                <a:schemeClr val="accent1"/>
+              </a:fillRef>
+              <a:effectRef idx="0">
+                <a:schemeClr val="accent1"/>
+              </a:effectRef>
+              <a:fontRef idx="minor">
+                <a:schemeClr val="tx1"/>
+              </a:fontRef>
+            </p:style>
+          </p:cxnSp>
+          <p:cxnSp>
+            <p:nvCxnSpPr>
+              <p:cNvPr id="179" name="Straight Arrow Connector 178">
+                <a:extLst>
+                  <a:ext uri="{FF2B5EF4-FFF2-40B4-BE49-F238E27FC236}">
+                    <a16:creationId xmlns:a16="http://schemas.microsoft.com/office/drawing/2014/main" id="{0C6A195D-5005-46AB-AB39-81808E7205DC}"/>
+                  </a:ext>
+                </a:extLst>
+              </p:cNvPr>
+              <p:cNvCxnSpPr>
+                <a:cxnSpLocks/>
+                <a:stCxn id="170" idx="1"/>
+                <a:endCxn id="169" idx="3"/>
+              </p:cNvCxnSpPr>
+              <p:nvPr/>
+            </p:nvCxnSpPr>
+            <p:spPr>
+              <a:xfrm flipH="1">
+                <a:off x="6417310" y="2193646"/>
+                <a:ext cx="1485947" cy="650526"/>
+              </a:xfrm>
+              <a:prstGeom prst="straightConnector1">
+                <a:avLst/>
+              </a:prstGeom>
+              <a:ln w="38100">
+                <a:solidFill>
+                  <a:schemeClr val="tx1"/>
+                </a:solidFill>
+                <a:tailEnd type="triangle"/>
+              </a:ln>
+            </p:spPr>
+            <p:style>
+              <a:lnRef idx="1">
+                <a:schemeClr val="accent1"/>
+              </a:lnRef>
+              <a:fillRef idx="0">
+                <a:schemeClr val="accent1"/>
+              </a:fillRef>
+              <a:effectRef idx="0">
+                <a:schemeClr val="accent1"/>
+              </a:effectRef>
+              <a:fontRef idx="minor">
+                <a:schemeClr val="tx1"/>
+              </a:fontRef>
+            </p:style>
+          </p:cxnSp>
+        </p:grpSp>
+        <p:sp>
+          <p:nvSpPr>
+            <p:cNvPr id="152" name="TextBox 151">
+              <a:extLst>
+                <a:ext uri="{FF2B5EF4-FFF2-40B4-BE49-F238E27FC236}">
+                  <a16:creationId xmlns:a16="http://schemas.microsoft.com/office/drawing/2014/main" id="{95F1CA60-34C4-4BC5-A246-533121FACC1E}"/>
+                </a:ext>
+              </a:extLst>
+            </p:cNvPr>
+            <p:cNvSpPr txBox="1"/>
+            <p:nvPr/>
+          </p:nvSpPr>
+          <p:spPr>
+            <a:xfrm>
+              <a:off x="1398262" y="833494"/>
+              <a:ext cx="1415959" cy="369332"/>
+            </a:xfrm>
+            <a:prstGeom prst="rect">
+              <a:avLst/>
+            </a:prstGeom>
+            <a:noFill/>
+          </p:spPr>
+          <p:txBody>
+            <a:bodyPr wrap="square" rtlCol="0">
+              <a:spAutoFit/>
+            </a:bodyPr>
+            <a:lstStyle/>
+            <a:p>
+              <a:r>
+                <a:rPr lang="en-AU" dirty="0">
+                  <a:latin typeface="Arial" panose="020B0604020202020204" pitchFamily="34" charset="0"/>
+                  <a:cs typeface="Arial" panose="020B0604020202020204" pitchFamily="34" charset="0"/>
+                </a:rPr>
+                <a:t>20 km</a:t>
+              </a:r>
+              <a:r>
+                <a:rPr lang="en-AU" baseline="30000" dirty="0">
+                  <a:latin typeface="Arial" panose="020B0604020202020204" pitchFamily="34" charset="0"/>
+                  <a:cs typeface="Arial" panose="020B0604020202020204" pitchFamily="34" charset="0"/>
+                </a:rPr>
+                <a:t>2</a:t>
+              </a:r>
+              <a:endParaRPr lang="en-US" baseline="30000" dirty="0">
+                <a:latin typeface="Arial" panose="020B0604020202020204" pitchFamily="34" charset="0"/>
+                <a:cs typeface="Arial" panose="020B0604020202020204" pitchFamily="34" charset="0"/>
+              </a:endParaRPr>
+            </a:p>
+          </p:txBody>
+        </p:sp>
+      </p:grpSp>
+      <p:grpSp>
+        <p:nvGrpSpPr>
+          <p:cNvPr id="181" name="Group 180">
+            <a:extLst>
+              <a:ext uri="{FF2B5EF4-FFF2-40B4-BE49-F238E27FC236}">
+                <a16:creationId xmlns:a16="http://schemas.microsoft.com/office/drawing/2014/main" id="{612BE040-B57A-4236-B61D-D8D6ADDC9643}"/>
+              </a:ext>
+            </a:extLst>
+          </p:cNvPr>
+          <p:cNvGrpSpPr/>
+          <p:nvPr/>
+        </p:nvGrpSpPr>
+        <p:grpSpPr>
+          <a:xfrm>
+            <a:off x="5551319" y="4332727"/>
+            <a:ext cx="5174869" cy="3889199"/>
+            <a:chOff x="1198485" y="807869"/>
+            <a:chExt cx="5174869" cy="3889199"/>
+          </a:xfrm>
+        </p:grpSpPr>
+        <p:grpSp>
+          <p:nvGrpSpPr>
+            <p:cNvPr id="182" name="Group 181">
+              <a:extLst>
+                <a:ext uri="{FF2B5EF4-FFF2-40B4-BE49-F238E27FC236}">
+                  <a16:creationId xmlns:a16="http://schemas.microsoft.com/office/drawing/2014/main" id="{C484E655-E79C-4C1E-BACE-823FCC698DE1}"/>
+                </a:ext>
+              </a:extLst>
+            </p:cNvPr>
+            <p:cNvGrpSpPr/>
+            <p:nvPr/>
+          </p:nvGrpSpPr>
+          <p:grpSpPr>
+            <a:xfrm>
+              <a:off x="1198485" y="807869"/>
+              <a:ext cx="5174869" cy="3889199"/>
+              <a:chOff x="3915051" y="1154098"/>
+              <a:chExt cx="5174869" cy="3889199"/>
+            </a:xfrm>
+          </p:grpSpPr>
+          <p:sp>
+            <p:nvSpPr>
+              <p:cNvPr id="184" name="Rectangle 183">
+                <a:extLst>
+                  <a:ext uri="{FF2B5EF4-FFF2-40B4-BE49-F238E27FC236}">
+                    <a16:creationId xmlns:a16="http://schemas.microsoft.com/office/drawing/2014/main" id="{4E331B80-4E5F-456E-931F-FB65D50CE1FB}"/>
+                  </a:ext>
+                </a:extLst>
+              </p:cNvPr>
+              <p:cNvSpPr/>
+              <p:nvPr/>
+            </p:nvSpPr>
+            <p:spPr>
+              <a:xfrm>
+                <a:off x="3915051" y="1154098"/>
+                <a:ext cx="5174869" cy="3889199"/>
+              </a:xfrm>
+              <a:prstGeom prst="rect">
+                <a:avLst/>
+              </a:prstGeom>
+              <a:solidFill>
+                <a:schemeClr val="bg1"/>
+              </a:solidFill>
+              <a:ln>
+                <a:solidFill>
+                  <a:schemeClr val="tx1"/>
+                </a:solidFill>
+              </a:ln>
+            </p:spPr>
+            <p:style>
+              <a:lnRef idx="2">
+                <a:schemeClr val="accent1">
+                  <a:shade val="50000"/>
+                </a:schemeClr>
+              </a:lnRef>
+              <a:fillRef idx="1">
+                <a:schemeClr val="accent1"/>
+              </a:fillRef>
+              <a:effectRef idx="0">
+                <a:schemeClr val="accent1"/>
+              </a:effectRef>
+              <a:fontRef idx="minor">
+                <a:schemeClr val="lt1"/>
+              </a:fontRef>
+            </p:style>
+            <p:txBody>
+              <a:bodyPr rtlCol="0" anchor="ctr"/>
+              <a:lstStyle/>
+              <a:p>
+                <a:pPr algn="ctr"/>
+                <a:endParaRPr lang="en-US" sz="1050"/>
+              </a:p>
+            </p:txBody>
+          </p:sp>
+          <p:sp>
+            <p:nvSpPr>
+              <p:cNvPr id="185" name="Rectangle 184">
+                <a:extLst>
+                  <a:ext uri="{FF2B5EF4-FFF2-40B4-BE49-F238E27FC236}">
+                    <a16:creationId xmlns:a16="http://schemas.microsoft.com/office/drawing/2014/main" id="{84BB6CEE-C00B-476B-8D47-945727969833}"/>
+                  </a:ext>
+                </a:extLst>
+              </p:cNvPr>
+              <p:cNvSpPr/>
+              <p:nvPr/>
+            </p:nvSpPr>
+            <p:spPr>
+              <a:xfrm>
+                <a:off x="7938238" y="2830696"/>
+                <a:ext cx="526467" cy="299072"/>
+              </a:xfrm>
+              <a:prstGeom prst="rect">
+                <a:avLst/>
+              </a:prstGeom>
+              <a:solidFill>
+                <a:schemeClr val="bg1"/>
+              </a:solidFill>
+              <a:ln>
+                <a:noFill/>
+              </a:ln>
+            </p:spPr>
+            <p:style>
+              <a:lnRef idx="2">
+                <a:schemeClr val="accent1">
+                  <a:shade val="50000"/>
+                </a:schemeClr>
+              </a:lnRef>
+              <a:fillRef idx="1">
+                <a:schemeClr val="accent1"/>
+              </a:fillRef>
+              <a:effectRef idx="0">
+                <a:schemeClr val="accent1"/>
+              </a:effectRef>
+              <a:fontRef idx="minor">
+                <a:schemeClr val="lt1"/>
+              </a:fontRef>
+            </p:style>
+            <p:txBody>
+              <a:bodyPr rtlCol="0" anchor="ctr"/>
+              <a:lstStyle/>
+              <a:p>
+                <a:pPr algn="ctr"/>
+                <a:r>
+                  <a:rPr lang="en-AU" sz="900" dirty="0">
+                    <a:solidFill>
+                      <a:schemeClr val="tx1"/>
+                    </a:solidFill>
+                    <a:latin typeface="Arial" panose="020B0604020202020204" pitchFamily="34" charset="0"/>
+                    <a:cs typeface="Arial" panose="020B0604020202020204" pitchFamily="34" charset="0"/>
+                  </a:rPr>
+                  <a:t>-0.067</a:t>
+                </a:r>
+                <a:endParaRPr lang="en-US" sz="900" dirty="0">
+                  <a:solidFill>
+                    <a:schemeClr val="tx1"/>
+                  </a:solidFill>
+                  <a:latin typeface="Arial" panose="020B0604020202020204" pitchFamily="34" charset="0"/>
+                  <a:cs typeface="Arial" panose="020B0604020202020204" pitchFamily="34" charset="0"/>
+                </a:endParaRPr>
+              </a:p>
+            </p:txBody>
+          </p:sp>
+          <p:sp>
+            <p:nvSpPr>
+              <p:cNvPr id="189" name="Rectangle 188">
+                <a:extLst>
+                  <a:ext uri="{FF2B5EF4-FFF2-40B4-BE49-F238E27FC236}">
+                    <a16:creationId xmlns:a16="http://schemas.microsoft.com/office/drawing/2014/main" id="{98018D22-D47E-4181-9A32-78D51ADF5A9F}"/>
+                  </a:ext>
+                </a:extLst>
+              </p:cNvPr>
+              <p:cNvSpPr/>
+              <p:nvPr/>
+            </p:nvSpPr>
+            <p:spPr>
+              <a:xfrm>
+                <a:off x="5770344" y="2050277"/>
+                <a:ext cx="526467" cy="299072"/>
+              </a:xfrm>
+              <a:prstGeom prst="rect">
+                <a:avLst/>
+              </a:prstGeom>
+              <a:solidFill>
+                <a:schemeClr val="bg1"/>
+              </a:solidFill>
+              <a:ln>
+                <a:noFill/>
+              </a:ln>
+            </p:spPr>
+            <p:style>
+              <a:lnRef idx="2">
+                <a:schemeClr val="accent1">
+                  <a:shade val="50000"/>
+                </a:schemeClr>
+              </a:lnRef>
+              <a:fillRef idx="1">
+                <a:schemeClr val="accent1"/>
+              </a:fillRef>
+              <a:effectRef idx="0">
+                <a:schemeClr val="accent1"/>
+              </a:effectRef>
+              <a:fontRef idx="minor">
+                <a:schemeClr val="lt1"/>
+              </a:fontRef>
+            </p:style>
+            <p:txBody>
+              <a:bodyPr rtlCol="0" anchor="ctr"/>
+              <a:lstStyle/>
+              <a:p>
+                <a:pPr algn="ctr"/>
+                <a:r>
+                  <a:rPr lang="en-AU" sz="900" dirty="0">
+                    <a:solidFill>
+                      <a:schemeClr val="tx1"/>
+                    </a:solidFill>
+                    <a:latin typeface="Arial" panose="020B0604020202020204" pitchFamily="34" charset="0"/>
+                    <a:cs typeface="Arial" panose="020B0604020202020204" pitchFamily="34" charset="0"/>
+                  </a:rPr>
+                  <a:t>0.521</a:t>
+                </a:r>
+                <a:endParaRPr lang="en-US" sz="900" dirty="0">
+                  <a:solidFill>
+                    <a:schemeClr val="tx1"/>
+                  </a:solidFill>
+                  <a:latin typeface="Arial" panose="020B0604020202020204" pitchFamily="34" charset="0"/>
+                  <a:cs typeface="Arial" panose="020B0604020202020204" pitchFamily="34" charset="0"/>
+                </a:endParaRPr>
+              </a:p>
+            </p:txBody>
+          </p:sp>
+          <p:sp>
+            <p:nvSpPr>
+              <p:cNvPr id="190" name="Rectangle 189">
+                <a:extLst>
+                  <a:ext uri="{FF2B5EF4-FFF2-40B4-BE49-F238E27FC236}">
+                    <a16:creationId xmlns:a16="http://schemas.microsoft.com/office/drawing/2014/main" id="{19695181-C5BC-4D98-9D64-E44F3238360A}"/>
+                  </a:ext>
+                </a:extLst>
+              </p:cNvPr>
+              <p:cNvSpPr/>
+              <p:nvPr/>
+            </p:nvSpPr>
+            <p:spPr>
+              <a:xfrm>
+                <a:off x="4470372" y="2362635"/>
+                <a:ext cx="526467" cy="299072"/>
+              </a:xfrm>
+              <a:prstGeom prst="rect">
+                <a:avLst/>
+              </a:prstGeom>
+              <a:solidFill>
+                <a:schemeClr val="bg1"/>
+              </a:solidFill>
+              <a:ln>
+                <a:noFill/>
+              </a:ln>
+            </p:spPr>
+            <p:style>
+              <a:lnRef idx="2">
+                <a:schemeClr val="accent1">
+                  <a:shade val="50000"/>
+                </a:schemeClr>
+              </a:lnRef>
+              <a:fillRef idx="1">
+                <a:schemeClr val="accent1"/>
+              </a:fillRef>
+              <a:effectRef idx="0">
+                <a:schemeClr val="accent1"/>
+              </a:effectRef>
+              <a:fontRef idx="minor">
+                <a:schemeClr val="lt1"/>
+              </a:fontRef>
+            </p:style>
+            <p:txBody>
+              <a:bodyPr rtlCol="0" anchor="ctr"/>
+              <a:lstStyle/>
+              <a:p>
+                <a:pPr algn="ctr"/>
+                <a:r>
+                  <a:rPr lang="en-AU" sz="900" dirty="0">
+                    <a:solidFill>
+                      <a:schemeClr val="tx1"/>
+                    </a:solidFill>
+                    <a:latin typeface="Arial" panose="020B0604020202020204" pitchFamily="34" charset="0"/>
+                    <a:cs typeface="Arial" panose="020B0604020202020204" pitchFamily="34" charset="0"/>
+                  </a:rPr>
+                  <a:t>0.030</a:t>
+                </a:r>
+                <a:endParaRPr lang="en-US" sz="900" dirty="0">
+                  <a:solidFill>
+                    <a:schemeClr val="tx1"/>
+                  </a:solidFill>
+                  <a:latin typeface="Arial" panose="020B0604020202020204" pitchFamily="34" charset="0"/>
+                  <a:cs typeface="Arial" panose="020B0604020202020204" pitchFamily="34" charset="0"/>
+                </a:endParaRPr>
+              </a:p>
+            </p:txBody>
+          </p:sp>
+          <p:sp>
+            <p:nvSpPr>
+              <p:cNvPr id="191" name="Rectangle 190">
+                <a:extLst>
+                  <a:ext uri="{FF2B5EF4-FFF2-40B4-BE49-F238E27FC236}">
+                    <a16:creationId xmlns:a16="http://schemas.microsoft.com/office/drawing/2014/main" id="{4EB83D5E-E937-450F-BD2A-BE7852999DBE}"/>
+                  </a:ext>
+                </a:extLst>
+              </p:cNvPr>
+              <p:cNvSpPr/>
+              <p:nvPr/>
+            </p:nvSpPr>
+            <p:spPr>
+              <a:xfrm>
+                <a:off x="5610556" y="3577631"/>
+                <a:ext cx="526467" cy="299072"/>
+              </a:xfrm>
+              <a:prstGeom prst="rect">
+                <a:avLst/>
+              </a:prstGeom>
+              <a:solidFill>
+                <a:schemeClr val="bg1"/>
+              </a:solidFill>
+              <a:ln>
+                <a:noFill/>
+              </a:ln>
+            </p:spPr>
+            <p:style>
+              <a:lnRef idx="2">
+                <a:schemeClr val="accent1">
+                  <a:shade val="50000"/>
+                </a:schemeClr>
+              </a:lnRef>
+              <a:fillRef idx="1">
+                <a:schemeClr val="accent1"/>
+              </a:fillRef>
+              <a:effectRef idx="0">
+                <a:schemeClr val="accent1"/>
+              </a:effectRef>
+              <a:fontRef idx="minor">
+                <a:schemeClr val="lt1"/>
+              </a:fontRef>
+            </p:style>
+            <p:txBody>
+              <a:bodyPr rtlCol="0" anchor="ctr"/>
+              <a:lstStyle/>
+              <a:p>
+                <a:pPr algn="ctr"/>
+                <a:r>
+                  <a:rPr lang="en-AU" sz="900" dirty="0">
+                    <a:solidFill>
+                      <a:schemeClr val="tx1"/>
+                    </a:solidFill>
+                    <a:latin typeface="Arial" panose="020B0604020202020204" pitchFamily="34" charset="0"/>
+                    <a:cs typeface="Arial" panose="020B0604020202020204" pitchFamily="34" charset="0"/>
+                  </a:rPr>
+                  <a:t>0.103</a:t>
+                </a:r>
+                <a:endParaRPr lang="en-US" sz="900" dirty="0">
+                  <a:solidFill>
+                    <a:schemeClr val="tx1"/>
+                  </a:solidFill>
+                  <a:latin typeface="Arial" panose="020B0604020202020204" pitchFamily="34" charset="0"/>
+                  <a:cs typeface="Arial" panose="020B0604020202020204" pitchFamily="34" charset="0"/>
+                </a:endParaRPr>
+              </a:p>
+            </p:txBody>
+          </p:sp>
+          <p:sp>
+            <p:nvSpPr>
+              <p:cNvPr id="192" name="Rectangle 191">
+                <a:extLst>
+                  <a:ext uri="{FF2B5EF4-FFF2-40B4-BE49-F238E27FC236}">
+                    <a16:creationId xmlns:a16="http://schemas.microsoft.com/office/drawing/2014/main" id="{3283A95E-CD59-451F-A5E3-BA0DCC325518}"/>
+                  </a:ext>
+                </a:extLst>
+              </p:cNvPr>
+              <p:cNvSpPr/>
+              <p:nvPr/>
+            </p:nvSpPr>
+            <p:spPr>
+              <a:xfrm>
+                <a:off x="6862779" y="1927038"/>
+                <a:ext cx="526467" cy="299072"/>
+              </a:xfrm>
+              <a:prstGeom prst="rect">
+                <a:avLst/>
+              </a:prstGeom>
+              <a:solidFill>
+                <a:schemeClr val="bg1"/>
+              </a:solidFill>
+              <a:ln>
+                <a:noFill/>
+              </a:ln>
+            </p:spPr>
+            <p:style>
+              <a:lnRef idx="2">
+                <a:schemeClr val="accent1">
+                  <a:shade val="50000"/>
+                </a:schemeClr>
+              </a:lnRef>
+              <a:fillRef idx="1">
+                <a:schemeClr val="accent1"/>
+              </a:fillRef>
+              <a:effectRef idx="0">
+                <a:schemeClr val="accent1"/>
+              </a:effectRef>
+              <a:fontRef idx="minor">
+                <a:schemeClr val="lt1"/>
+              </a:fontRef>
+            </p:style>
+            <p:txBody>
+              <a:bodyPr rtlCol="0" anchor="ctr"/>
+              <a:lstStyle/>
+              <a:p>
+                <a:pPr algn="ctr"/>
+                <a:r>
+                  <a:rPr lang="en-AU" sz="900" dirty="0">
+                    <a:solidFill>
+                      <a:schemeClr val="tx1"/>
+                    </a:solidFill>
+                    <a:latin typeface="Arial" panose="020B0604020202020204" pitchFamily="34" charset="0"/>
+                    <a:cs typeface="Arial" panose="020B0604020202020204" pitchFamily="34" charset="0"/>
+                  </a:rPr>
+                  <a:t>0.104</a:t>
+                </a:r>
+                <a:endParaRPr lang="en-US" sz="900" dirty="0">
+                  <a:solidFill>
+                    <a:schemeClr val="tx1"/>
+                  </a:solidFill>
+                  <a:latin typeface="Arial" panose="020B0604020202020204" pitchFamily="34" charset="0"/>
+                  <a:cs typeface="Arial" panose="020B0604020202020204" pitchFamily="34" charset="0"/>
+                </a:endParaRPr>
+              </a:p>
+            </p:txBody>
+          </p:sp>
+          <p:sp>
+            <p:nvSpPr>
+              <p:cNvPr id="194" name="Rectangle 193">
+                <a:extLst>
+                  <a:ext uri="{FF2B5EF4-FFF2-40B4-BE49-F238E27FC236}">
+                    <a16:creationId xmlns:a16="http://schemas.microsoft.com/office/drawing/2014/main" id="{EA16C776-6BE6-4E62-80B9-2283D09A5B21}"/>
+                  </a:ext>
+                </a:extLst>
+              </p:cNvPr>
+              <p:cNvSpPr/>
+              <p:nvPr/>
+            </p:nvSpPr>
+            <p:spPr>
+              <a:xfrm>
+                <a:off x="7316516" y="2362635"/>
+                <a:ext cx="526467" cy="299072"/>
+              </a:xfrm>
+              <a:prstGeom prst="rect">
+                <a:avLst/>
+              </a:prstGeom>
+              <a:solidFill>
+                <a:schemeClr val="bg1"/>
+              </a:solidFill>
+              <a:ln>
+                <a:noFill/>
+              </a:ln>
+            </p:spPr>
+            <p:style>
+              <a:lnRef idx="2">
+                <a:schemeClr val="accent1">
+                  <a:shade val="50000"/>
+                </a:schemeClr>
+              </a:lnRef>
+              <a:fillRef idx="1">
+                <a:schemeClr val="accent1"/>
+              </a:fillRef>
+              <a:effectRef idx="0">
+                <a:schemeClr val="accent1"/>
+              </a:effectRef>
+              <a:fontRef idx="minor">
+                <a:schemeClr val="lt1"/>
+              </a:fontRef>
+            </p:style>
+            <p:txBody>
+              <a:bodyPr rtlCol="0" anchor="ctr"/>
+              <a:lstStyle/>
+              <a:p>
+                <a:pPr algn="ctr"/>
+                <a:r>
+                  <a:rPr lang="en-AU" sz="900" dirty="0">
+                    <a:solidFill>
+                      <a:schemeClr val="tx1"/>
+                    </a:solidFill>
+                    <a:latin typeface="Arial" panose="020B0604020202020204" pitchFamily="34" charset="0"/>
+                    <a:cs typeface="Arial" panose="020B0604020202020204" pitchFamily="34" charset="0"/>
+                  </a:rPr>
+                  <a:t>0.246</a:t>
+                </a:r>
+                <a:endParaRPr lang="en-US" sz="900" dirty="0">
+                  <a:solidFill>
+                    <a:schemeClr val="tx1"/>
+                  </a:solidFill>
+                  <a:latin typeface="Arial" panose="020B0604020202020204" pitchFamily="34" charset="0"/>
+                  <a:cs typeface="Arial" panose="020B0604020202020204" pitchFamily="34" charset="0"/>
+                </a:endParaRPr>
+              </a:p>
+            </p:txBody>
+          </p:sp>
+          <p:sp>
+            <p:nvSpPr>
+              <p:cNvPr id="195" name="Rectangle 194">
+                <a:extLst>
+                  <a:ext uri="{FF2B5EF4-FFF2-40B4-BE49-F238E27FC236}">
+                    <a16:creationId xmlns:a16="http://schemas.microsoft.com/office/drawing/2014/main" id="{6321C0E0-D220-4F66-BFB2-A7EA2ED8FB41}"/>
+                  </a:ext>
+                </a:extLst>
+              </p:cNvPr>
+              <p:cNvSpPr/>
+              <p:nvPr/>
+            </p:nvSpPr>
+            <p:spPr>
+              <a:xfrm>
+                <a:off x="6760870" y="3333801"/>
+                <a:ext cx="526467" cy="299072"/>
+              </a:xfrm>
+              <a:prstGeom prst="rect">
+                <a:avLst/>
+              </a:prstGeom>
+              <a:solidFill>
+                <a:schemeClr val="bg1"/>
+              </a:solidFill>
+              <a:ln>
+                <a:noFill/>
+              </a:ln>
+            </p:spPr>
+            <p:style>
+              <a:lnRef idx="2">
+                <a:schemeClr val="accent1">
+                  <a:shade val="50000"/>
+                </a:schemeClr>
+              </a:lnRef>
+              <a:fillRef idx="1">
+                <a:schemeClr val="accent1"/>
+              </a:fillRef>
+              <a:effectRef idx="0">
+                <a:schemeClr val="accent1"/>
+              </a:effectRef>
+              <a:fontRef idx="minor">
+                <a:schemeClr val="lt1"/>
+              </a:fontRef>
+            </p:style>
+            <p:txBody>
+              <a:bodyPr rtlCol="0" anchor="ctr"/>
+              <a:lstStyle/>
+              <a:p>
+                <a:pPr algn="ctr"/>
+                <a:r>
+                  <a:rPr lang="en-AU" sz="900" dirty="0">
+                    <a:solidFill>
+                      <a:schemeClr val="tx1"/>
+                    </a:solidFill>
+                    <a:latin typeface="Arial" panose="020B0604020202020204" pitchFamily="34" charset="0"/>
+                    <a:cs typeface="Arial" panose="020B0604020202020204" pitchFamily="34" charset="0"/>
+                  </a:rPr>
+                  <a:t>0.881</a:t>
+                </a:r>
+                <a:endParaRPr lang="en-US" sz="900" dirty="0">
+                  <a:solidFill>
+                    <a:schemeClr val="tx1"/>
+                  </a:solidFill>
+                  <a:latin typeface="Arial" panose="020B0604020202020204" pitchFamily="34" charset="0"/>
+                  <a:cs typeface="Arial" panose="020B0604020202020204" pitchFamily="34" charset="0"/>
+                </a:endParaRPr>
+              </a:p>
+            </p:txBody>
+          </p:sp>
+          <p:cxnSp>
+            <p:nvCxnSpPr>
+              <p:cNvPr id="196" name="Straight Arrow Connector 195">
+                <a:extLst>
+                  <a:ext uri="{FF2B5EF4-FFF2-40B4-BE49-F238E27FC236}">
+                    <a16:creationId xmlns:a16="http://schemas.microsoft.com/office/drawing/2014/main" id="{6F9161C2-15C5-410E-8A6B-D62CB409B5F4}"/>
+                  </a:ext>
+                </a:extLst>
+              </p:cNvPr>
+              <p:cNvCxnSpPr>
+                <a:cxnSpLocks/>
+                <a:endCxn id="200" idx="1"/>
+              </p:cNvCxnSpPr>
+              <p:nvPr/>
+            </p:nvCxnSpPr>
+            <p:spPr>
+              <a:xfrm>
+                <a:off x="4498006" y="2054586"/>
+                <a:ext cx="809674" cy="789586"/>
+              </a:xfrm>
+              <a:prstGeom prst="straightConnector1">
+                <a:avLst/>
+              </a:prstGeom>
+              <a:ln w="38100">
+                <a:solidFill>
+                  <a:schemeClr val="tx1"/>
+                </a:solidFill>
+                <a:prstDash val="dash"/>
+                <a:tailEnd type="triangle"/>
+              </a:ln>
+            </p:spPr>
+            <p:style>
+              <a:lnRef idx="1">
+                <a:schemeClr val="accent1"/>
+              </a:lnRef>
+              <a:fillRef idx="0">
+                <a:schemeClr val="accent1"/>
+              </a:fillRef>
+              <a:effectRef idx="0">
+                <a:schemeClr val="accent1"/>
+              </a:effectRef>
+              <a:fontRef idx="minor">
+                <a:schemeClr val="tx1"/>
+              </a:fontRef>
+            </p:style>
+          </p:cxnSp>
+          <p:cxnSp>
+            <p:nvCxnSpPr>
+              <p:cNvPr id="197" name="Straight Arrow Connector 196">
+                <a:extLst>
+                  <a:ext uri="{FF2B5EF4-FFF2-40B4-BE49-F238E27FC236}">
+                    <a16:creationId xmlns:a16="http://schemas.microsoft.com/office/drawing/2014/main" id="{9637F8D8-2E19-4B5F-A664-30E8A93EF06B}"/>
+                  </a:ext>
+                </a:extLst>
+              </p:cNvPr>
+              <p:cNvCxnSpPr>
+                <a:cxnSpLocks/>
+              </p:cNvCxnSpPr>
+              <p:nvPr/>
+            </p:nvCxnSpPr>
+            <p:spPr>
+              <a:xfrm>
+                <a:off x="6141078" y="2989749"/>
+                <a:ext cx="1481873" cy="1170674"/>
+              </a:xfrm>
+              <a:prstGeom prst="straightConnector1">
+                <a:avLst/>
+              </a:prstGeom>
+              <a:ln w="38100">
+                <a:solidFill>
+                  <a:schemeClr val="tx1"/>
+                </a:solidFill>
+                <a:tailEnd type="triangle"/>
+              </a:ln>
+            </p:spPr>
+            <p:style>
+              <a:lnRef idx="1">
+                <a:schemeClr val="accent1"/>
+              </a:lnRef>
+              <a:fillRef idx="0">
+                <a:schemeClr val="accent1"/>
+              </a:fillRef>
+              <a:effectRef idx="0">
+                <a:schemeClr val="accent1"/>
+              </a:effectRef>
+              <a:fontRef idx="minor">
+                <a:schemeClr val="tx1"/>
+              </a:fontRef>
+            </p:style>
+          </p:cxnSp>
+          <p:cxnSp>
+            <p:nvCxnSpPr>
+              <p:cNvPr id="199" name="Straight Arrow Connector 198">
+                <a:extLst>
+                  <a:ext uri="{FF2B5EF4-FFF2-40B4-BE49-F238E27FC236}">
+                    <a16:creationId xmlns:a16="http://schemas.microsoft.com/office/drawing/2014/main" id="{6A0D9757-4513-440F-AB8E-5C97C646ED96}"/>
+                  </a:ext>
+                </a:extLst>
+              </p:cNvPr>
+              <p:cNvCxnSpPr>
+                <a:cxnSpLocks/>
+                <a:endCxn id="205" idx="0"/>
+              </p:cNvCxnSpPr>
+              <p:nvPr/>
+            </p:nvCxnSpPr>
+            <p:spPr>
+              <a:xfrm>
+                <a:off x="6658308" y="1666988"/>
+                <a:ext cx="1531678" cy="2384993"/>
+              </a:xfrm>
+              <a:prstGeom prst="straightConnector1">
+                <a:avLst/>
+              </a:prstGeom>
+              <a:ln w="38100">
+                <a:solidFill>
+                  <a:schemeClr val="tx1"/>
+                </a:solidFill>
+                <a:tailEnd type="triangle"/>
+              </a:ln>
+            </p:spPr>
+            <p:style>
+              <a:lnRef idx="1">
+                <a:schemeClr val="accent1"/>
+              </a:lnRef>
+              <a:fillRef idx="0">
+                <a:schemeClr val="accent1"/>
+              </a:fillRef>
+              <a:effectRef idx="0">
+                <a:schemeClr val="accent1"/>
+              </a:effectRef>
+              <a:fontRef idx="minor">
+                <a:schemeClr val="tx1"/>
+              </a:fontRef>
+            </p:style>
+          </p:cxnSp>
+          <p:sp>
+            <p:nvSpPr>
+              <p:cNvPr id="200" name="Rectangle 199">
+                <a:extLst>
+                  <a:ext uri="{FF2B5EF4-FFF2-40B4-BE49-F238E27FC236}">
+                    <a16:creationId xmlns:a16="http://schemas.microsoft.com/office/drawing/2014/main" id="{B81ACD8C-8657-4525-9507-609593875C8F}"/>
+                  </a:ext>
+                </a:extLst>
+              </p:cNvPr>
+              <p:cNvSpPr/>
+              <p:nvPr/>
+            </p:nvSpPr>
+            <p:spPr>
+              <a:xfrm>
+                <a:off x="5307680" y="2609864"/>
+                <a:ext cx="1109630" cy="468616"/>
+              </a:xfrm>
+              <a:prstGeom prst="rect">
+                <a:avLst/>
+              </a:prstGeom>
+              <a:solidFill>
+                <a:schemeClr val="bg1"/>
+              </a:solidFill>
+              <a:ln w="28575">
+                <a:solidFill>
+                  <a:schemeClr val="tx1"/>
+                </a:solidFill>
+              </a:ln>
+            </p:spPr>
+            <p:style>
+              <a:lnRef idx="2">
+                <a:schemeClr val="accent1">
+                  <a:shade val="50000"/>
+                </a:schemeClr>
+              </a:lnRef>
+              <a:fillRef idx="1">
+                <a:schemeClr val="accent1"/>
+              </a:fillRef>
+              <a:effectRef idx="0">
+                <a:schemeClr val="accent1"/>
+              </a:effectRef>
+              <a:fontRef idx="minor">
+                <a:schemeClr val="lt1"/>
+              </a:fontRef>
+            </p:style>
+            <p:txBody>
+              <a:bodyPr rtlCol="0" anchor="ctr"/>
+              <a:lstStyle/>
+              <a:p>
+                <a:pPr algn="ctr"/>
+                <a:r>
+                  <a:rPr lang="en-AU" sz="1000" dirty="0">
+                    <a:solidFill>
+                      <a:schemeClr val="tx1"/>
+                    </a:solidFill>
+                    <a:latin typeface="Arial" panose="020B0604020202020204" pitchFamily="34" charset="0"/>
+                    <a:cs typeface="Arial" panose="020B0604020202020204" pitchFamily="34" charset="0"/>
+                  </a:rPr>
+                  <a:t>Species richness</a:t>
+                </a:r>
+                <a:endParaRPr lang="en-US" sz="1000" dirty="0">
+                  <a:solidFill>
+                    <a:schemeClr val="tx1"/>
+                  </a:solidFill>
+                  <a:latin typeface="Arial" panose="020B0604020202020204" pitchFamily="34" charset="0"/>
+                  <a:cs typeface="Arial" panose="020B0604020202020204" pitchFamily="34" charset="0"/>
+                </a:endParaRPr>
+              </a:p>
+            </p:txBody>
+          </p:sp>
+          <p:sp>
+            <p:nvSpPr>
+              <p:cNvPr id="201" name="Rectangle 200">
+                <a:extLst>
+                  <a:ext uri="{FF2B5EF4-FFF2-40B4-BE49-F238E27FC236}">
+                    <a16:creationId xmlns:a16="http://schemas.microsoft.com/office/drawing/2014/main" id="{88386876-EFB2-4FC8-A450-E2185D96BBDA}"/>
+                  </a:ext>
+                </a:extLst>
+              </p:cNvPr>
+              <p:cNvSpPr/>
+              <p:nvPr/>
+            </p:nvSpPr>
+            <p:spPr>
+              <a:xfrm>
+                <a:off x="7903257" y="1959338"/>
+                <a:ext cx="1109630" cy="468616"/>
+              </a:xfrm>
+              <a:prstGeom prst="rect">
+                <a:avLst/>
+              </a:prstGeom>
+              <a:solidFill>
+                <a:schemeClr val="bg1"/>
+              </a:solidFill>
+              <a:ln w="28575">
+                <a:solidFill>
+                  <a:schemeClr val="tx1"/>
+                </a:solidFill>
+              </a:ln>
+            </p:spPr>
+            <p:style>
+              <a:lnRef idx="2">
+                <a:schemeClr val="accent1">
+                  <a:shade val="50000"/>
+                </a:schemeClr>
+              </a:lnRef>
+              <a:fillRef idx="1">
+                <a:schemeClr val="accent1"/>
+              </a:fillRef>
+              <a:effectRef idx="0">
+                <a:schemeClr val="accent1"/>
+              </a:effectRef>
+              <a:fontRef idx="minor">
+                <a:schemeClr val="lt1"/>
+              </a:fontRef>
+            </p:style>
+            <p:txBody>
+              <a:bodyPr rtlCol="0" anchor="ctr"/>
+              <a:lstStyle/>
+              <a:p>
+                <a:pPr algn="ctr"/>
+                <a:r>
+                  <a:rPr lang="en-AU" sz="1000" dirty="0">
+                    <a:solidFill>
+                      <a:schemeClr val="tx1"/>
+                    </a:solidFill>
+                    <a:latin typeface="Arial" panose="020B0604020202020204" pitchFamily="34" charset="0"/>
+                    <a:cs typeface="Arial" panose="020B0604020202020204" pitchFamily="34" charset="0"/>
+                  </a:rPr>
+                  <a:t>Heterogeneity</a:t>
+                </a:r>
+                <a:endParaRPr lang="en-US" sz="1000" dirty="0">
+                  <a:solidFill>
+                    <a:schemeClr val="tx1"/>
+                  </a:solidFill>
+                  <a:latin typeface="Arial" panose="020B0604020202020204" pitchFamily="34" charset="0"/>
+                  <a:cs typeface="Arial" panose="020B0604020202020204" pitchFamily="34" charset="0"/>
+                </a:endParaRPr>
+              </a:p>
+            </p:txBody>
+          </p:sp>
+          <p:sp>
+            <p:nvSpPr>
+              <p:cNvPr id="202" name="Rectangle 201">
+                <a:extLst>
+                  <a:ext uri="{FF2B5EF4-FFF2-40B4-BE49-F238E27FC236}">
+                    <a16:creationId xmlns:a16="http://schemas.microsoft.com/office/drawing/2014/main" id="{41BD1A9C-D202-4C2C-9797-A6BB81A868B5}"/>
+                  </a:ext>
+                </a:extLst>
+              </p:cNvPr>
+              <p:cNvSpPr/>
+              <p:nvPr/>
+            </p:nvSpPr>
+            <p:spPr>
+              <a:xfrm>
+                <a:off x="6143596" y="1347908"/>
+                <a:ext cx="1109630" cy="468616"/>
+              </a:xfrm>
+              <a:prstGeom prst="rect">
+                <a:avLst/>
+              </a:prstGeom>
+              <a:solidFill>
+                <a:schemeClr val="bg1"/>
+              </a:solidFill>
+              <a:ln w="28575">
+                <a:solidFill>
+                  <a:schemeClr val="tx1"/>
+                </a:solidFill>
+              </a:ln>
+            </p:spPr>
+            <p:style>
+              <a:lnRef idx="2">
+                <a:schemeClr val="accent1">
+                  <a:shade val="50000"/>
+                </a:schemeClr>
+              </a:lnRef>
+              <a:fillRef idx="1">
+                <a:schemeClr val="accent1"/>
+              </a:fillRef>
+              <a:effectRef idx="0">
+                <a:schemeClr val="accent1"/>
+              </a:effectRef>
+              <a:fontRef idx="minor">
+                <a:schemeClr val="lt1"/>
+              </a:fontRef>
+            </p:style>
+            <p:txBody>
+              <a:bodyPr rtlCol="0" anchor="ctr"/>
+              <a:lstStyle/>
+              <a:p>
+                <a:pPr algn="ctr"/>
+                <a:r>
+                  <a:rPr lang="en-AU" sz="1000" dirty="0">
+                    <a:solidFill>
+                      <a:schemeClr val="tx1"/>
+                    </a:solidFill>
+                    <a:latin typeface="Arial" panose="020B0604020202020204" pitchFamily="34" charset="0"/>
+                    <a:cs typeface="Arial" panose="020B0604020202020204" pitchFamily="34" charset="0"/>
+                  </a:rPr>
+                  <a:t>Urban cover</a:t>
+                </a:r>
+                <a:endParaRPr lang="en-US" sz="1000" dirty="0">
+                  <a:solidFill>
+                    <a:schemeClr val="tx1"/>
+                  </a:solidFill>
+                  <a:latin typeface="Arial" panose="020B0604020202020204" pitchFamily="34" charset="0"/>
+                  <a:cs typeface="Arial" panose="020B0604020202020204" pitchFamily="34" charset="0"/>
+                </a:endParaRPr>
+              </a:p>
+            </p:txBody>
+          </p:sp>
+          <p:sp>
+            <p:nvSpPr>
+              <p:cNvPr id="203" name="Rectangle 202">
+                <a:extLst>
+                  <a:ext uri="{FF2B5EF4-FFF2-40B4-BE49-F238E27FC236}">
+                    <a16:creationId xmlns:a16="http://schemas.microsoft.com/office/drawing/2014/main" id="{3CD54645-CCCB-4533-B1C8-3525AD595710}"/>
+                  </a:ext>
+                </a:extLst>
+              </p:cNvPr>
+              <p:cNvSpPr/>
+              <p:nvPr/>
+            </p:nvSpPr>
+            <p:spPr>
+              <a:xfrm>
+                <a:off x="4114828" y="1649265"/>
+                <a:ext cx="1109630" cy="468616"/>
+              </a:xfrm>
+              <a:prstGeom prst="rect">
+                <a:avLst/>
+              </a:prstGeom>
+              <a:solidFill>
+                <a:schemeClr val="bg1"/>
+              </a:solidFill>
+              <a:ln w="28575">
+                <a:solidFill>
+                  <a:schemeClr val="tx1"/>
+                </a:solidFill>
+              </a:ln>
+            </p:spPr>
+            <p:style>
+              <a:lnRef idx="2">
+                <a:schemeClr val="accent1">
+                  <a:shade val="50000"/>
+                </a:schemeClr>
+              </a:lnRef>
+              <a:fillRef idx="1">
+                <a:schemeClr val="accent1"/>
+              </a:fillRef>
+              <a:effectRef idx="0">
+                <a:schemeClr val="accent1"/>
+              </a:effectRef>
+              <a:fontRef idx="minor">
+                <a:schemeClr val="lt1"/>
+              </a:fontRef>
+            </p:style>
+            <p:txBody>
+              <a:bodyPr rtlCol="0" anchor="ctr"/>
+              <a:lstStyle/>
+              <a:p>
+                <a:pPr algn="ctr"/>
+                <a:r>
+                  <a:rPr lang="en-AU" sz="1000" dirty="0">
+                    <a:solidFill>
+                      <a:schemeClr val="tx1"/>
+                    </a:solidFill>
+                    <a:latin typeface="Arial" panose="020B0604020202020204" pitchFamily="34" charset="0"/>
+                    <a:cs typeface="Arial" panose="020B0604020202020204" pitchFamily="34" charset="0"/>
+                  </a:rPr>
+                  <a:t>Water cover</a:t>
+                </a:r>
+                <a:endParaRPr lang="en-US" sz="1000" dirty="0">
+                  <a:solidFill>
+                    <a:schemeClr val="tx1"/>
+                  </a:solidFill>
+                  <a:latin typeface="Arial" panose="020B0604020202020204" pitchFamily="34" charset="0"/>
+                  <a:cs typeface="Arial" panose="020B0604020202020204" pitchFamily="34" charset="0"/>
+                </a:endParaRPr>
+              </a:p>
+            </p:txBody>
+          </p:sp>
+          <p:sp>
+            <p:nvSpPr>
+              <p:cNvPr id="205" name="Rectangle 204">
+                <a:extLst>
+                  <a:ext uri="{FF2B5EF4-FFF2-40B4-BE49-F238E27FC236}">
+                    <a16:creationId xmlns:a16="http://schemas.microsoft.com/office/drawing/2014/main" id="{2217C1DA-1A50-4EC1-8DD3-28088C5268BF}"/>
+                  </a:ext>
+                </a:extLst>
+              </p:cNvPr>
+              <p:cNvSpPr/>
+              <p:nvPr/>
+            </p:nvSpPr>
+            <p:spPr>
+              <a:xfrm>
+                <a:off x="7635171" y="4051981"/>
+                <a:ext cx="1109630" cy="468616"/>
+              </a:xfrm>
+              <a:prstGeom prst="rect">
+                <a:avLst/>
+              </a:prstGeom>
+              <a:solidFill>
+                <a:schemeClr val="bg1"/>
+              </a:solidFill>
+              <a:ln w="28575">
+                <a:solidFill>
+                  <a:schemeClr val="tx1"/>
+                </a:solidFill>
+              </a:ln>
+            </p:spPr>
+            <p:style>
+              <a:lnRef idx="2">
+                <a:schemeClr val="accent1">
+                  <a:shade val="50000"/>
+                </a:schemeClr>
+              </a:lnRef>
+              <a:fillRef idx="1">
+                <a:schemeClr val="accent1"/>
+              </a:fillRef>
+              <a:effectRef idx="0">
+                <a:schemeClr val="accent1"/>
+              </a:effectRef>
+              <a:fontRef idx="minor">
+                <a:schemeClr val="lt1"/>
+              </a:fontRef>
+            </p:style>
+            <p:txBody>
+              <a:bodyPr rtlCol="0" anchor="ctr"/>
+              <a:lstStyle/>
+              <a:p>
+                <a:pPr algn="ctr"/>
+                <a:r>
+                  <a:rPr lang="en-AU" sz="1000" dirty="0">
+                    <a:solidFill>
+                      <a:schemeClr val="tx1"/>
+                    </a:solidFill>
+                    <a:latin typeface="Arial" panose="020B0604020202020204" pitchFamily="34" charset="0"/>
+                    <a:cs typeface="Arial" panose="020B0604020202020204" pitchFamily="34" charset="0"/>
+                  </a:rPr>
+                  <a:t>Number of checklists</a:t>
+                </a:r>
+                <a:endParaRPr lang="en-US" sz="1000" dirty="0">
+                  <a:solidFill>
+                    <a:schemeClr val="tx1"/>
+                  </a:solidFill>
+                  <a:latin typeface="Arial" panose="020B0604020202020204" pitchFamily="34" charset="0"/>
+                  <a:cs typeface="Arial" panose="020B0604020202020204" pitchFamily="34" charset="0"/>
+                </a:endParaRPr>
+              </a:p>
+            </p:txBody>
+          </p:sp>
+          <p:cxnSp>
+            <p:nvCxnSpPr>
+              <p:cNvPr id="208" name="Straight Arrow Connector 207">
+                <a:extLst>
+                  <a:ext uri="{FF2B5EF4-FFF2-40B4-BE49-F238E27FC236}">
+                    <a16:creationId xmlns:a16="http://schemas.microsoft.com/office/drawing/2014/main" id="{F98C63FF-BD90-4371-85F4-DA032D392320}"/>
+                  </a:ext>
+                </a:extLst>
+              </p:cNvPr>
+              <p:cNvCxnSpPr>
+                <a:cxnSpLocks/>
+                <a:stCxn id="202" idx="2"/>
+                <a:endCxn id="200" idx="0"/>
+              </p:cNvCxnSpPr>
+              <p:nvPr/>
+            </p:nvCxnSpPr>
+            <p:spPr>
+              <a:xfrm flipH="1">
+                <a:off x="5862495" y="1816524"/>
+                <a:ext cx="835916" cy="793340"/>
+              </a:xfrm>
+              <a:prstGeom prst="straightConnector1">
+                <a:avLst/>
+              </a:prstGeom>
+              <a:ln w="38100">
+                <a:solidFill>
+                  <a:schemeClr val="tx1"/>
+                </a:solidFill>
+                <a:tailEnd type="triangle"/>
+              </a:ln>
+            </p:spPr>
+            <p:style>
+              <a:lnRef idx="1">
+                <a:schemeClr val="accent1"/>
+              </a:lnRef>
+              <a:fillRef idx="0">
+                <a:schemeClr val="accent1"/>
+              </a:fillRef>
+              <a:effectRef idx="0">
+                <a:schemeClr val="accent1"/>
+              </a:effectRef>
+              <a:fontRef idx="minor">
+                <a:schemeClr val="tx1"/>
+              </a:fontRef>
+            </p:style>
+          </p:cxnSp>
+          <p:cxnSp>
+            <p:nvCxnSpPr>
+              <p:cNvPr id="209" name="Straight Arrow Connector 208">
+                <a:extLst>
+                  <a:ext uri="{FF2B5EF4-FFF2-40B4-BE49-F238E27FC236}">
+                    <a16:creationId xmlns:a16="http://schemas.microsoft.com/office/drawing/2014/main" id="{83409EF1-A36B-4444-84F3-E96ED2AF3BA5}"/>
+                  </a:ext>
+                </a:extLst>
+              </p:cNvPr>
+              <p:cNvCxnSpPr>
+                <a:cxnSpLocks/>
+                <a:stCxn id="201" idx="2"/>
+              </p:cNvCxnSpPr>
+              <p:nvPr/>
+            </p:nvCxnSpPr>
+            <p:spPr>
+              <a:xfrm>
+                <a:off x="8458072" y="2427954"/>
+                <a:ext cx="11785" cy="1624027"/>
+              </a:xfrm>
+              <a:prstGeom prst="straightConnector1">
+                <a:avLst/>
+              </a:prstGeom>
+              <a:ln w="38100">
+                <a:solidFill>
+                  <a:schemeClr val="tx1"/>
+                </a:solidFill>
+                <a:prstDash val="dash"/>
+                <a:tailEnd type="triangle"/>
+              </a:ln>
+            </p:spPr>
+            <p:style>
+              <a:lnRef idx="1">
+                <a:schemeClr val="accent1"/>
+              </a:lnRef>
+              <a:fillRef idx="0">
+                <a:schemeClr val="accent1"/>
+              </a:fillRef>
+              <a:effectRef idx="0">
+                <a:schemeClr val="accent1"/>
+              </a:effectRef>
+              <a:fontRef idx="minor">
+                <a:schemeClr val="tx1"/>
+              </a:fontRef>
+            </p:style>
+          </p:cxnSp>
+          <p:cxnSp>
+            <p:nvCxnSpPr>
+              <p:cNvPr id="210" name="Straight Arrow Connector 209">
+                <a:extLst>
+                  <a:ext uri="{FF2B5EF4-FFF2-40B4-BE49-F238E27FC236}">
+                    <a16:creationId xmlns:a16="http://schemas.microsoft.com/office/drawing/2014/main" id="{042D25D0-BBA4-45E0-B0D2-D8FFCF0B3322}"/>
+                  </a:ext>
+                </a:extLst>
+              </p:cNvPr>
+              <p:cNvCxnSpPr>
+                <a:cxnSpLocks/>
+                <a:stCxn id="201" idx="1"/>
+                <a:endCxn id="200" idx="3"/>
+              </p:cNvCxnSpPr>
+              <p:nvPr/>
+            </p:nvCxnSpPr>
+            <p:spPr>
+              <a:xfrm flipH="1">
+                <a:off x="6417310" y="2193646"/>
+                <a:ext cx="1485947" cy="650526"/>
+              </a:xfrm>
+              <a:prstGeom prst="straightConnector1">
+                <a:avLst/>
+              </a:prstGeom>
+              <a:ln w="38100">
+                <a:solidFill>
+                  <a:schemeClr val="tx1"/>
+                </a:solidFill>
+                <a:tailEnd type="triangle"/>
+              </a:ln>
+            </p:spPr>
+            <p:style>
+              <a:lnRef idx="1">
+                <a:schemeClr val="accent1"/>
+              </a:lnRef>
+              <a:fillRef idx="0">
+                <a:schemeClr val="accent1"/>
+              </a:fillRef>
+              <a:effectRef idx="0">
+                <a:schemeClr val="accent1"/>
+              </a:effectRef>
+              <a:fontRef idx="minor">
+                <a:schemeClr val="tx1"/>
+              </a:fontRef>
+            </p:style>
+          </p:cxnSp>
+        </p:grpSp>
+        <p:sp>
+          <p:nvSpPr>
+            <p:cNvPr id="183" name="TextBox 182">
+              <a:extLst>
+                <a:ext uri="{FF2B5EF4-FFF2-40B4-BE49-F238E27FC236}">
+                  <a16:creationId xmlns:a16="http://schemas.microsoft.com/office/drawing/2014/main" id="{2EDBCCBF-825E-4F4C-8A89-F7F05514B5E5}"/>
+                </a:ext>
+              </a:extLst>
+            </p:cNvPr>
+            <p:cNvSpPr txBox="1"/>
+            <p:nvPr/>
+          </p:nvSpPr>
+          <p:spPr>
+            <a:xfrm>
+              <a:off x="1398262" y="833494"/>
+              <a:ext cx="1415959" cy="369332"/>
+            </a:xfrm>
+            <a:prstGeom prst="rect">
+              <a:avLst/>
+            </a:prstGeom>
+            <a:noFill/>
+          </p:spPr>
+          <p:txBody>
+            <a:bodyPr wrap="square" rtlCol="0">
+              <a:spAutoFit/>
+            </a:bodyPr>
+            <a:lstStyle/>
+            <a:p>
+              <a:r>
+                <a:rPr lang="en-AU" dirty="0">
+                  <a:latin typeface="Arial" panose="020B0604020202020204" pitchFamily="34" charset="0"/>
+                  <a:cs typeface="Arial" panose="020B0604020202020204" pitchFamily="34" charset="0"/>
+                </a:rPr>
+                <a:t>25 km</a:t>
+              </a:r>
+              <a:r>
+                <a:rPr lang="en-AU" baseline="30000" dirty="0">
+                  <a:latin typeface="Arial" panose="020B0604020202020204" pitchFamily="34" charset="0"/>
+                  <a:cs typeface="Arial" panose="020B0604020202020204" pitchFamily="34" charset="0"/>
+                </a:rPr>
+                <a:t>2</a:t>
+              </a:r>
+              <a:endParaRPr lang="en-US" baseline="30000" dirty="0">
+                <a:latin typeface="Arial" panose="020B0604020202020204" pitchFamily="34" charset="0"/>
+                <a:cs typeface="Arial" panose="020B0604020202020204" pitchFamily="34" charset="0"/>
+              </a:endParaRPr>
+            </a:p>
+          </p:txBody>
+        </p:sp>
+      </p:grpSp>
+      <p:grpSp>
+        <p:nvGrpSpPr>
+          <p:cNvPr id="212" name="Group 211">
+            <a:extLst>
+              <a:ext uri="{FF2B5EF4-FFF2-40B4-BE49-F238E27FC236}">
+                <a16:creationId xmlns:a16="http://schemas.microsoft.com/office/drawing/2014/main" id="{67C7E9C5-1C83-4AA0-B27B-9A25A0BEB8A1}"/>
+              </a:ext>
+            </a:extLst>
+          </p:cNvPr>
+          <p:cNvGrpSpPr/>
+          <p:nvPr/>
+        </p:nvGrpSpPr>
+        <p:grpSpPr>
+          <a:xfrm>
+            <a:off x="10842436" y="4329644"/>
+            <a:ext cx="5174869" cy="3889199"/>
+            <a:chOff x="1198485" y="807869"/>
+            <a:chExt cx="5174869" cy="3889199"/>
+          </a:xfrm>
+        </p:grpSpPr>
+        <p:grpSp>
+          <p:nvGrpSpPr>
+            <p:cNvPr id="213" name="Group 212">
+              <a:extLst>
+                <a:ext uri="{FF2B5EF4-FFF2-40B4-BE49-F238E27FC236}">
+                  <a16:creationId xmlns:a16="http://schemas.microsoft.com/office/drawing/2014/main" id="{AE4E0A8F-41F2-431F-9D83-0F18C3D16CF1}"/>
+                </a:ext>
+              </a:extLst>
+            </p:cNvPr>
+            <p:cNvGrpSpPr/>
+            <p:nvPr/>
+          </p:nvGrpSpPr>
+          <p:grpSpPr>
+            <a:xfrm>
+              <a:off x="1198485" y="807869"/>
+              <a:ext cx="5174869" cy="3889199"/>
+              <a:chOff x="3915051" y="1154098"/>
+              <a:chExt cx="5174869" cy="3889199"/>
+            </a:xfrm>
+          </p:grpSpPr>
+          <p:sp>
+            <p:nvSpPr>
+              <p:cNvPr id="215" name="Rectangle 214">
+                <a:extLst>
+                  <a:ext uri="{FF2B5EF4-FFF2-40B4-BE49-F238E27FC236}">
+                    <a16:creationId xmlns:a16="http://schemas.microsoft.com/office/drawing/2014/main" id="{8D9FF987-6198-4815-9055-7ABA5A491CA8}"/>
+                  </a:ext>
+                </a:extLst>
+              </p:cNvPr>
+              <p:cNvSpPr/>
+              <p:nvPr/>
+            </p:nvSpPr>
+            <p:spPr>
+              <a:xfrm>
+                <a:off x="3915051" y="1154098"/>
+                <a:ext cx="5174869" cy="3889199"/>
+              </a:xfrm>
+              <a:prstGeom prst="rect">
+                <a:avLst/>
+              </a:prstGeom>
+              <a:solidFill>
+                <a:schemeClr val="bg1"/>
+              </a:solidFill>
+              <a:ln>
+                <a:solidFill>
+                  <a:schemeClr val="tx1"/>
+                </a:solidFill>
+              </a:ln>
+            </p:spPr>
+            <p:style>
+              <a:lnRef idx="2">
+                <a:schemeClr val="accent1">
+                  <a:shade val="50000"/>
+                </a:schemeClr>
+              </a:lnRef>
+              <a:fillRef idx="1">
+                <a:schemeClr val="accent1"/>
+              </a:fillRef>
+              <a:effectRef idx="0">
+                <a:schemeClr val="accent1"/>
+              </a:effectRef>
+              <a:fontRef idx="minor">
+                <a:schemeClr val="lt1"/>
+              </a:fontRef>
+            </p:style>
+            <p:txBody>
+              <a:bodyPr rtlCol="0" anchor="ctr"/>
+              <a:lstStyle/>
+              <a:p>
+                <a:pPr algn="ctr"/>
+                <a:endParaRPr lang="en-US" sz="1050"/>
+              </a:p>
+            </p:txBody>
+          </p:sp>
+          <p:sp>
+            <p:nvSpPr>
+              <p:cNvPr id="216" name="Rectangle 215">
+                <a:extLst>
+                  <a:ext uri="{FF2B5EF4-FFF2-40B4-BE49-F238E27FC236}">
+                    <a16:creationId xmlns:a16="http://schemas.microsoft.com/office/drawing/2014/main" id="{17FE4CA7-E8C9-4899-B8E0-768897BBCC5F}"/>
+                  </a:ext>
+                </a:extLst>
+              </p:cNvPr>
+              <p:cNvSpPr/>
+              <p:nvPr/>
+            </p:nvSpPr>
+            <p:spPr>
+              <a:xfrm>
+                <a:off x="7938238" y="2830696"/>
+                <a:ext cx="526467" cy="299072"/>
+              </a:xfrm>
+              <a:prstGeom prst="rect">
+                <a:avLst/>
+              </a:prstGeom>
+              <a:solidFill>
+                <a:schemeClr val="bg1"/>
+              </a:solidFill>
+              <a:ln>
+                <a:noFill/>
+              </a:ln>
+            </p:spPr>
+            <p:style>
+              <a:lnRef idx="2">
+                <a:schemeClr val="accent1">
+                  <a:shade val="50000"/>
+                </a:schemeClr>
+              </a:lnRef>
+              <a:fillRef idx="1">
+                <a:schemeClr val="accent1"/>
+              </a:fillRef>
+              <a:effectRef idx="0">
+                <a:schemeClr val="accent1"/>
+              </a:effectRef>
+              <a:fontRef idx="minor">
+                <a:schemeClr val="lt1"/>
+              </a:fontRef>
+            </p:style>
+            <p:txBody>
+              <a:bodyPr rtlCol="0" anchor="ctr"/>
+              <a:lstStyle/>
+              <a:p>
+                <a:pPr algn="ctr"/>
+                <a:r>
+                  <a:rPr lang="en-AU" sz="900" dirty="0">
+                    <a:solidFill>
+                      <a:schemeClr val="tx1"/>
+                    </a:solidFill>
+                    <a:latin typeface="Arial" panose="020B0604020202020204" pitchFamily="34" charset="0"/>
+                    <a:cs typeface="Arial" panose="020B0604020202020204" pitchFamily="34" charset="0"/>
+                  </a:rPr>
+                  <a:t>-0.075</a:t>
+                </a:r>
+                <a:endParaRPr lang="en-US" sz="900" dirty="0">
+                  <a:solidFill>
+                    <a:schemeClr val="tx1"/>
+                  </a:solidFill>
+                  <a:latin typeface="Arial" panose="020B0604020202020204" pitchFamily="34" charset="0"/>
+                  <a:cs typeface="Arial" panose="020B0604020202020204" pitchFamily="34" charset="0"/>
+                </a:endParaRPr>
+              </a:p>
+            </p:txBody>
+          </p:sp>
+          <p:sp>
+            <p:nvSpPr>
+              <p:cNvPr id="220" name="Rectangle 219">
+                <a:extLst>
+                  <a:ext uri="{FF2B5EF4-FFF2-40B4-BE49-F238E27FC236}">
+                    <a16:creationId xmlns:a16="http://schemas.microsoft.com/office/drawing/2014/main" id="{8F7B7F17-D8A3-410E-AA95-C7B68A3BB1AB}"/>
+                  </a:ext>
+                </a:extLst>
+              </p:cNvPr>
+              <p:cNvSpPr/>
+              <p:nvPr/>
+            </p:nvSpPr>
+            <p:spPr>
+              <a:xfrm>
+                <a:off x="5770344" y="2050277"/>
+                <a:ext cx="526467" cy="299072"/>
+              </a:xfrm>
+              <a:prstGeom prst="rect">
+                <a:avLst/>
+              </a:prstGeom>
+              <a:solidFill>
+                <a:schemeClr val="bg1"/>
+              </a:solidFill>
+              <a:ln>
+                <a:noFill/>
+              </a:ln>
+            </p:spPr>
+            <p:style>
+              <a:lnRef idx="2">
+                <a:schemeClr val="accent1">
+                  <a:shade val="50000"/>
+                </a:schemeClr>
+              </a:lnRef>
+              <a:fillRef idx="1">
+                <a:schemeClr val="accent1"/>
+              </a:fillRef>
+              <a:effectRef idx="0">
+                <a:schemeClr val="accent1"/>
+              </a:effectRef>
+              <a:fontRef idx="minor">
+                <a:schemeClr val="lt1"/>
+              </a:fontRef>
+            </p:style>
+            <p:txBody>
+              <a:bodyPr rtlCol="0" anchor="ctr"/>
+              <a:lstStyle/>
+              <a:p>
+                <a:pPr algn="ctr"/>
+                <a:r>
+                  <a:rPr lang="en-AU" sz="900" dirty="0">
+                    <a:solidFill>
+                      <a:schemeClr val="tx1"/>
+                    </a:solidFill>
+                    <a:latin typeface="Arial" panose="020B0604020202020204" pitchFamily="34" charset="0"/>
+                    <a:cs typeface="Arial" panose="020B0604020202020204" pitchFamily="34" charset="0"/>
+                  </a:rPr>
+                  <a:t>0.519</a:t>
+                </a:r>
+                <a:endParaRPr lang="en-US" sz="900" dirty="0">
+                  <a:solidFill>
+                    <a:schemeClr val="tx1"/>
+                  </a:solidFill>
+                  <a:latin typeface="Arial" panose="020B0604020202020204" pitchFamily="34" charset="0"/>
+                  <a:cs typeface="Arial" panose="020B0604020202020204" pitchFamily="34" charset="0"/>
+                </a:endParaRPr>
+              </a:p>
+            </p:txBody>
+          </p:sp>
+          <p:sp>
+            <p:nvSpPr>
+              <p:cNvPr id="221" name="Rectangle 220">
+                <a:extLst>
+                  <a:ext uri="{FF2B5EF4-FFF2-40B4-BE49-F238E27FC236}">
+                    <a16:creationId xmlns:a16="http://schemas.microsoft.com/office/drawing/2014/main" id="{49157BC6-4CC0-4B97-9C61-9B4ED9805CB0}"/>
+                  </a:ext>
+                </a:extLst>
+              </p:cNvPr>
+              <p:cNvSpPr/>
+              <p:nvPr/>
+            </p:nvSpPr>
+            <p:spPr>
+              <a:xfrm>
+                <a:off x="4470372" y="2362635"/>
+                <a:ext cx="526467" cy="299072"/>
+              </a:xfrm>
+              <a:prstGeom prst="rect">
+                <a:avLst/>
+              </a:prstGeom>
+              <a:solidFill>
+                <a:schemeClr val="bg1"/>
+              </a:solidFill>
+              <a:ln>
+                <a:noFill/>
+              </a:ln>
+            </p:spPr>
+            <p:style>
+              <a:lnRef idx="2">
+                <a:schemeClr val="accent1">
+                  <a:shade val="50000"/>
+                </a:schemeClr>
+              </a:lnRef>
+              <a:fillRef idx="1">
+                <a:schemeClr val="accent1"/>
+              </a:fillRef>
+              <a:effectRef idx="0">
+                <a:schemeClr val="accent1"/>
+              </a:effectRef>
+              <a:fontRef idx="minor">
+                <a:schemeClr val="lt1"/>
+              </a:fontRef>
+            </p:style>
+            <p:txBody>
+              <a:bodyPr rtlCol="0" anchor="ctr"/>
+              <a:lstStyle/>
+              <a:p>
+                <a:pPr algn="ctr"/>
+                <a:r>
+                  <a:rPr lang="en-AU" sz="900" dirty="0">
+                    <a:solidFill>
+                      <a:schemeClr val="tx1"/>
+                    </a:solidFill>
+                    <a:latin typeface="Arial" panose="020B0604020202020204" pitchFamily="34" charset="0"/>
+                    <a:cs typeface="Arial" panose="020B0604020202020204" pitchFamily="34" charset="0"/>
+                  </a:rPr>
+                  <a:t>0.151</a:t>
+                </a:r>
+                <a:endParaRPr lang="en-US" sz="900" dirty="0">
+                  <a:solidFill>
+                    <a:schemeClr val="tx1"/>
+                  </a:solidFill>
+                  <a:latin typeface="Arial" panose="020B0604020202020204" pitchFamily="34" charset="0"/>
+                  <a:cs typeface="Arial" panose="020B0604020202020204" pitchFamily="34" charset="0"/>
+                </a:endParaRPr>
+              </a:p>
+            </p:txBody>
+          </p:sp>
+          <p:sp>
+            <p:nvSpPr>
+              <p:cNvPr id="222" name="Rectangle 221">
+                <a:extLst>
+                  <a:ext uri="{FF2B5EF4-FFF2-40B4-BE49-F238E27FC236}">
+                    <a16:creationId xmlns:a16="http://schemas.microsoft.com/office/drawing/2014/main" id="{F3046CB9-4A74-44F3-8B6D-07EAA21FCE4F}"/>
+                  </a:ext>
+                </a:extLst>
+              </p:cNvPr>
+              <p:cNvSpPr/>
+              <p:nvPr/>
+            </p:nvSpPr>
+            <p:spPr>
+              <a:xfrm>
+                <a:off x="5610556" y="3577631"/>
+                <a:ext cx="526467" cy="299072"/>
+              </a:xfrm>
+              <a:prstGeom prst="rect">
+                <a:avLst/>
+              </a:prstGeom>
+              <a:solidFill>
+                <a:schemeClr val="bg1"/>
+              </a:solidFill>
+              <a:ln>
+                <a:noFill/>
+              </a:ln>
+            </p:spPr>
+            <p:style>
+              <a:lnRef idx="2">
+                <a:schemeClr val="accent1">
+                  <a:shade val="50000"/>
+                </a:schemeClr>
+              </a:lnRef>
+              <a:fillRef idx="1">
+                <a:schemeClr val="accent1"/>
+              </a:fillRef>
+              <a:effectRef idx="0">
+                <a:schemeClr val="accent1"/>
+              </a:effectRef>
+              <a:fontRef idx="minor">
+                <a:schemeClr val="lt1"/>
+              </a:fontRef>
+            </p:style>
+            <p:txBody>
+              <a:bodyPr rtlCol="0" anchor="ctr"/>
+              <a:lstStyle/>
+              <a:p>
+                <a:pPr algn="ctr"/>
+                <a:r>
+                  <a:rPr lang="en-AU" sz="900" dirty="0">
+                    <a:solidFill>
+                      <a:schemeClr val="tx1"/>
+                    </a:solidFill>
+                    <a:latin typeface="Arial" panose="020B0604020202020204" pitchFamily="34" charset="0"/>
+                    <a:cs typeface="Arial" panose="020B0604020202020204" pitchFamily="34" charset="0"/>
+                  </a:rPr>
+                  <a:t>0.196</a:t>
+                </a:r>
+                <a:endParaRPr lang="en-US" sz="900" dirty="0">
+                  <a:solidFill>
+                    <a:schemeClr val="tx1"/>
+                  </a:solidFill>
+                  <a:latin typeface="Arial" panose="020B0604020202020204" pitchFamily="34" charset="0"/>
+                  <a:cs typeface="Arial" panose="020B0604020202020204" pitchFamily="34" charset="0"/>
+                </a:endParaRPr>
+              </a:p>
+            </p:txBody>
+          </p:sp>
+          <p:sp>
+            <p:nvSpPr>
+              <p:cNvPr id="223" name="Rectangle 222">
+                <a:extLst>
+                  <a:ext uri="{FF2B5EF4-FFF2-40B4-BE49-F238E27FC236}">
+                    <a16:creationId xmlns:a16="http://schemas.microsoft.com/office/drawing/2014/main" id="{7E93FFE4-6D25-4115-87E2-6C6725D80F55}"/>
+                  </a:ext>
+                </a:extLst>
+              </p:cNvPr>
+              <p:cNvSpPr/>
+              <p:nvPr/>
+            </p:nvSpPr>
+            <p:spPr>
+              <a:xfrm>
+                <a:off x="6862779" y="1927038"/>
+                <a:ext cx="526467" cy="299072"/>
+              </a:xfrm>
+              <a:prstGeom prst="rect">
+                <a:avLst/>
+              </a:prstGeom>
+              <a:solidFill>
+                <a:schemeClr val="bg1"/>
+              </a:solidFill>
+              <a:ln>
+                <a:noFill/>
+              </a:ln>
+            </p:spPr>
+            <p:style>
+              <a:lnRef idx="2">
+                <a:schemeClr val="accent1">
+                  <a:shade val="50000"/>
+                </a:schemeClr>
+              </a:lnRef>
+              <a:fillRef idx="1">
+                <a:schemeClr val="accent1"/>
+              </a:fillRef>
+              <a:effectRef idx="0">
+                <a:schemeClr val="accent1"/>
+              </a:effectRef>
+              <a:fontRef idx="minor">
+                <a:schemeClr val="lt1"/>
+              </a:fontRef>
+            </p:style>
+            <p:txBody>
+              <a:bodyPr rtlCol="0" anchor="ctr"/>
+              <a:lstStyle/>
+              <a:p>
+                <a:pPr algn="ctr"/>
+                <a:r>
+                  <a:rPr lang="en-AU" sz="900" dirty="0">
+                    <a:solidFill>
+                      <a:schemeClr val="tx1"/>
+                    </a:solidFill>
+                    <a:latin typeface="Arial" panose="020B0604020202020204" pitchFamily="34" charset="0"/>
+                    <a:cs typeface="Arial" panose="020B0604020202020204" pitchFamily="34" charset="0"/>
+                  </a:rPr>
+                  <a:t>0.053</a:t>
+                </a:r>
+                <a:endParaRPr lang="en-US" sz="900" dirty="0">
+                  <a:solidFill>
+                    <a:schemeClr val="tx1"/>
+                  </a:solidFill>
+                  <a:latin typeface="Arial" panose="020B0604020202020204" pitchFamily="34" charset="0"/>
+                  <a:cs typeface="Arial" panose="020B0604020202020204" pitchFamily="34" charset="0"/>
+                </a:endParaRPr>
+              </a:p>
+            </p:txBody>
+          </p:sp>
+          <p:sp>
+            <p:nvSpPr>
+              <p:cNvPr id="225" name="Rectangle 224">
+                <a:extLst>
+                  <a:ext uri="{FF2B5EF4-FFF2-40B4-BE49-F238E27FC236}">
+                    <a16:creationId xmlns:a16="http://schemas.microsoft.com/office/drawing/2014/main" id="{A5C91B2A-4A64-4B16-AA02-E27306789EBF}"/>
+                  </a:ext>
+                </a:extLst>
+              </p:cNvPr>
+              <p:cNvSpPr/>
+              <p:nvPr/>
+            </p:nvSpPr>
+            <p:spPr>
+              <a:xfrm>
+                <a:off x="7316516" y="2362635"/>
+                <a:ext cx="526467" cy="299072"/>
+              </a:xfrm>
+              <a:prstGeom prst="rect">
+                <a:avLst/>
+              </a:prstGeom>
+              <a:solidFill>
+                <a:schemeClr val="bg1"/>
+              </a:solidFill>
+              <a:ln>
+                <a:noFill/>
+              </a:ln>
+            </p:spPr>
+            <p:style>
+              <a:lnRef idx="2">
+                <a:schemeClr val="accent1">
+                  <a:shade val="50000"/>
+                </a:schemeClr>
+              </a:lnRef>
+              <a:fillRef idx="1">
+                <a:schemeClr val="accent1"/>
+              </a:fillRef>
+              <a:effectRef idx="0">
+                <a:schemeClr val="accent1"/>
+              </a:effectRef>
+              <a:fontRef idx="minor">
+                <a:schemeClr val="lt1"/>
+              </a:fontRef>
+            </p:style>
+            <p:txBody>
+              <a:bodyPr rtlCol="0" anchor="ctr"/>
+              <a:lstStyle/>
+              <a:p>
+                <a:pPr algn="ctr"/>
+                <a:r>
+                  <a:rPr lang="en-AU" sz="900" dirty="0">
+                    <a:solidFill>
+                      <a:schemeClr val="tx1"/>
+                    </a:solidFill>
+                    <a:latin typeface="Arial" panose="020B0604020202020204" pitchFamily="34" charset="0"/>
+                    <a:cs typeface="Arial" panose="020B0604020202020204" pitchFamily="34" charset="0"/>
+                  </a:rPr>
+                  <a:t>0.295</a:t>
+                </a:r>
+                <a:endParaRPr lang="en-US" sz="900" dirty="0">
+                  <a:solidFill>
+                    <a:schemeClr val="tx1"/>
+                  </a:solidFill>
+                  <a:latin typeface="Arial" panose="020B0604020202020204" pitchFamily="34" charset="0"/>
+                  <a:cs typeface="Arial" panose="020B0604020202020204" pitchFamily="34" charset="0"/>
+                </a:endParaRPr>
+              </a:p>
+            </p:txBody>
+          </p:sp>
+          <p:sp>
+            <p:nvSpPr>
+              <p:cNvPr id="226" name="Rectangle 225">
+                <a:extLst>
+                  <a:ext uri="{FF2B5EF4-FFF2-40B4-BE49-F238E27FC236}">
+                    <a16:creationId xmlns:a16="http://schemas.microsoft.com/office/drawing/2014/main" id="{68D306A3-2F6C-41BE-811E-A5197EC12627}"/>
+                  </a:ext>
+                </a:extLst>
+              </p:cNvPr>
+              <p:cNvSpPr/>
+              <p:nvPr/>
+            </p:nvSpPr>
+            <p:spPr>
+              <a:xfrm>
+                <a:off x="6760870" y="3333801"/>
+                <a:ext cx="526467" cy="299072"/>
+              </a:xfrm>
+              <a:prstGeom prst="rect">
+                <a:avLst/>
+              </a:prstGeom>
+              <a:solidFill>
+                <a:schemeClr val="bg1"/>
+              </a:solidFill>
+              <a:ln>
+                <a:noFill/>
+              </a:ln>
+            </p:spPr>
+            <p:style>
+              <a:lnRef idx="2">
+                <a:schemeClr val="accent1">
+                  <a:shade val="50000"/>
+                </a:schemeClr>
+              </a:lnRef>
+              <a:fillRef idx="1">
+                <a:schemeClr val="accent1"/>
+              </a:fillRef>
+              <a:effectRef idx="0">
+                <a:schemeClr val="accent1"/>
+              </a:effectRef>
+              <a:fontRef idx="minor">
+                <a:schemeClr val="lt1"/>
+              </a:fontRef>
+            </p:style>
+            <p:txBody>
+              <a:bodyPr rtlCol="0" anchor="ctr"/>
+              <a:lstStyle/>
+              <a:p>
+                <a:pPr algn="ctr"/>
+                <a:r>
+                  <a:rPr lang="en-AU" sz="900" dirty="0">
+                    <a:solidFill>
+                      <a:schemeClr val="tx1"/>
+                    </a:solidFill>
+                    <a:latin typeface="Arial" panose="020B0604020202020204" pitchFamily="34" charset="0"/>
+                    <a:cs typeface="Arial" panose="020B0604020202020204" pitchFamily="34" charset="0"/>
+                  </a:rPr>
+                  <a:t>0.937</a:t>
+                </a:r>
+                <a:endParaRPr lang="en-US" sz="900" dirty="0">
+                  <a:solidFill>
+                    <a:schemeClr val="tx1"/>
+                  </a:solidFill>
+                  <a:latin typeface="Arial" panose="020B0604020202020204" pitchFamily="34" charset="0"/>
+                  <a:cs typeface="Arial" panose="020B0604020202020204" pitchFamily="34" charset="0"/>
+                </a:endParaRPr>
+              </a:p>
+            </p:txBody>
+          </p:sp>
+          <p:cxnSp>
+            <p:nvCxnSpPr>
+              <p:cNvPr id="227" name="Straight Arrow Connector 226">
+                <a:extLst>
+                  <a:ext uri="{FF2B5EF4-FFF2-40B4-BE49-F238E27FC236}">
+                    <a16:creationId xmlns:a16="http://schemas.microsoft.com/office/drawing/2014/main" id="{172A8756-EF82-464A-9052-6CC67810B6C4}"/>
+                  </a:ext>
+                </a:extLst>
+              </p:cNvPr>
+              <p:cNvCxnSpPr>
+                <a:cxnSpLocks/>
+                <a:endCxn id="231" idx="1"/>
+              </p:cNvCxnSpPr>
+              <p:nvPr/>
+            </p:nvCxnSpPr>
+            <p:spPr>
+              <a:xfrm>
+                <a:off x="4498006" y="2054586"/>
+                <a:ext cx="809674" cy="789586"/>
+              </a:xfrm>
+              <a:prstGeom prst="straightConnector1">
+                <a:avLst/>
+              </a:prstGeom>
+              <a:ln w="38100">
+                <a:solidFill>
+                  <a:schemeClr val="tx1"/>
+                </a:solidFill>
+                <a:prstDash val="dash"/>
+                <a:tailEnd type="triangle"/>
+              </a:ln>
+            </p:spPr>
+            <p:style>
+              <a:lnRef idx="1">
+                <a:schemeClr val="accent1"/>
+              </a:lnRef>
+              <a:fillRef idx="0">
+                <a:schemeClr val="accent1"/>
+              </a:fillRef>
+              <a:effectRef idx="0">
+                <a:schemeClr val="accent1"/>
+              </a:effectRef>
+              <a:fontRef idx="minor">
+                <a:schemeClr val="tx1"/>
+              </a:fontRef>
+            </p:style>
+          </p:cxnSp>
+          <p:cxnSp>
+            <p:nvCxnSpPr>
+              <p:cNvPr id="228" name="Straight Arrow Connector 227">
+                <a:extLst>
+                  <a:ext uri="{FF2B5EF4-FFF2-40B4-BE49-F238E27FC236}">
+                    <a16:creationId xmlns:a16="http://schemas.microsoft.com/office/drawing/2014/main" id="{A601AD87-C624-4DF8-AAF2-AA0382307F6D}"/>
+                  </a:ext>
+                </a:extLst>
+              </p:cNvPr>
+              <p:cNvCxnSpPr>
+                <a:cxnSpLocks/>
+              </p:cNvCxnSpPr>
+              <p:nvPr/>
+            </p:nvCxnSpPr>
+            <p:spPr>
+              <a:xfrm>
+                <a:off x="6141078" y="2989749"/>
+                <a:ext cx="1481873" cy="1170674"/>
+              </a:xfrm>
+              <a:prstGeom prst="straightConnector1">
+                <a:avLst/>
+              </a:prstGeom>
+              <a:ln w="38100">
+                <a:solidFill>
+                  <a:schemeClr val="tx1"/>
+                </a:solidFill>
+                <a:tailEnd type="triangle"/>
+              </a:ln>
+            </p:spPr>
+            <p:style>
+              <a:lnRef idx="1">
+                <a:schemeClr val="accent1"/>
+              </a:lnRef>
+              <a:fillRef idx="0">
+                <a:schemeClr val="accent1"/>
+              </a:fillRef>
+              <a:effectRef idx="0">
+                <a:schemeClr val="accent1"/>
+              </a:effectRef>
+              <a:fontRef idx="minor">
+                <a:schemeClr val="tx1"/>
+              </a:fontRef>
+            </p:style>
+          </p:cxnSp>
+          <p:cxnSp>
+            <p:nvCxnSpPr>
+              <p:cNvPr id="230" name="Straight Arrow Connector 229">
+                <a:extLst>
+                  <a:ext uri="{FF2B5EF4-FFF2-40B4-BE49-F238E27FC236}">
+                    <a16:creationId xmlns:a16="http://schemas.microsoft.com/office/drawing/2014/main" id="{A48E0CE4-B19F-406C-BA90-EBAAE0E9438F}"/>
+                  </a:ext>
+                </a:extLst>
+              </p:cNvPr>
+              <p:cNvCxnSpPr>
+                <a:cxnSpLocks/>
+                <a:endCxn id="236" idx="0"/>
+              </p:cNvCxnSpPr>
+              <p:nvPr/>
+            </p:nvCxnSpPr>
+            <p:spPr>
+              <a:xfrm>
+                <a:off x="6658308" y="1666988"/>
+                <a:ext cx="1531678" cy="2384993"/>
+              </a:xfrm>
+              <a:prstGeom prst="straightConnector1">
+                <a:avLst/>
+              </a:prstGeom>
+              <a:ln w="38100">
+                <a:solidFill>
+                  <a:schemeClr val="tx1"/>
+                </a:solidFill>
+                <a:prstDash val="dash"/>
+                <a:tailEnd type="triangle"/>
+              </a:ln>
+            </p:spPr>
+            <p:style>
+              <a:lnRef idx="1">
+                <a:schemeClr val="accent1"/>
+              </a:lnRef>
+              <a:fillRef idx="0">
+                <a:schemeClr val="accent1"/>
+              </a:fillRef>
+              <a:effectRef idx="0">
+                <a:schemeClr val="accent1"/>
+              </a:effectRef>
+              <a:fontRef idx="minor">
+                <a:schemeClr val="tx1"/>
+              </a:fontRef>
+            </p:style>
+          </p:cxnSp>
+          <p:sp>
+            <p:nvSpPr>
+              <p:cNvPr id="231" name="Rectangle 230">
+                <a:extLst>
+                  <a:ext uri="{FF2B5EF4-FFF2-40B4-BE49-F238E27FC236}">
+                    <a16:creationId xmlns:a16="http://schemas.microsoft.com/office/drawing/2014/main" id="{1F516475-4CD8-4E12-ACA2-0DAC88D83356}"/>
+                  </a:ext>
+                </a:extLst>
+              </p:cNvPr>
+              <p:cNvSpPr/>
+              <p:nvPr/>
+            </p:nvSpPr>
+            <p:spPr>
+              <a:xfrm>
+                <a:off x="5307680" y="2609864"/>
+                <a:ext cx="1109630" cy="468616"/>
+              </a:xfrm>
+              <a:prstGeom prst="rect">
+                <a:avLst/>
+              </a:prstGeom>
+              <a:solidFill>
+                <a:schemeClr val="bg1"/>
+              </a:solidFill>
+              <a:ln w="28575">
+                <a:solidFill>
+                  <a:schemeClr val="tx1"/>
+                </a:solidFill>
+              </a:ln>
+            </p:spPr>
+            <p:style>
+              <a:lnRef idx="2">
+                <a:schemeClr val="accent1">
+                  <a:shade val="50000"/>
+                </a:schemeClr>
+              </a:lnRef>
+              <a:fillRef idx="1">
+                <a:schemeClr val="accent1"/>
+              </a:fillRef>
+              <a:effectRef idx="0">
+                <a:schemeClr val="accent1"/>
+              </a:effectRef>
+              <a:fontRef idx="minor">
+                <a:schemeClr val="lt1"/>
+              </a:fontRef>
+            </p:style>
+            <p:txBody>
+              <a:bodyPr rtlCol="0" anchor="ctr"/>
+              <a:lstStyle/>
+              <a:p>
+                <a:pPr algn="ctr"/>
+                <a:r>
+                  <a:rPr lang="en-AU" sz="1000" dirty="0">
+                    <a:solidFill>
+                      <a:schemeClr val="tx1"/>
+                    </a:solidFill>
+                    <a:latin typeface="Arial" panose="020B0604020202020204" pitchFamily="34" charset="0"/>
+                    <a:cs typeface="Arial" panose="020B0604020202020204" pitchFamily="34" charset="0"/>
+                  </a:rPr>
+                  <a:t>Species richness</a:t>
+                </a:r>
+                <a:endParaRPr lang="en-US" sz="1000" dirty="0">
+                  <a:solidFill>
+                    <a:schemeClr val="tx1"/>
+                  </a:solidFill>
+                  <a:latin typeface="Arial" panose="020B0604020202020204" pitchFamily="34" charset="0"/>
+                  <a:cs typeface="Arial" panose="020B0604020202020204" pitchFamily="34" charset="0"/>
+                </a:endParaRPr>
+              </a:p>
+            </p:txBody>
+          </p:sp>
+          <p:sp>
+            <p:nvSpPr>
+              <p:cNvPr id="232" name="Rectangle 231">
+                <a:extLst>
+                  <a:ext uri="{FF2B5EF4-FFF2-40B4-BE49-F238E27FC236}">
+                    <a16:creationId xmlns:a16="http://schemas.microsoft.com/office/drawing/2014/main" id="{6CEA3AC8-4F26-4216-917D-2B1129FC9218}"/>
+                  </a:ext>
+                </a:extLst>
+              </p:cNvPr>
+              <p:cNvSpPr/>
+              <p:nvPr/>
+            </p:nvSpPr>
+            <p:spPr>
+              <a:xfrm>
+                <a:off x="7903257" y="1959338"/>
+                <a:ext cx="1109630" cy="468616"/>
+              </a:xfrm>
+              <a:prstGeom prst="rect">
+                <a:avLst/>
+              </a:prstGeom>
+              <a:solidFill>
+                <a:schemeClr val="bg1"/>
+              </a:solidFill>
+              <a:ln w="28575">
+                <a:solidFill>
+                  <a:schemeClr val="tx1"/>
+                </a:solidFill>
+              </a:ln>
+            </p:spPr>
+            <p:style>
+              <a:lnRef idx="2">
+                <a:schemeClr val="accent1">
+                  <a:shade val="50000"/>
+                </a:schemeClr>
+              </a:lnRef>
+              <a:fillRef idx="1">
+                <a:schemeClr val="accent1"/>
+              </a:fillRef>
+              <a:effectRef idx="0">
+                <a:schemeClr val="accent1"/>
+              </a:effectRef>
+              <a:fontRef idx="minor">
+                <a:schemeClr val="lt1"/>
+              </a:fontRef>
+            </p:style>
+            <p:txBody>
+              <a:bodyPr rtlCol="0" anchor="ctr"/>
+              <a:lstStyle/>
+              <a:p>
+                <a:pPr algn="ctr"/>
+                <a:r>
+                  <a:rPr lang="en-AU" sz="1000" dirty="0">
+                    <a:solidFill>
+                      <a:schemeClr val="tx1"/>
+                    </a:solidFill>
+                    <a:latin typeface="Arial" panose="020B0604020202020204" pitchFamily="34" charset="0"/>
+                    <a:cs typeface="Arial" panose="020B0604020202020204" pitchFamily="34" charset="0"/>
+                  </a:rPr>
+                  <a:t>Heterogeneity</a:t>
+                </a:r>
+                <a:endParaRPr lang="en-US" sz="1000" dirty="0">
+                  <a:solidFill>
+                    <a:schemeClr val="tx1"/>
+                  </a:solidFill>
+                  <a:latin typeface="Arial" panose="020B0604020202020204" pitchFamily="34" charset="0"/>
+                  <a:cs typeface="Arial" panose="020B0604020202020204" pitchFamily="34" charset="0"/>
+                </a:endParaRPr>
+              </a:p>
+            </p:txBody>
+          </p:sp>
+          <p:sp>
+            <p:nvSpPr>
+              <p:cNvPr id="233" name="Rectangle 232">
+                <a:extLst>
+                  <a:ext uri="{FF2B5EF4-FFF2-40B4-BE49-F238E27FC236}">
+                    <a16:creationId xmlns:a16="http://schemas.microsoft.com/office/drawing/2014/main" id="{925B5532-26ED-4C41-9F9D-5E186BC4FF2F}"/>
+                  </a:ext>
+                </a:extLst>
+              </p:cNvPr>
+              <p:cNvSpPr/>
+              <p:nvPr/>
+            </p:nvSpPr>
+            <p:spPr>
+              <a:xfrm>
+                <a:off x="6143596" y="1347908"/>
+                <a:ext cx="1109630" cy="468616"/>
+              </a:xfrm>
+              <a:prstGeom prst="rect">
+                <a:avLst/>
+              </a:prstGeom>
+              <a:solidFill>
+                <a:schemeClr val="bg1"/>
+              </a:solidFill>
+              <a:ln w="28575">
+                <a:solidFill>
+                  <a:schemeClr val="tx1"/>
+                </a:solidFill>
+              </a:ln>
+            </p:spPr>
+            <p:style>
+              <a:lnRef idx="2">
+                <a:schemeClr val="accent1">
+                  <a:shade val="50000"/>
+                </a:schemeClr>
+              </a:lnRef>
+              <a:fillRef idx="1">
+                <a:schemeClr val="accent1"/>
+              </a:fillRef>
+              <a:effectRef idx="0">
+                <a:schemeClr val="accent1"/>
+              </a:effectRef>
+              <a:fontRef idx="minor">
+                <a:schemeClr val="lt1"/>
+              </a:fontRef>
+            </p:style>
+            <p:txBody>
+              <a:bodyPr rtlCol="0" anchor="ctr"/>
+              <a:lstStyle/>
+              <a:p>
+                <a:pPr algn="ctr"/>
+                <a:r>
+                  <a:rPr lang="en-AU" sz="1000" dirty="0">
+                    <a:solidFill>
+                      <a:schemeClr val="tx1"/>
+                    </a:solidFill>
+                    <a:latin typeface="Arial" panose="020B0604020202020204" pitchFamily="34" charset="0"/>
+                    <a:cs typeface="Arial" panose="020B0604020202020204" pitchFamily="34" charset="0"/>
+                  </a:rPr>
+                  <a:t>Urban cover</a:t>
+                </a:r>
+                <a:endParaRPr lang="en-US" sz="1000" dirty="0">
+                  <a:solidFill>
+                    <a:schemeClr val="tx1"/>
+                  </a:solidFill>
+                  <a:latin typeface="Arial" panose="020B0604020202020204" pitchFamily="34" charset="0"/>
+                  <a:cs typeface="Arial" panose="020B0604020202020204" pitchFamily="34" charset="0"/>
+                </a:endParaRPr>
+              </a:p>
+            </p:txBody>
+          </p:sp>
+          <p:sp>
+            <p:nvSpPr>
+              <p:cNvPr id="234" name="Rectangle 233">
+                <a:extLst>
+                  <a:ext uri="{FF2B5EF4-FFF2-40B4-BE49-F238E27FC236}">
+                    <a16:creationId xmlns:a16="http://schemas.microsoft.com/office/drawing/2014/main" id="{6A50CDCC-4241-429C-8410-EB9252BBB1A3}"/>
+                  </a:ext>
+                </a:extLst>
+              </p:cNvPr>
+              <p:cNvSpPr/>
+              <p:nvPr/>
+            </p:nvSpPr>
+            <p:spPr>
+              <a:xfrm>
+                <a:off x="4114828" y="1649265"/>
+                <a:ext cx="1109630" cy="468616"/>
+              </a:xfrm>
+              <a:prstGeom prst="rect">
+                <a:avLst/>
+              </a:prstGeom>
+              <a:solidFill>
+                <a:schemeClr val="bg1"/>
+              </a:solidFill>
+              <a:ln w="28575">
+                <a:solidFill>
+                  <a:schemeClr val="tx1"/>
+                </a:solidFill>
+              </a:ln>
+            </p:spPr>
+            <p:style>
+              <a:lnRef idx="2">
+                <a:schemeClr val="accent1">
+                  <a:shade val="50000"/>
+                </a:schemeClr>
+              </a:lnRef>
+              <a:fillRef idx="1">
+                <a:schemeClr val="accent1"/>
+              </a:fillRef>
+              <a:effectRef idx="0">
+                <a:schemeClr val="accent1"/>
+              </a:effectRef>
+              <a:fontRef idx="minor">
+                <a:schemeClr val="lt1"/>
+              </a:fontRef>
+            </p:style>
+            <p:txBody>
+              <a:bodyPr rtlCol="0" anchor="ctr"/>
+              <a:lstStyle/>
+              <a:p>
+                <a:pPr algn="ctr"/>
+                <a:r>
+                  <a:rPr lang="en-AU" sz="1000" dirty="0">
+                    <a:solidFill>
+                      <a:schemeClr val="tx1"/>
+                    </a:solidFill>
+                    <a:latin typeface="Arial" panose="020B0604020202020204" pitchFamily="34" charset="0"/>
+                    <a:cs typeface="Arial" panose="020B0604020202020204" pitchFamily="34" charset="0"/>
+                  </a:rPr>
+                  <a:t>Water cover</a:t>
+                </a:r>
+                <a:endParaRPr lang="en-US" sz="1000" dirty="0">
+                  <a:solidFill>
+                    <a:schemeClr val="tx1"/>
+                  </a:solidFill>
+                  <a:latin typeface="Arial" panose="020B0604020202020204" pitchFamily="34" charset="0"/>
+                  <a:cs typeface="Arial" panose="020B0604020202020204" pitchFamily="34" charset="0"/>
+                </a:endParaRPr>
+              </a:p>
+            </p:txBody>
+          </p:sp>
+          <p:sp>
+            <p:nvSpPr>
+              <p:cNvPr id="236" name="Rectangle 235">
+                <a:extLst>
+                  <a:ext uri="{FF2B5EF4-FFF2-40B4-BE49-F238E27FC236}">
+                    <a16:creationId xmlns:a16="http://schemas.microsoft.com/office/drawing/2014/main" id="{CC6B61F1-5908-4387-AE61-A6064363C6E5}"/>
+                  </a:ext>
+                </a:extLst>
+              </p:cNvPr>
+              <p:cNvSpPr/>
+              <p:nvPr/>
+            </p:nvSpPr>
+            <p:spPr>
+              <a:xfrm>
+                <a:off x="7635171" y="4051981"/>
+                <a:ext cx="1109630" cy="468616"/>
+              </a:xfrm>
+              <a:prstGeom prst="rect">
+                <a:avLst/>
+              </a:prstGeom>
+              <a:solidFill>
+                <a:schemeClr val="bg1"/>
+              </a:solidFill>
+              <a:ln w="28575">
+                <a:solidFill>
+                  <a:schemeClr val="tx1"/>
+                </a:solidFill>
+              </a:ln>
+            </p:spPr>
+            <p:style>
+              <a:lnRef idx="2">
+                <a:schemeClr val="accent1">
+                  <a:shade val="50000"/>
+                </a:schemeClr>
+              </a:lnRef>
+              <a:fillRef idx="1">
+                <a:schemeClr val="accent1"/>
+              </a:fillRef>
+              <a:effectRef idx="0">
+                <a:schemeClr val="accent1"/>
+              </a:effectRef>
+              <a:fontRef idx="minor">
+                <a:schemeClr val="lt1"/>
+              </a:fontRef>
+            </p:style>
+            <p:txBody>
+              <a:bodyPr rtlCol="0" anchor="ctr"/>
+              <a:lstStyle/>
+              <a:p>
+                <a:pPr algn="ctr"/>
+                <a:r>
+                  <a:rPr lang="en-AU" sz="1000" dirty="0">
+                    <a:solidFill>
+                      <a:schemeClr val="tx1"/>
+                    </a:solidFill>
+                    <a:latin typeface="Arial" panose="020B0604020202020204" pitchFamily="34" charset="0"/>
+                    <a:cs typeface="Arial" panose="020B0604020202020204" pitchFamily="34" charset="0"/>
+                  </a:rPr>
+                  <a:t>Number of checklists</a:t>
+                </a:r>
+                <a:endParaRPr lang="en-US" sz="1000" dirty="0">
+                  <a:solidFill>
+                    <a:schemeClr val="tx1"/>
+                  </a:solidFill>
+                  <a:latin typeface="Arial" panose="020B0604020202020204" pitchFamily="34" charset="0"/>
+                  <a:cs typeface="Arial" panose="020B0604020202020204" pitchFamily="34" charset="0"/>
+                </a:endParaRPr>
+              </a:p>
+            </p:txBody>
+          </p:sp>
+          <p:cxnSp>
+            <p:nvCxnSpPr>
+              <p:cNvPr id="239" name="Straight Arrow Connector 238">
+                <a:extLst>
+                  <a:ext uri="{FF2B5EF4-FFF2-40B4-BE49-F238E27FC236}">
+                    <a16:creationId xmlns:a16="http://schemas.microsoft.com/office/drawing/2014/main" id="{77AE46E7-175C-4C87-9FB6-E2324B98A15A}"/>
+                  </a:ext>
+                </a:extLst>
+              </p:cNvPr>
+              <p:cNvCxnSpPr>
+                <a:cxnSpLocks/>
+                <a:stCxn id="233" idx="2"/>
+                <a:endCxn id="231" idx="0"/>
+              </p:cNvCxnSpPr>
+              <p:nvPr/>
+            </p:nvCxnSpPr>
+            <p:spPr>
+              <a:xfrm flipH="1">
+                <a:off x="5862495" y="1816524"/>
+                <a:ext cx="835916" cy="793340"/>
+              </a:xfrm>
+              <a:prstGeom prst="straightConnector1">
+                <a:avLst/>
+              </a:prstGeom>
+              <a:ln w="38100">
+                <a:solidFill>
+                  <a:schemeClr val="tx1"/>
+                </a:solidFill>
+                <a:tailEnd type="triangle"/>
+              </a:ln>
+            </p:spPr>
+            <p:style>
+              <a:lnRef idx="1">
+                <a:schemeClr val="accent1"/>
+              </a:lnRef>
+              <a:fillRef idx="0">
+                <a:schemeClr val="accent1"/>
+              </a:fillRef>
+              <a:effectRef idx="0">
+                <a:schemeClr val="accent1"/>
+              </a:effectRef>
+              <a:fontRef idx="minor">
+                <a:schemeClr val="tx1"/>
+              </a:fontRef>
+            </p:style>
+          </p:cxnSp>
+          <p:cxnSp>
+            <p:nvCxnSpPr>
+              <p:cNvPr id="240" name="Straight Arrow Connector 239">
+                <a:extLst>
+                  <a:ext uri="{FF2B5EF4-FFF2-40B4-BE49-F238E27FC236}">
+                    <a16:creationId xmlns:a16="http://schemas.microsoft.com/office/drawing/2014/main" id="{4A4332A0-417E-4729-9A6D-BB4EE3DEE5C0}"/>
+                  </a:ext>
+                </a:extLst>
+              </p:cNvPr>
+              <p:cNvCxnSpPr>
+                <a:cxnSpLocks/>
+                <a:stCxn id="232" idx="2"/>
+              </p:cNvCxnSpPr>
+              <p:nvPr/>
+            </p:nvCxnSpPr>
+            <p:spPr>
+              <a:xfrm>
+                <a:off x="8458072" y="2427954"/>
+                <a:ext cx="11785" cy="1624027"/>
+              </a:xfrm>
+              <a:prstGeom prst="straightConnector1">
+                <a:avLst/>
+              </a:prstGeom>
+              <a:ln w="38100">
+                <a:solidFill>
+                  <a:schemeClr val="tx1"/>
+                </a:solidFill>
+                <a:prstDash val="dash"/>
+                <a:tailEnd type="triangle"/>
+              </a:ln>
+            </p:spPr>
+            <p:style>
+              <a:lnRef idx="1">
+                <a:schemeClr val="accent1"/>
+              </a:lnRef>
+              <a:fillRef idx="0">
+                <a:schemeClr val="accent1"/>
+              </a:fillRef>
+              <a:effectRef idx="0">
+                <a:schemeClr val="accent1"/>
+              </a:effectRef>
+              <a:fontRef idx="minor">
+                <a:schemeClr val="tx1"/>
+              </a:fontRef>
+            </p:style>
+          </p:cxnSp>
+          <p:cxnSp>
+            <p:nvCxnSpPr>
+              <p:cNvPr id="241" name="Straight Arrow Connector 240">
+                <a:extLst>
+                  <a:ext uri="{FF2B5EF4-FFF2-40B4-BE49-F238E27FC236}">
+                    <a16:creationId xmlns:a16="http://schemas.microsoft.com/office/drawing/2014/main" id="{0D64181A-80A1-4D57-964A-1A4A584616C3}"/>
+                  </a:ext>
+                </a:extLst>
+              </p:cNvPr>
+              <p:cNvCxnSpPr>
+                <a:cxnSpLocks/>
+                <a:stCxn id="232" idx="1"/>
+                <a:endCxn id="231" idx="3"/>
+              </p:cNvCxnSpPr>
+              <p:nvPr/>
+            </p:nvCxnSpPr>
+            <p:spPr>
+              <a:xfrm flipH="1">
+                <a:off x="6417310" y="2193646"/>
+                <a:ext cx="1485947" cy="650526"/>
+              </a:xfrm>
+              <a:prstGeom prst="straightConnector1">
+                <a:avLst/>
+              </a:prstGeom>
+              <a:ln w="38100">
+                <a:solidFill>
+                  <a:schemeClr val="tx1"/>
+                </a:solidFill>
+                <a:tailEnd type="triangle"/>
+              </a:ln>
+            </p:spPr>
+            <p:style>
+              <a:lnRef idx="1">
+                <a:schemeClr val="accent1"/>
+              </a:lnRef>
+              <a:fillRef idx="0">
+                <a:schemeClr val="accent1"/>
+              </a:fillRef>
+              <a:effectRef idx="0">
+                <a:schemeClr val="accent1"/>
+              </a:effectRef>
+              <a:fontRef idx="minor">
+                <a:schemeClr val="tx1"/>
+              </a:fontRef>
+            </p:style>
+          </p:cxnSp>
+        </p:grpSp>
+        <p:sp>
+          <p:nvSpPr>
+            <p:cNvPr id="214" name="TextBox 213">
+              <a:extLst>
+                <a:ext uri="{FF2B5EF4-FFF2-40B4-BE49-F238E27FC236}">
+                  <a16:creationId xmlns:a16="http://schemas.microsoft.com/office/drawing/2014/main" id="{2AC344AF-B9A8-4C89-B7B0-46DBD1D4336E}"/>
+                </a:ext>
+              </a:extLst>
+            </p:cNvPr>
+            <p:cNvSpPr txBox="1"/>
+            <p:nvPr/>
+          </p:nvSpPr>
+          <p:spPr>
+            <a:xfrm>
+              <a:off x="1398262" y="833494"/>
+              <a:ext cx="1415959" cy="369332"/>
+            </a:xfrm>
+            <a:prstGeom prst="rect">
+              <a:avLst/>
+            </a:prstGeom>
+            <a:noFill/>
+          </p:spPr>
+          <p:txBody>
+            <a:bodyPr wrap="square" rtlCol="0">
+              <a:spAutoFit/>
+            </a:bodyPr>
+            <a:lstStyle/>
+            <a:p>
+              <a:r>
+                <a:rPr lang="en-AU" dirty="0">
+                  <a:latin typeface="Arial" panose="020B0604020202020204" pitchFamily="34" charset="0"/>
+                  <a:cs typeface="Arial" panose="020B0604020202020204" pitchFamily="34" charset="0"/>
+                </a:rPr>
+                <a:t>30 km</a:t>
+              </a:r>
+              <a:r>
+                <a:rPr lang="en-AU" baseline="30000" dirty="0">
+                  <a:latin typeface="Arial" panose="020B0604020202020204" pitchFamily="34" charset="0"/>
+                  <a:cs typeface="Arial" panose="020B0604020202020204" pitchFamily="34" charset="0"/>
+                </a:rPr>
+                <a:t>2</a:t>
+              </a:r>
+              <a:endParaRPr lang="en-US" baseline="30000" dirty="0">
+                <a:latin typeface="Arial" panose="020B0604020202020204" pitchFamily="34" charset="0"/>
+                <a:cs typeface="Arial" panose="020B0604020202020204" pitchFamily="34" charset="0"/>
+              </a:endParaRPr>
+            </a:p>
+          </p:txBody>
+        </p:sp>
+      </p:grpSp>
+      <p:sp>
+        <p:nvSpPr>
+          <p:cNvPr id="243" name="Rectangle 242">
+            <a:extLst>
+              <a:ext uri="{FF2B5EF4-FFF2-40B4-BE49-F238E27FC236}">
+                <a16:creationId xmlns:a16="http://schemas.microsoft.com/office/drawing/2014/main" id="{4D3B6418-6A22-46E6-BBF9-C73CB449CBC6}"/>
+              </a:ext>
+            </a:extLst>
+          </p:cNvPr>
+          <p:cNvSpPr/>
+          <p:nvPr/>
+        </p:nvSpPr>
+        <p:spPr>
+          <a:xfrm>
+            <a:off x="6118350" y="3298626"/>
+            <a:ext cx="1109630" cy="468616"/>
+          </a:xfrm>
+          <a:prstGeom prst="rect">
+            <a:avLst/>
+          </a:prstGeom>
+          <a:solidFill>
+            <a:schemeClr val="bg1"/>
+          </a:solidFill>
+          <a:ln w="28575">
+            <a:solidFill>
+              <a:schemeClr val="tx1"/>
+            </a:solidFill>
+          </a:ln>
+        </p:spPr>
+        <p:style>
+          <a:lnRef idx="2">
+            <a:schemeClr val="accent1">
+              <a:shade val="50000"/>
+            </a:schemeClr>
+          </a:lnRef>
+          <a:fillRef idx="1">
+            <a:schemeClr val="accent1"/>
+          </a:fillRef>
+          <a:effectRef idx="0">
+            <a:schemeClr val="accent1"/>
+          </a:effectRef>
+          <a:fontRef idx="minor">
+            <a:schemeClr val="lt1"/>
+          </a:fontRef>
+        </p:style>
+        <p:txBody>
+          <a:bodyPr rtlCol="0" anchor="ctr"/>
+          <a:lstStyle/>
+          <a:p>
+            <a:pPr algn="ctr"/>
+            <a:r>
+              <a:rPr lang="en-AU" sz="1000" dirty="0">
+                <a:solidFill>
+                  <a:schemeClr val="tx1"/>
+                </a:solidFill>
+                <a:latin typeface="Arial" panose="020B0604020202020204" pitchFamily="34" charset="0"/>
+                <a:cs typeface="Arial" panose="020B0604020202020204" pitchFamily="34" charset="0"/>
+              </a:rPr>
+              <a:t>Tree cover</a:t>
+            </a:r>
+            <a:endParaRPr lang="en-US" sz="1000" dirty="0">
+              <a:solidFill>
+                <a:schemeClr val="tx1"/>
+              </a:solidFill>
+              <a:latin typeface="Arial" panose="020B0604020202020204" pitchFamily="34" charset="0"/>
+              <a:cs typeface="Arial" panose="020B0604020202020204" pitchFamily="34" charset="0"/>
+            </a:endParaRPr>
+          </a:p>
+        </p:txBody>
+      </p:sp>
+      <p:cxnSp>
+        <p:nvCxnSpPr>
+          <p:cNvPr id="244" name="Straight Arrow Connector 243">
+            <a:extLst>
+              <a:ext uri="{FF2B5EF4-FFF2-40B4-BE49-F238E27FC236}">
+                <a16:creationId xmlns:a16="http://schemas.microsoft.com/office/drawing/2014/main" id="{7D2F0C94-F9B9-4DAA-A834-6AA19436E97E}"/>
+              </a:ext>
+            </a:extLst>
+          </p:cNvPr>
+          <p:cNvCxnSpPr>
+            <a:cxnSpLocks/>
+            <a:stCxn id="243" idx="0"/>
+          </p:cNvCxnSpPr>
+          <p:nvPr/>
+        </p:nvCxnSpPr>
+        <p:spPr>
+          <a:xfrm flipV="1">
+            <a:off x="6673165" y="2321922"/>
+            <a:ext cx="782564" cy="976704"/>
+          </a:xfrm>
+          <a:prstGeom prst="straightConnector1">
+            <a:avLst/>
+          </a:prstGeom>
+          <a:ln w="38100">
+            <a:solidFill>
+              <a:schemeClr val="tx1"/>
+            </a:solidFill>
+            <a:prstDash val="dash"/>
+            <a:tailEnd type="triangle"/>
+          </a:ln>
+        </p:spPr>
+        <p:style>
+          <a:lnRef idx="1">
+            <a:schemeClr val="accent1"/>
+          </a:lnRef>
+          <a:fillRef idx="0">
+            <a:schemeClr val="accent1"/>
+          </a:fillRef>
+          <a:effectRef idx="0">
+            <a:schemeClr val="accent1"/>
+          </a:effectRef>
+          <a:fontRef idx="minor">
+            <a:schemeClr val="tx1"/>
+          </a:fontRef>
+        </p:style>
+      </p:cxnSp>
+      <p:sp>
+        <p:nvSpPr>
+          <p:cNvPr id="245" name="Rectangle 244">
+            <a:extLst>
+              <a:ext uri="{FF2B5EF4-FFF2-40B4-BE49-F238E27FC236}">
+                <a16:creationId xmlns:a16="http://schemas.microsoft.com/office/drawing/2014/main" id="{D30D8C2A-26F3-4CEE-98CC-CBD3883E5D3C}"/>
+              </a:ext>
+            </a:extLst>
+          </p:cNvPr>
+          <p:cNvSpPr/>
+          <p:nvPr/>
+        </p:nvSpPr>
+        <p:spPr>
+          <a:xfrm>
+            <a:off x="6078132" y="7227527"/>
+            <a:ext cx="1109630" cy="468616"/>
+          </a:xfrm>
+          <a:prstGeom prst="rect">
+            <a:avLst/>
+          </a:prstGeom>
+          <a:solidFill>
+            <a:schemeClr val="bg1"/>
+          </a:solidFill>
+          <a:ln w="28575">
+            <a:solidFill>
+              <a:schemeClr val="tx1"/>
+            </a:solidFill>
+          </a:ln>
+        </p:spPr>
+        <p:style>
+          <a:lnRef idx="2">
+            <a:schemeClr val="accent1">
+              <a:shade val="50000"/>
+            </a:schemeClr>
+          </a:lnRef>
+          <a:fillRef idx="1">
+            <a:schemeClr val="accent1"/>
+          </a:fillRef>
+          <a:effectRef idx="0">
+            <a:schemeClr val="accent1"/>
+          </a:effectRef>
+          <a:fontRef idx="minor">
+            <a:schemeClr val="lt1"/>
+          </a:fontRef>
+        </p:style>
+        <p:txBody>
+          <a:bodyPr rtlCol="0" anchor="ctr"/>
+          <a:lstStyle/>
+          <a:p>
+            <a:pPr algn="ctr"/>
+            <a:r>
+              <a:rPr lang="en-AU" sz="1000" dirty="0">
+                <a:solidFill>
+                  <a:schemeClr val="tx1"/>
+                </a:solidFill>
+                <a:latin typeface="Arial" panose="020B0604020202020204" pitchFamily="34" charset="0"/>
+                <a:cs typeface="Arial" panose="020B0604020202020204" pitchFamily="34" charset="0"/>
+              </a:rPr>
+              <a:t>Tree cover</a:t>
+            </a:r>
+            <a:endParaRPr lang="en-US" sz="1000" dirty="0">
+              <a:solidFill>
+                <a:schemeClr val="tx1"/>
+              </a:solidFill>
+              <a:latin typeface="Arial" panose="020B0604020202020204" pitchFamily="34" charset="0"/>
+              <a:cs typeface="Arial" panose="020B0604020202020204" pitchFamily="34" charset="0"/>
+            </a:endParaRPr>
+          </a:p>
+        </p:txBody>
+      </p:sp>
+      <p:cxnSp>
+        <p:nvCxnSpPr>
+          <p:cNvPr id="246" name="Straight Arrow Connector 245">
+            <a:extLst>
+              <a:ext uri="{FF2B5EF4-FFF2-40B4-BE49-F238E27FC236}">
+                <a16:creationId xmlns:a16="http://schemas.microsoft.com/office/drawing/2014/main" id="{A3BB124C-B331-44C4-B712-8B419330BC24}"/>
+              </a:ext>
+            </a:extLst>
+          </p:cNvPr>
+          <p:cNvCxnSpPr>
+            <a:cxnSpLocks/>
+            <a:stCxn id="245" idx="0"/>
+          </p:cNvCxnSpPr>
+          <p:nvPr/>
+        </p:nvCxnSpPr>
+        <p:spPr>
+          <a:xfrm flipV="1">
+            <a:off x="6632947" y="6250823"/>
+            <a:ext cx="782564" cy="976704"/>
+          </a:xfrm>
+          <a:prstGeom prst="straightConnector1">
+            <a:avLst/>
+          </a:prstGeom>
+          <a:ln w="38100">
+            <a:solidFill>
+              <a:schemeClr val="tx1"/>
+            </a:solidFill>
+            <a:prstDash val="dash"/>
+            <a:tailEnd type="triangle"/>
+          </a:ln>
+        </p:spPr>
+        <p:style>
+          <a:lnRef idx="1">
+            <a:schemeClr val="accent1"/>
+          </a:lnRef>
+          <a:fillRef idx="0">
+            <a:schemeClr val="accent1"/>
+          </a:fillRef>
+          <a:effectRef idx="0">
+            <a:schemeClr val="accent1"/>
+          </a:effectRef>
+          <a:fontRef idx="minor">
+            <a:schemeClr val="tx1"/>
+          </a:fontRef>
+        </p:style>
+      </p:cxnSp>
+      <p:sp>
+        <p:nvSpPr>
+          <p:cNvPr id="247" name="Rectangle 246">
+            <a:extLst>
+              <a:ext uri="{FF2B5EF4-FFF2-40B4-BE49-F238E27FC236}">
+                <a16:creationId xmlns:a16="http://schemas.microsoft.com/office/drawing/2014/main" id="{4D64E8A3-D159-4EF4-ADA2-7CBC833C8AAA}"/>
+              </a:ext>
+            </a:extLst>
+          </p:cNvPr>
+          <p:cNvSpPr/>
+          <p:nvPr/>
+        </p:nvSpPr>
+        <p:spPr>
+          <a:xfrm>
+            <a:off x="11412164" y="7227527"/>
+            <a:ext cx="1109630" cy="468616"/>
+          </a:xfrm>
+          <a:prstGeom prst="rect">
+            <a:avLst/>
+          </a:prstGeom>
+          <a:solidFill>
+            <a:schemeClr val="bg1"/>
+          </a:solidFill>
+          <a:ln w="28575">
+            <a:solidFill>
+              <a:schemeClr val="tx1"/>
+            </a:solidFill>
+            <a:prstDash val="solid"/>
+          </a:ln>
+        </p:spPr>
+        <p:style>
+          <a:lnRef idx="2">
+            <a:schemeClr val="accent1">
+              <a:shade val="50000"/>
+            </a:schemeClr>
+          </a:lnRef>
+          <a:fillRef idx="1">
+            <a:schemeClr val="accent1"/>
+          </a:fillRef>
+          <a:effectRef idx="0">
+            <a:schemeClr val="accent1"/>
+          </a:effectRef>
+          <a:fontRef idx="minor">
+            <a:schemeClr val="lt1"/>
+          </a:fontRef>
+        </p:style>
+        <p:txBody>
+          <a:bodyPr rtlCol="0" anchor="ctr"/>
+          <a:lstStyle/>
+          <a:p>
+            <a:pPr algn="ctr"/>
+            <a:r>
+              <a:rPr lang="en-AU" sz="1000" dirty="0">
+                <a:solidFill>
+                  <a:schemeClr val="tx1"/>
+                </a:solidFill>
+                <a:latin typeface="Arial" panose="020B0604020202020204" pitchFamily="34" charset="0"/>
+                <a:cs typeface="Arial" panose="020B0604020202020204" pitchFamily="34" charset="0"/>
+              </a:rPr>
+              <a:t>Tree cover</a:t>
+            </a:r>
+            <a:endParaRPr lang="en-US" sz="1000" dirty="0">
+              <a:solidFill>
+                <a:schemeClr val="tx1"/>
+              </a:solidFill>
+              <a:latin typeface="Arial" panose="020B0604020202020204" pitchFamily="34" charset="0"/>
+              <a:cs typeface="Arial" panose="020B0604020202020204" pitchFamily="34" charset="0"/>
+            </a:endParaRPr>
+          </a:p>
+        </p:txBody>
+      </p:sp>
+      <p:cxnSp>
+        <p:nvCxnSpPr>
+          <p:cNvPr id="248" name="Straight Arrow Connector 247">
+            <a:extLst>
+              <a:ext uri="{FF2B5EF4-FFF2-40B4-BE49-F238E27FC236}">
+                <a16:creationId xmlns:a16="http://schemas.microsoft.com/office/drawing/2014/main" id="{6DA3366A-2A9E-4510-93A7-8B3528AC3324}"/>
+              </a:ext>
+            </a:extLst>
+          </p:cNvPr>
+          <p:cNvCxnSpPr>
+            <a:cxnSpLocks/>
+            <a:stCxn id="247" idx="0"/>
+          </p:cNvCxnSpPr>
+          <p:nvPr/>
+        </p:nvCxnSpPr>
+        <p:spPr>
+          <a:xfrm flipV="1">
+            <a:off x="11966979" y="6250823"/>
+            <a:ext cx="782564" cy="976704"/>
+          </a:xfrm>
+          <a:prstGeom prst="straightConnector1">
+            <a:avLst/>
+          </a:prstGeom>
+          <a:ln w="38100">
+            <a:solidFill>
+              <a:schemeClr val="tx1"/>
+            </a:solidFill>
+            <a:prstDash val="solid"/>
+            <a:tailEnd type="triangle"/>
+          </a:ln>
+        </p:spPr>
+        <p:style>
+          <a:lnRef idx="1">
+            <a:schemeClr val="accent1"/>
+          </a:lnRef>
+          <a:fillRef idx="0">
+            <a:schemeClr val="accent1"/>
+          </a:fillRef>
+          <a:effectRef idx="0">
+            <a:schemeClr val="accent1"/>
+          </a:effectRef>
+          <a:fontRef idx="minor">
+            <a:schemeClr val="tx1"/>
+          </a:fontRef>
+        </p:style>
+      </p:cxnSp>
+      <p:sp>
+        <p:nvSpPr>
+          <p:cNvPr id="249" name="Rectangle 248">
+            <a:extLst>
+              <a:ext uri="{FF2B5EF4-FFF2-40B4-BE49-F238E27FC236}">
+                <a16:creationId xmlns:a16="http://schemas.microsoft.com/office/drawing/2014/main" id="{1C667E8A-D218-4013-AAE4-52E42520F74D}"/>
+              </a:ext>
+            </a:extLst>
+          </p:cNvPr>
+          <p:cNvSpPr/>
+          <p:nvPr/>
+        </p:nvSpPr>
+        <p:spPr>
+          <a:xfrm>
+            <a:off x="11393467" y="3282749"/>
+            <a:ext cx="1109630" cy="468616"/>
+          </a:xfrm>
+          <a:prstGeom prst="rect">
+            <a:avLst/>
+          </a:prstGeom>
+          <a:solidFill>
+            <a:schemeClr val="bg1"/>
+          </a:solidFill>
+          <a:ln w="28575">
+            <a:solidFill>
+              <a:schemeClr val="tx1"/>
+            </a:solidFill>
+            <a:prstDash val="solid"/>
+          </a:ln>
+        </p:spPr>
+        <p:style>
+          <a:lnRef idx="2">
+            <a:schemeClr val="accent1">
+              <a:shade val="50000"/>
+            </a:schemeClr>
+          </a:lnRef>
+          <a:fillRef idx="1">
+            <a:schemeClr val="accent1"/>
+          </a:fillRef>
+          <a:effectRef idx="0">
+            <a:schemeClr val="accent1"/>
+          </a:effectRef>
+          <a:fontRef idx="minor">
+            <a:schemeClr val="lt1"/>
+          </a:fontRef>
+        </p:style>
+        <p:txBody>
+          <a:bodyPr rtlCol="0" anchor="ctr"/>
+          <a:lstStyle/>
+          <a:p>
+            <a:pPr algn="ctr"/>
+            <a:r>
+              <a:rPr lang="en-AU" sz="1000" dirty="0">
+                <a:solidFill>
+                  <a:schemeClr val="tx1"/>
+                </a:solidFill>
+                <a:latin typeface="Arial" panose="020B0604020202020204" pitchFamily="34" charset="0"/>
+                <a:cs typeface="Arial" panose="020B0604020202020204" pitchFamily="34" charset="0"/>
+              </a:rPr>
+              <a:t>Tree cover</a:t>
+            </a:r>
+            <a:endParaRPr lang="en-US" sz="1000" dirty="0">
+              <a:solidFill>
+                <a:schemeClr val="tx1"/>
+              </a:solidFill>
+              <a:latin typeface="Arial" panose="020B0604020202020204" pitchFamily="34" charset="0"/>
+              <a:cs typeface="Arial" panose="020B0604020202020204" pitchFamily="34" charset="0"/>
+            </a:endParaRPr>
+          </a:p>
+        </p:txBody>
+      </p:sp>
+      <p:cxnSp>
+        <p:nvCxnSpPr>
+          <p:cNvPr id="250" name="Straight Arrow Connector 249">
+            <a:extLst>
+              <a:ext uri="{FF2B5EF4-FFF2-40B4-BE49-F238E27FC236}">
+                <a16:creationId xmlns:a16="http://schemas.microsoft.com/office/drawing/2014/main" id="{248E1EBA-64C1-45D2-9CF1-D70F1D67244E}"/>
+              </a:ext>
+            </a:extLst>
+          </p:cNvPr>
+          <p:cNvCxnSpPr>
+            <a:cxnSpLocks/>
+            <a:stCxn id="249" idx="0"/>
+          </p:cNvCxnSpPr>
+          <p:nvPr/>
+        </p:nvCxnSpPr>
+        <p:spPr>
+          <a:xfrm flipV="1">
+            <a:off x="11948282" y="2306045"/>
+            <a:ext cx="782564" cy="976704"/>
+          </a:xfrm>
+          <a:prstGeom prst="straightConnector1">
+            <a:avLst/>
+          </a:prstGeom>
+          <a:ln w="38100">
+            <a:solidFill>
+              <a:schemeClr val="tx1"/>
+            </a:solidFill>
+            <a:prstDash val="solid"/>
+            <a:tailEnd type="triangle"/>
+          </a:ln>
+        </p:spPr>
+        <p:style>
+          <a:lnRef idx="1">
+            <a:schemeClr val="accent1"/>
+          </a:lnRef>
+          <a:fillRef idx="0">
+            <a:schemeClr val="accent1"/>
+          </a:fillRef>
+          <a:effectRef idx="0">
+            <a:schemeClr val="accent1"/>
+          </a:effectRef>
+          <a:fontRef idx="minor">
+            <a:schemeClr val="tx1"/>
+          </a:fontRef>
+        </p:style>
+      </p:cxnSp>
+      <p:sp>
+        <p:nvSpPr>
+          <p:cNvPr id="251" name="Rectangle 250">
+            <a:extLst>
+              <a:ext uri="{FF2B5EF4-FFF2-40B4-BE49-F238E27FC236}">
+                <a16:creationId xmlns:a16="http://schemas.microsoft.com/office/drawing/2014/main" id="{17410BE6-496E-4766-B6B3-37980A8CBC01}"/>
+              </a:ext>
+            </a:extLst>
+          </p:cNvPr>
+          <p:cNvSpPr/>
+          <p:nvPr/>
+        </p:nvSpPr>
+        <p:spPr>
+          <a:xfrm>
+            <a:off x="768553" y="7226075"/>
+            <a:ext cx="1109630" cy="468616"/>
+          </a:xfrm>
+          <a:prstGeom prst="rect">
+            <a:avLst/>
+          </a:prstGeom>
+          <a:solidFill>
+            <a:schemeClr val="bg1"/>
+          </a:solidFill>
+          <a:ln w="28575">
+            <a:solidFill>
+              <a:schemeClr val="tx1"/>
+            </a:solidFill>
+            <a:prstDash val="solid"/>
+          </a:ln>
+        </p:spPr>
+        <p:style>
+          <a:lnRef idx="2">
+            <a:schemeClr val="accent1">
+              <a:shade val="50000"/>
+            </a:schemeClr>
+          </a:lnRef>
+          <a:fillRef idx="1">
+            <a:schemeClr val="accent1"/>
+          </a:fillRef>
+          <a:effectRef idx="0">
+            <a:schemeClr val="accent1"/>
+          </a:effectRef>
+          <a:fontRef idx="minor">
+            <a:schemeClr val="lt1"/>
+          </a:fontRef>
+        </p:style>
+        <p:txBody>
+          <a:bodyPr rtlCol="0" anchor="ctr"/>
+          <a:lstStyle/>
+          <a:p>
+            <a:pPr algn="ctr"/>
+            <a:r>
+              <a:rPr lang="en-AU" sz="1000" dirty="0">
+                <a:solidFill>
+                  <a:schemeClr val="tx1"/>
+                </a:solidFill>
+                <a:latin typeface="Arial" panose="020B0604020202020204" pitchFamily="34" charset="0"/>
+                <a:cs typeface="Arial" panose="020B0604020202020204" pitchFamily="34" charset="0"/>
+              </a:rPr>
+              <a:t>Tree cover</a:t>
+            </a:r>
+            <a:endParaRPr lang="en-US" sz="1000" dirty="0">
+              <a:solidFill>
+                <a:schemeClr val="tx1"/>
+              </a:solidFill>
+              <a:latin typeface="Arial" panose="020B0604020202020204" pitchFamily="34" charset="0"/>
+              <a:cs typeface="Arial" panose="020B0604020202020204" pitchFamily="34" charset="0"/>
+            </a:endParaRPr>
+          </a:p>
+        </p:txBody>
+      </p:sp>
+      <p:cxnSp>
+        <p:nvCxnSpPr>
+          <p:cNvPr id="252" name="Straight Arrow Connector 251">
+            <a:extLst>
+              <a:ext uri="{FF2B5EF4-FFF2-40B4-BE49-F238E27FC236}">
+                <a16:creationId xmlns:a16="http://schemas.microsoft.com/office/drawing/2014/main" id="{2C02FDB9-8116-4B7E-809C-F0AC147D05CE}"/>
+              </a:ext>
+            </a:extLst>
+          </p:cNvPr>
+          <p:cNvCxnSpPr>
+            <a:cxnSpLocks/>
+            <a:stCxn id="251" idx="0"/>
+          </p:cNvCxnSpPr>
+          <p:nvPr/>
+        </p:nvCxnSpPr>
+        <p:spPr>
+          <a:xfrm flipV="1">
+            <a:off x="1323368" y="6249371"/>
+            <a:ext cx="782564" cy="976704"/>
+          </a:xfrm>
+          <a:prstGeom prst="straightConnector1">
+            <a:avLst/>
+          </a:prstGeom>
+          <a:ln w="38100">
+            <a:solidFill>
+              <a:schemeClr val="tx1"/>
+            </a:solidFill>
+            <a:prstDash val="solid"/>
+            <a:tailEnd type="triangle"/>
+          </a:ln>
+        </p:spPr>
+        <p:style>
+          <a:lnRef idx="1">
+            <a:schemeClr val="accent1"/>
+          </a:lnRef>
+          <a:fillRef idx="0">
+            <a:schemeClr val="accent1"/>
+          </a:fillRef>
+          <a:effectRef idx="0">
+            <a:schemeClr val="accent1"/>
+          </a:effectRef>
+          <a:fontRef idx="minor">
+            <a:schemeClr val="tx1"/>
+          </a:fontRef>
+        </p:style>
+      </p:cxnSp>
+    </p:spTree>
+    <p:extLst>
+      <p:ext uri="{BB962C8B-B14F-4D97-AF65-F5344CB8AC3E}">
+        <p14:creationId xmlns:p14="http://schemas.microsoft.com/office/powerpoint/2010/main" val="4254741972"/>
+      </p:ext>
+    </p:extLst>
+  </p:cSld>
+  <p:clrMapOvr>
+    <a:masterClrMapping/>
+  </p:clrMapOvr>
+</p:sld>
+</file>
+
 <file path=ppt/theme/theme1.xml><?xml version="1.0" encoding="utf-8"?>
 <a:theme xmlns:a="http://schemas.openxmlformats.org/drawingml/2006/main" name="Office Theme">
   <a:themeElements>
